--- a/Interrogation_SII/ServoMoteur_CommandeVanne/Divers/Figures.pptx
+++ b/Interrogation_SII/ServoMoteur_CommandeVanne/Divers/Figures.pptx
@@ -6,9 +6,11 @@
   </p:sldMasterIdLst>
   <p:sldIdLst>
     <p:sldId id="256" r:id="rId2"/>
+    <p:sldId id="257" r:id="rId3"/>
+    <p:sldId id="258" r:id="rId4"/>
   </p:sldIdLst>
   <p:sldSz cx="9144000" cy="6858000" type="screen4x3"/>
-  <p:notesSz cx="6858000" cy="9144000"/>
+  <p:notesSz cx="7099300" cy="10234613"/>
   <p:defaultTextStyle>
     <a:defPPr>
       <a:defRPr lang="fr-FR"/>
@@ -124,6 +126,47 @@
           <a:chExt cx="0" cy="0"/>
         </a:xfrm>
       </p:grpSpPr>
+      <p:pic>
+        <p:nvPicPr>
+          <p:cNvPr id="1026" name="Picture 2" descr="F:\GitHub_Clef\PT_Oraux\Interrogation_SII\ServoMoteur_CommandeVanne\Divers\ServoMoteur_CommandeVanne.png"/>
+          <p:cNvPicPr>
+            <a:picLocks noChangeAspect="1" noChangeArrowheads="1"/>
+          </p:cNvPicPr>
+          <p:nvPr userDrawn="1"/>
+        </p:nvPicPr>
+        <p:blipFill>
+          <a:blip r:embed="rId2" cstate="print">
+            <a:extLst>
+              <a:ext uri="{28A0092B-C50C-407E-A947-70E740481C1C}">
+                <a14:useLocalDpi xmlns:a14="http://schemas.microsoft.com/office/drawing/2010/main" val="0"/>
+              </a:ext>
+            </a:extLst>
+          </a:blip>
+          <a:srcRect/>
+          <a:stretch>
+            <a:fillRect/>
+          </a:stretch>
+        </p:blipFill>
+        <p:spPr bwMode="auto">
+          <a:xfrm>
+            <a:off x="-32510" y="37120"/>
+            <a:ext cx="9176510" cy="6488310"/>
+          </a:xfrm>
+          <a:prstGeom prst="rect">
+            <a:avLst/>
+          </a:prstGeom>
+          <a:noFill/>
+          <a:extLst>
+            <a:ext uri="{909E8E84-426E-40DD-AFC4-6F175D3DCCD1}">
+              <a14:hiddenFill xmlns:a14="http://schemas.microsoft.com/office/drawing/2010/main">
+                <a:solidFill>
+                  <a:srgbClr val="FFFFFF"/>
+                </a:solidFill>
+              </a14:hiddenFill>
+            </a:ext>
+          </a:extLst>
+        </p:spPr>
+      </p:pic>
       <p:sp>
         <p:nvSpPr>
           <p:cNvPr id="2" name="Titre 1"/>
@@ -288,7 +331,7 @@
           <a:p>
             <a:fld id="{AA309A6D-C09C-4548-B29A-6CF363A7E532}" type="datetimeFigureOut">
               <a:rPr lang="fr-FR" smtClean="0"/>
-              <a:t>23/05/2016</a:t>
+              <a:t>24/05/2016</a:t>
             </a:fld>
             <a:endParaRPr lang="fr-BE"/>
           </a:p>
@@ -336,47 +379,6 @@
           </a:p>
         </p:txBody>
       </p:sp>
-      <p:pic>
-        <p:nvPicPr>
-          <p:cNvPr id="7" name="Picture 2" descr="C:\Enseignement\GitHub\PT_Oraux\Interrogation_SII\ServoMoteur_CommandeVanne\ServoMoteur_CommandeVanne.jpg"/>
-          <p:cNvPicPr>
-            <a:picLocks noChangeAspect="1" noChangeArrowheads="1"/>
-          </p:cNvPicPr>
-          <p:nvPr userDrawn="1"/>
-        </p:nvPicPr>
-        <p:blipFill>
-          <a:blip r:embed="rId2" cstate="print">
-            <a:extLst>
-              <a:ext uri="{28A0092B-C50C-407E-A947-70E740481C1C}">
-                <a14:useLocalDpi xmlns:a14="http://schemas.microsoft.com/office/drawing/2010/main" val="0"/>
-              </a:ext>
-            </a:extLst>
-          </a:blip>
-          <a:srcRect/>
-          <a:stretch>
-            <a:fillRect/>
-          </a:stretch>
-        </p:blipFill>
-        <p:spPr bwMode="auto">
-          <a:xfrm>
-            <a:off x="0" y="-1489"/>
-            <a:ext cx="9144000" cy="6465037"/>
-          </a:xfrm>
-          <a:prstGeom prst="rect">
-            <a:avLst/>
-          </a:prstGeom>
-          <a:noFill/>
-          <a:extLst>
-            <a:ext uri="{909E8E84-426E-40DD-AFC4-6F175D3DCCD1}">
-              <a14:hiddenFill xmlns:a14="http://schemas.microsoft.com/office/drawing/2010/main">
-                <a:solidFill>
-                  <a:srgbClr val="FFFFFF"/>
-                </a:solidFill>
-              </a14:hiddenFill>
-            </a:ext>
-          </a:extLst>
-        </p:spPr>
-      </p:pic>
       <p:sp>
         <p:nvSpPr>
           <p:cNvPr id="8" name="Rectangle 7"/>
@@ -385,8 +387,8 @@
         </p:nvSpPr>
         <p:spPr>
           <a:xfrm>
-            <a:off x="0" y="0"/>
-            <a:ext cx="9144000" cy="6858000"/>
+            <a:off x="-32510" y="0"/>
+            <a:ext cx="9176510" cy="6858000"/>
           </a:xfrm>
           <a:prstGeom prst="rect">
             <a:avLst/>
@@ -542,7 +544,7 @@
           <a:p>
             <a:fld id="{AA309A6D-C09C-4548-B29A-6CF363A7E532}" type="datetimeFigureOut">
               <a:rPr lang="fr-FR" smtClean="0"/>
-              <a:t>23/05/2016</a:t>
+              <a:t>24/05/2016</a:t>
             </a:fld>
             <a:endParaRPr lang="fr-BE"/>
           </a:p>
@@ -717,7 +719,7 @@
           <a:p>
             <a:fld id="{AA309A6D-C09C-4548-B29A-6CF363A7E532}" type="datetimeFigureOut">
               <a:rPr lang="fr-FR" smtClean="0"/>
-              <a:t>23/05/2016</a:t>
+              <a:t>24/05/2016</a:t>
             </a:fld>
             <a:endParaRPr lang="fr-BE"/>
           </a:p>
@@ -882,7 +884,7 @@
           <a:p>
             <a:fld id="{AA309A6D-C09C-4548-B29A-6CF363A7E532}" type="datetimeFigureOut">
               <a:rPr lang="fr-FR" smtClean="0"/>
-              <a:t>23/05/2016</a:t>
+              <a:t>24/05/2016</a:t>
             </a:fld>
             <a:endParaRPr lang="fr-BE"/>
           </a:p>
@@ -1123,7 +1125,7 @@
           <a:p>
             <a:fld id="{AA309A6D-C09C-4548-B29A-6CF363A7E532}" type="datetimeFigureOut">
               <a:rPr lang="fr-FR" smtClean="0"/>
-              <a:t>23/05/2016</a:t>
+              <a:t>24/05/2016</a:t>
             </a:fld>
             <a:endParaRPr lang="fr-BE"/>
           </a:p>
@@ -1406,7 +1408,7 @@
           <a:p>
             <a:fld id="{AA309A6D-C09C-4548-B29A-6CF363A7E532}" type="datetimeFigureOut">
               <a:rPr lang="fr-FR" smtClean="0"/>
-              <a:t>23/05/2016</a:t>
+              <a:t>24/05/2016</a:t>
             </a:fld>
             <a:endParaRPr lang="fr-BE"/>
           </a:p>
@@ -1823,7 +1825,7 @@
           <a:p>
             <a:fld id="{AA309A6D-C09C-4548-B29A-6CF363A7E532}" type="datetimeFigureOut">
               <a:rPr lang="fr-FR" smtClean="0"/>
-              <a:t>23/05/2016</a:t>
+              <a:t>24/05/2016</a:t>
             </a:fld>
             <a:endParaRPr lang="fr-BE"/>
           </a:p>
@@ -1936,7 +1938,7 @@
           <a:p>
             <a:fld id="{AA309A6D-C09C-4548-B29A-6CF363A7E532}" type="datetimeFigureOut">
               <a:rPr lang="fr-FR" smtClean="0"/>
-              <a:t>23/05/2016</a:t>
+              <a:t>24/05/2016</a:t>
             </a:fld>
             <a:endParaRPr lang="fr-BE"/>
           </a:p>
@@ -2026,7 +2028,7 @@
           <a:p>
             <a:fld id="{AA309A6D-C09C-4548-B29A-6CF363A7E532}" type="datetimeFigureOut">
               <a:rPr lang="fr-FR" smtClean="0"/>
-              <a:t>23/05/2016</a:t>
+              <a:t>24/05/2016</a:t>
             </a:fld>
             <a:endParaRPr lang="fr-BE"/>
           </a:p>
@@ -2298,7 +2300,7 @@
           <a:p>
             <a:fld id="{AA309A6D-C09C-4548-B29A-6CF363A7E532}" type="datetimeFigureOut">
               <a:rPr lang="fr-FR" smtClean="0"/>
-              <a:t>23/05/2016</a:t>
+              <a:t>24/05/2016</a:t>
             </a:fld>
             <a:endParaRPr lang="fr-BE"/>
           </a:p>
@@ -2546,7 +2548,7 @@
           <a:p>
             <a:fld id="{AA309A6D-C09C-4548-B29A-6CF363A7E532}" type="datetimeFigureOut">
               <a:rPr lang="fr-FR" smtClean="0"/>
-              <a:t>23/05/2016</a:t>
+              <a:t>24/05/2016</a:t>
             </a:fld>
             <a:endParaRPr lang="fr-BE"/>
           </a:p>
@@ -2754,7 +2756,7 @@
           <a:p>
             <a:fld id="{AA309A6D-C09C-4548-B29A-6CF363A7E532}" type="datetimeFigureOut">
               <a:rPr lang="fr-FR" smtClean="0"/>
-              <a:t>23/05/2016</a:t>
+              <a:t>24/05/2016</a:t>
             </a:fld>
             <a:endParaRPr lang="fr-BE"/>
           </a:p>
@@ -3301,7 +3303,7 @@
           <a:noFill/>
           <a:ln w="12700">
             <a:solidFill>
-              <a:schemeClr val="tx1"/>
+              <a:srgbClr val="00B050"/>
             </a:solidFill>
           </a:ln>
         </p:spPr>
@@ -3337,13 +3339,14 @@
             <a:avLst/>
           </a:prstGeom>
           <a:solidFill>
-            <a:schemeClr val="bg1">
-              <a:lumMod val="75000"/>
+            <a:schemeClr val="accent3">
+              <a:lumMod val="20000"/>
+              <a:lumOff val="80000"/>
             </a:schemeClr>
           </a:solidFill>
           <a:ln w="12700">
             <a:solidFill>
-              <a:schemeClr val="tx1"/>
+              <a:srgbClr val="00B050"/>
             </a:solidFill>
           </a:ln>
         </p:spPr>
@@ -3381,7 +3384,7 @@
         <p:spPr>
           <a:xfrm flipH="1">
             <a:off x="4283968" y="3630779"/>
-            <a:ext cx="792102" cy="0"/>
+            <a:ext cx="864110" cy="0"/>
           </a:xfrm>
           <a:prstGeom prst="line">
             <a:avLst/>
@@ -3389,7 +3392,7 @@
           <a:noFill/>
           <a:ln w="12700">
             <a:solidFill>
-              <a:schemeClr val="tx1"/>
+              <a:srgbClr val="00B050"/>
             </a:solidFill>
           </a:ln>
         </p:spPr>
@@ -3488,44 +3491,6 @@
       </p:cxnSp>
       <p:cxnSp>
         <p:nvCxnSpPr>
-          <p:cNvPr id="32" name="Connecteur droit 31"/>
-          <p:cNvCxnSpPr/>
-          <p:nvPr/>
-        </p:nvCxnSpPr>
-        <p:spPr>
-          <a:xfrm flipH="1">
-            <a:off x="5076070" y="3630779"/>
-            <a:ext cx="72008" cy="0"/>
-          </a:xfrm>
-          <a:prstGeom prst="line">
-            <a:avLst/>
-          </a:prstGeom>
-          <a:noFill/>
-          <a:ln w="12700">
-            <a:solidFill>
-              <a:schemeClr val="tx1"/>
-            </a:solidFill>
-          </a:ln>
-        </p:spPr>
-        <p:style>
-          <a:lnRef idx="2">
-            <a:schemeClr val="accent1">
-              <a:shade val="50000"/>
-            </a:schemeClr>
-          </a:lnRef>
-          <a:fillRef idx="1">
-            <a:schemeClr val="accent1"/>
-          </a:fillRef>
-          <a:effectRef idx="0">
-            <a:schemeClr val="accent1"/>
-          </a:effectRef>
-          <a:fontRef idx="minor">
-            <a:schemeClr val="lt1"/>
-          </a:fontRef>
-        </p:style>
-      </p:cxnSp>
-      <p:cxnSp>
-        <p:nvCxnSpPr>
           <p:cNvPr id="34" name="Connecteur droit 33"/>
           <p:cNvCxnSpPr/>
           <p:nvPr/>
@@ -3541,7 +3506,7 @@
           <a:noFill/>
           <a:ln w="12700">
             <a:solidFill>
-              <a:schemeClr val="tx1"/>
+              <a:srgbClr val="00B050"/>
             </a:solidFill>
           </a:ln>
         </p:spPr>
@@ -3579,7 +3544,7 @@
           <a:noFill/>
           <a:ln w="12700">
             <a:solidFill>
-              <a:schemeClr val="tx1"/>
+              <a:srgbClr val="FF0000"/>
             </a:solidFill>
           </a:ln>
         </p:spPr>
@@ -3617,7 +3582,7 @@
           <a:noFill/>
           <a:ln w="12700">
             <a:solidFill>
-              <a:schemeClr val="tx1"/>
+              <a:srgbClr val="FF0000"/>
             </a:solidFill>
           </a:ln>
         </p:spPr>
@@ -3655,7 +3620,7 @@
           <a:noFill/>
           <a:ln w="12700">
             <a:solidFill>
-              <a:schemeClr val="tx1"/>
+              <a:srgbClr val="FF0000"/>
             </a:solidFill>
           </a:ln>
         </p:spPr>
@@ -3693,7 +3658,7 @@
           <a:noFill/>
           <a:ln w="12700">
             <a:solidFill>
-              <a:schemeClr val="tx1"/>
+              <a:srgbClr val="FF0000"/>
             </a:solidFill>
           </a:ln>
         </p:spPr>
@@ -3731,7 +3696,7 @@
           <a:noFill/>
           <a:ln w="12700">
             <a:solidFill>
-              <a:schemeClr val="tx1"/>
+              <a:srgbClr val="0070C0"/>
             </a:solidFill>
           </a:ln>
         </p:spPr>
@@ -3777,7 +3742,7 @@
           <a:noFill/>
           <a:ln w="12700">
             <a:solidFill>
-              <a:schemeClr val="tx1"/>
+              <a:srgbClr val="FF0000"/>
             </a:solidFill>
           </a:ln>
         </p:spPr>
@@ -3815,7 +3780,7 @@
           <a:noFill/>
           <a:ln w="12700">
             <a:solidFill>
-              <a:schemeClr val="tx1"/>
+              <a:srgbClr val="FF0000"/>
             </a:solidFill>
           </a:ln>
         </p:spPr>
@@ -3853,7 +3818,7 @@
           <a:noFill/>
           <a:ln w="12700">
             <a:solidFill>
-              <a:schemeClr val="tx1"/>
+              <a:srgbClr val="7030A0"/>
             </a:solidFill>
           </a:ln>
         </p:spPr>
@@ -3905,7 +3870,7 @@
             <a:noFill/>
             <a:ln w="12700">
               <a:solidFill>
-                <a:schemeClr val="tx1"/>
+                <a:srgbClr val="0070C0"/>
               </a:solidFill>
             </a:ln>
           </p:spPr>
@@ -3945,7 +3910,7 @@
             <a:noFill/>
             <a:ln w="12700">
               <a:solidFill>
-                <a:schemeClr val="tx1"/>
+                <a:srgbClr val="0070C0"/>
               </a:solidFill>
             </a:ln>
           </p:spPr>
@@ -3984,7 +3949,7 @@
           <a:noFill/>
           <a:ln w="12700">
             <a:solidFill>
-              <a:schemeClr val="tx1"/>
+              <a:srgbClr val="00B050"/>
             </a:solidFill>
           </a:ln>
         </p:spPr>
@@ -4022,7 +3987,7 @@
           <a:noFill/>
           <a:ln w="12700">
             <a:solidFill>
-              <a:schemeClr val="tx1"/>
+              <a:srgbClr val="00B050"/>
             </a:solidFill>
           </a:ln>
         </p:spPr>
@@ -4060,7 +4025,7 @@
           <a:noFill/>
           <a:ln w="12700">
             <a:solidFill>
-              <a:schemeClr val="tx1"/>
+              <a:srgbClr val="7030A0"/>
             </a:solidFill>
           </a:ln>
         </p:spPr>
@@ -4098,7 +4063,7 @@
           <a:noFill/>
           <a:ln w="12700">
             <a:solidFill>
-              <a:schemeClr val="tx1"/>
+              <a:srgbClr val="0070C0"/>
             </a:solidFill>
           </a:ln>
         </p:spPr>
@@ -4136,7 +4101,7 @@
           <a:noFill/>
           <a:ln w="12700">
             <a:solidFill>
-              <a:schemeClr val="tx1"/>
+              <a:srgbClr val="7030A0"/>
             </a:solidFill>
           </a:ln>
         </p:spPr>
@@ -4174,7 +4139,7 @@
           <a:noFill/>
           <a:ln w="12700">
             <a:solidFill>
-              <a:schemeClr val="tx1"/>
+              <a:srgbClr val="7030A0"/>
             </a:solidFill>
           </a:ln>
         </p:spPr>
@@ -4258,7 +4223,7 @@
           <a:noFill/>
           <a:ln w="12700">
             <a:solidFill>
-              <a:schemeClr val="tx1"/>
+              <a:srgbClr val="7030A0"/>
             </a:solidFill>
           </a:ln>
         </p:spPr>
@@ -4296,7 +4261,7 @@
           <a:noFill/>
           <a:ln w="12700">
             <a:solidFill>
-              <a:schemeClr val="tx1"/>
+              <a:srgbClr val="7030A0"/>
             </a:solidFill>
           </a:ln>
         </p:spPr>
@@ -4334,7 +4299,7 @@
           <a:noFill/>
           <a:ln w="12700">
             <a:solidFill>
-              <a:schemeClr val="tx1"/>
+              <a:srgbClr val="7030A0"/>
             </a:solidFill>
           </a:ln>
         </p:spPr>
@@ -4372,7 +4337,7 @@
           <a:noFill/>
           <a:ln w="12700">
             <a:solidFill>
-              <a:schemeClr val="tx1"/>
+              <a:srgbClr val="7030A0"/>
             </a:solidFill>
           </a:ln>
         </p:spPr>
@@ -4418,7 +4383,7 @@
           <a:noFill/>
           <a:ln w="12700">
             <a:solidFill>
-              <a:schemeClr val="tx1"/>
+              <a:srgbClr val="FF0000"/>
             </a:solidFill>
           </a:ln>
         </p:spPr>
@@ -4467,7 +4432,7 @@
           <a:noFill/>
           <a:ln w="12700">
             <a:solidFill>
-              <a:schemeClr val="tx1"/>
+              <a:srgbClr val="FF0000"/>
             </a:solidFill>
           </a:ln>
         </p:spPr>
@@ -4507,7 +4472,7 @@
           <a:noFill/>
           <a:ln w="12700">
             <a:solidFill>
-              <a:schemeClr val="tx1"/>
+              <a:srgbClr val="FF0000"/>
             </a:solidFill>
           </a:ln>
         </p:spPr>
@@ -4528,122 +4493,107 @@
           </a:fontRef>
         </p:style>
       </p:cxnSp>
-      <p:grpSp>
-        <p:nvGrpSpPr>
-          <p:cNvPr id="1032" name="Groupe 1031"/>
-          <p:cNvGrpSpPr/>
-          <p:nvPr/>
-        </p:nvGrpSpPr>
-        <p:grpSpPr>
+      <p:sp>
+        <p:nvSpPr>
+          <p:cNvPr id="92" name="Ellipse 91"/>
+          <p:cNvSpPr>
+            <a:spLocks noChangeAspect="1"/>
+          </p:cNvSpPr>
+          <p:nvPr/>
+        </p:nvSpPr>
+        <p:spPr>
+          <a:xfrm>
+            <a:off x="5814190" y="3576787"/>
+            <a:ext cx="108000" cy="108000"/>
+          </a:xfrm>
+          <a:prstGeom prst="ellipse">
+            <a:avLst/>
+          </a:prstGeom>
+          <a:noFill/>
+          <a:ln w="12700">
+            <a:solidFill>
+              <a:srgbClr val="FF0000"/>
+            </a:solidFill>
+          </a:ln>
+        </p:spPr>
+        <p:style>
+          <a:lnRef idx="2">
+            <a:schemeClr val="accent1">
+              <a:shade val="50000"/>
+            </a:schemeClr>
+          </a:lnRef>
+          <a:fillRef idx="1">
+            <a:schemeClr val="accent1"/>
+          </a:fillRef>
+          <a:effectRef idx="0">
+            <a:schemeClr val="accent1"/>
+          </a:effectRef>
+          <a:fontRef idx="minor">
+            <a:schemeClr val="lt1"/>
+          </a:fontRef>
+        </p:style>
+        <p:txBody>
+          <a:bodyPr rtlCol="0" anchor="ctr"/>
+          <a:lstStyle/>
+          <a:p>
+            <a:pPr algn="ctr"/>
+            <a:endParaRPr lang="fr-FR"/>
+          </a:p>
+        </p:txBody>
+      </p:sp>
+      <p:sp>
+        <p:nvSpPr>
+          <p:cNvPr id="1030" name="Arc 1029"/>
+          <p:cNvSpPr/>
+          <p:nvPr/>
+        </p:nvSpPr>
+        <p:spPr>
           <a:xfrm>
             <a:off x="5796190" y="3558787"/>
             <a:ext cx="144000" cy="144000"/>
-            <a:chOff x="5659315" y="3540270"/>
-            <a:chExt cx="144000" cy="144000"/>
-          </a:xfrm>
-        </p:grpSpPr>
-        <p:sp>
-          <p:nvSpPr>
-            <p:cNvPr id="92" name="Ellipse 91"/>
-            <p:cNvSpPr>
-              <a:spLocks noChangeAspect="1"/>
-            </p:cNvSpPr>
-            <p:nvPr/>
-          </p:nvSpPr>
-          <p:spPr>
-            <a:xfrm>
-              <a:off x="5677315" y="3558270"/>
-              <a:ext cx="108000" cy="108000"/>
-            </a:xfrm>
-            <a:prstGeom prst="ellipse">
-              <a:avLst/>
-            </a:prstGeom>
-            <a:noFill/>
-            <a:ln w="12700">
+          </a:xfrm>
+          <a:prstGeom prst="arc">
+            <a:avLst>
+              <a:gd name="adj1" fmla="val 1294053"/>
+              <a:gd name="adj2" fmla="val 9425428"/>
+            </a:avLst>
+          </a:prstGeom>
+          <a:noFill/>
+          <a:ln w="12700">
+            <a:solidFill>
+              <a:schemeClr val="tx1"/>
+            </a:solidFill>
+          </a:ln>
+        </p:spPr>
+        <p:style>
+          <a:lnRef idx="2">
+            <a:schemeClr val="accent1">
+              <a:shade val="50000"/>
+            </a:schemeClr>
+          </a:lnRef>
+          <a:fillRef idx="1">
+            <a:schemeClr val="accent1"/>
+          </a:fillRef>
+          <a:effectRef idx="0">
+            <a:schemeClr val="accent1"/>
+          </a:effectRef>
+          <a:fontRef idx="minor">
+            <a:schemeClr val="lt1"/>
+          </a:fontRef>
+        </p:style>
+        <p:txBody>
+          <a:bodyPr rtlCol="0" anchor="ctr"/>
+          <a:lstStyle/>
+          <a:p>
+            <a:pPr algn="ctr"/>
+            <a:endParaRPr lang="fr-FR">
               <a:solidFill>
-                <a:schemeClr val="tx1"/>
+                <a:schemeClr val="lt1"/>
               </a:solidFill>
-            </a:ln>
-          </p:spPr>
-          <p:style>
-            <a:lnRef idx="2">
-              <a:schemeClr val="accent1">
-                <a:shade val="50000"/>
-              </a:schemeClr>
-            </a:lnRef>
-            <a:fillRef idx="1">
-              <a:schemeClr val="accent1"/>
-            </a:fillRef>
-            <a:effectRef idx="0">
-              <a:schemeClr val="accent1"/>
-            </a:effectRef>
-            <a:fontRef idx="minor">
-              <a:schemeClr val="lt1"/>
-            </a:fontRef>
-          </p:style>
-          <p:txBody>
-            <a:bodyPr rtlCol="0" anchor="ctr"/>
-            <a:lstStyle/>
-            <a:p>
-              <a:pPr algn="ctr"/>
-              <a:endParaRPr lang="fr-FR"/>
-            </a:p>
-          </p:txBody>
-        </p:sp>
-        <p:sp>
-          <p:nvSpPr>
-            <p:cNvPr id="1030" name="Arc 1029"/>
-            <p:cNvSpPr/>
-            <p:nvPr/>
-          </p:nvSpPr>
-          <p:spPr>
-            <a:xfrm>
-              <a:off x="5659315" y="3540270"/>
-              <a:ext cx="144000" cy="144000"/>
-            </a:xfrm>
-            <a:prstGeom prst="arc">
-              <a:avLst>
-                <a:gd name="adj1" fmla="val 1294053"/>
-                <a:gd name="adj2" fmla="val 9425428"/>
-              </a:avLst>
-            </a:prstGeom>
-            <a:noFill/>
-            <a:ln w="12700">
-              <a:solidFill>
-                <a:schemeClr val="tx1"/>
-              </a:solidFill>
-            </a:ln>
-          </p:spPr>
-          <p:style>
-            <a:lnRef idx="2">
-              <a:schemeClr val="accent1">
-                <a:shade val="50000"/>
-              </a:schemeClr>
-            </a:lnRef>
-            <a:fillRef idx="1">
-              <a:schemeClr val="accent1"/>
-            </a:fillRef>
-            <a:effectRef idx="0">
-              <a:schemeClr val="accent1"/>
-            </a:effectRef>
-            <a:fontRef idx="minor">
-              <a:schemeClr val="lt1"/>
-            </a:fontRef>
-          </p:style>
-          <p:txBody>
-            <a:bodyPr rtlCol="0" anchor="ctr"/>
-            <a:lstStyle/>
-            <a:p>
-              <a:pPr algn="ctr"/>
-              <a:endParaRPr lang="fr-FR">
-                <a:solidFill>
-                  <a:schemeClr val="lt1"/>
-                </a:solidFill>
-              </a:endParaRPr>
-            </a:p>
-          </p:txBody>
-        </p:sp>
-      </p:grpSp>
+            </a:endParaRPr>
+          </a:p>
+        </p:txBody>
+      </p:sp>
       <p:cxnSp>
         <p:nvCxnSpPr>
           <p:cNvPr id="110" name="Connecteur droit 109"/>
@@ -4851,7 +4801,7 @@
           <a:noFill/>
           <a:ln w="12700">
             <a:solidFill>
-              <a:schemeClr val="tx1"/>
+              <a:srgbClr val="FF0000"/>
             </a:solidFill>
           </a:ln>
         </p:spPr>
@@ -4900,7 +4850,7 @@
           <a:noFill/>
           <a:ln w="12700">
             <a:solidFill>
-              <a:schemeClr val="tx1"/>
+              <a:srgbClr val="FF0000"/>
             </a:solidFill>
           </a:ln>
         </p:spPr>
@@ -4952,7 +4902,7 @@
             <a:noFill/>
             <a:ln w="12700">
               <a:solidFill>
-                <a:schemeClr val="tx1"/>
+                <a:srgbClr val="FF0000"/>
               </a:solidFill>
             </a:ln>
           </p:spPr>
@@ -4990,7 +4940,7 @@
             <a:noFill/>
             <a:ln w="12700">
               <a:solidFill>
-                <a:schemeClr val="tx1"/>
+                <a:srgbClr val="FF0000"/>
               </a:solidFill>
             </a:ln>
           </p:spPr>
@@ -5029,7 +4979,7 @@
           <a:noFill/>
           <a:ln w="12700">
             <a:solidFill>
-              <a:schemeClr val="tx1"/>
+              <a:srgbClr val="00B050"/>
             </a:solidFill>
           </a:ln>
         </p:spPr>
@@ -5089,7 +5039,7 @@
             <a:noFill/>
             <a:ln w="12700">
               <a:solidFill>
-                <a:schemeClr val="tx1"/>
+                <a:srgbClr val="FFC000"/>
               </a:solidFill>
             </a:ln>
           </p:spPr>
@@ -5127,7 +5077,7 @@
             <a:noFill/>
             <a:ln w="12700">
               <a:solidFill>
-                <a:schemeClr val="tx1"/>
+                <a:srgbClr val="FFC000"/>
               </a:solidFill>
             </a:ln>
           </p:spPr>
@@ -5180,7 +5130,7 @@
             <a:noFill/>
             <a:ln w="12700">
               <a:solidFill>
-                <a:schemeClr val="tx1"/>
+                <a:srgbClr val="FF0000"/>
               </a:solidFill>
             </a:ln>
           </p:spPr>
@@ -5218,7 +5168,7 @@
             <a:noFill/>
             <a:ln w="12700">
               <a:solidFill>
-                <a:schemeClr val="tx1"/>
+                <a:srgbClr val="FF0000"/>
               </a:solidFill>
             </a:ln>
           </p:spPr>
@@ -5256,7 +5206,7 @@
             <a:noFill/>
             <a:ln w="12700">
               <a:solidFill>
-                <a:schemeClr val="tx1"/>
+                <a:srgbClr val="FF0000"/>
               </a:solidFill>
             </a:ln>
           </p:spPr>
@@ -5371,7 +5321,7 @@
           <a:noFill/>
           <a:ln w="12700">
             <a:solidFill>
-              <a:schemeClr val="tx1"/>
+              <a:srgbClr val="FFC000"/>
             </a:solidFill>
           </a:ln>
         </p:spPr>
@@ -5455,7 +5405,7 @@
           <a:noFill/>
           <a:ln w="12700">
             <a:solidFill>
-              <a:schemeClr val="tx1"/>
+              <a:srgbClr val="FF0000"/>
             </a:solidFill>
           </a:ln>
         </p:spPr>
@@ -5493,7 +5443,7 @@
           <a:noFill/>
           <a:ln w="12700">
             <a:solidFill>
-              <a:schemeClr val="tx1"/>
+              <a:srgbClr val="FF0000"/>
             </a:solidFill>
           </a:ln>
         </p:spPr>
@@ -5531,7 +5481,7 @@
           <a:noFill/>
           <a:ln w="12700">
             <a:solidFill>
-              <a:schemeClr val="tx1"/>
+              <a:srgbClr val="FF0000"/>
             </a:solidFill>
           </a:ln>
         </p:spPr>
@@ -5569,7 +5519,7 @@
           <a:noFill/>
           <a:ln w="12700">
             <a:solidFill>
-              <a:schemeClr val="tx1"/>
+              <a:srgbClr val="FF0000"/>
             </a:solidFill>
           </a:ln>
         </p:spPr>
@@ -5607,7 +5557,7 @@
           <a:noFill/>
           <a:ln w="12700">
             <a:solidFill>
-              <a:schemeClr val="tx1"/>
+              <a:srgbClr val="FFC000"/>
             </a:solidFill>
           </a:ln>
         </p:spPr>
@@ -5648,7 +5598,7 @@
           <a:noFill/>
           <a:ln w="12700">
             <a:solidFill>
-              <a:schemeClr val="tx1"/>
+              <a:srgbClr val="00B0F0"/>
             </a:solidFill>
           </a:ln>
         </p:spPr>
@@ -5734,7 +5684,7 @@
           <a:noFill/>
           <a:ln w="12700">
             <a:solidFill>
-              <a:schemeClr val="tx1"/>
+              <a:srgbClr val="00B0F0"/>
             </a:solidFill>
           </a:ln>
         </p:spPr>
@@ -5780,7 +5730,7 @@
           <a:noFill/>
           <a:ln w="12700">
             <a:solidFill>
-              <a:schemeClr val="tx1"/>
+              <a:srgbClr val="FFC000"/>
             </a:solidFill>
           </a:ln>
         </p:spPr>
@@ -5820,7 +5770,7 @@
           <a:noFill/>
           <a:ln w="12700">
             <a:solidFill>
-              <a:schemeClr val="tx1"/>
+              <a:srgbClr val="FFC000"/>
             </a:solidFill>
           </a:ln>
         </p:spPr>
@@ -5936,7 +5886,7 @@
           <a:noFill/>
           <a:ln w="12700">
             <a:solidFill>
-              <a:schemeClr val="tx1"/>
+              <a:srgbClr val="FFC000"/>
             </a:solidFill>
           </a:ln>
         </p:spPr>
@@ -5982,7 +5932,7 @@
           <a:noFill/>
           <a:ln w="12700">
             <a:solidFill>
-              <a:schemeClr val="tx1"/>
+              <a:srgbClr val="7030A0"/>
             </a:solidFill>
           </a:ln>
         </p:spPr>
@@ -6028,7 +5978,7 @@
           <a:noFill/>
           <a:ln w="12700">
             <a:solidFill>
-              <a:schemeClr val="tx1"/>
+              <a:srgbClr val="0070C0"/>
             </a:solidFill>
           </a:ln>
         </p:spPr>
@@ -6120,7 +6070,7 @@
           <a:noFill/>
           <a:ln w="12700">
             <a:solidFill>
-              <a:schemeClr val="tx1"/>
+              <a:srgbClr val="0070C0"/>
             </a:solidFill>
           </a:ln>
         </p:spPr>
@@ -6204,7 +6154,7 @@
           <a:noFill/>
           <a:ln w="12700">
             <a:solidFill>
-              <a:schemeClr val="tx1"/>
+              <a:srgbClr val="7030A0"/>
             </a:solidFill>
           </a:ln>
         </p:spPr>
@@ -6233,32 +6183,2991 @@
           </a:p>
         </p:txBody>
       </p:sp>
+      <p:cxnSp>
+        <p:nvCxnSpPr>
+          <p:cNvPr id="172" name="Connecteur droit 171"/>
+          <p:cNvCxnSpPr>
+            <a:stCxn id="221" idx="0"/>
+          </p:cNvCxnSpPr>
+          <p:nvPr/>
+        </p:nvCxnSpPr>
+        <p:spPr>
+          <a:xfrm flipV="1">
+            <a:off x="7855404" y="792549"/>
+            <a:ext cx="0" cy="27919"/>
+          </a:xfrm>
+          <a:prstGeom prst="line">
+            <a:avLst/>
+          </a:prstGeom>
+          <a:noFill/>
+          <a:ln w="12700">
+            <a:solidFill>
+              <a:srgbClr val="00B050"/>
+            </a:solidFill>
+          </a:ln>
+        </p:spPr>
+        <p:style>
+          <a:lnRef idx="2">
+            <a:schemeClr val="accent1">
+              <a:shade val="50000"/>
+            </a:schemeClr>
+          </a:lnRef>
+          <a:fillRef idx="1">
+            <a:schemeClr val="accent1"/>
+          </a:fillRef>
+          <a:effectRef idx="0">
+            <a:schemeClr val="accent1"/>
+          </a:effectRef>
+          <a:fontRef idx="minor">
+            <a:schemeClr val="lt1"/>
+          </a:fontRef>
+        </p:style>
+      </p:cxnSp>
+      <p:cxnSp>
+        <p:nvCxnSpPr>
+          <p:cNvPr id="224" name="Connecteur droit 223"/>
+          <p:cNvCxnSpPr/>
+          <p:nvPr/>
+        </p:nvCxnSpPr>
+        <p:spPr>
+          <a:xfrm>
+            <a:off x="7812450" y="754816"/>
+            <a:ext cx="42954" cy="36005"/>
+          </a:xfrm>
+          <a:prstGeom prst="line">
+            <a:avLst/>
+          </a:prstGeom>
+          <a:noFill/>
+          <a:ln w="12700">
+            <a:solidFill>
+              <a:srgbClr val="00B050"/>
+            </a:solidFill>
+          </a:ln>
+        </p:spPr>
+        <p:style>
+          <a:lnRef idx="2">
+            <a:schemeClr val="accent1">
+              <a:shade val="50000"/>
+            </a:schemeClr>
+          </a:lnRef>
+          <a:fillRef idx="1">
+            <a:schemeClr val="accent1"/>
+          </a:fillRef>
+          <a:effectRef idx="0">
+            <a:schemeClr val="accent1"/>
+          </a:effectRef>
+          <a:fontRef idx="minor">
+            <a:schemeClr val="lt1"/>
+          </a:fontRef>
+        </p:style>
+      </p:cxnSp>
+      <p:cxnSp>
+        <p:nvCxnSpPr>
+          <p:cNvPr id="229" name="Connecteur droit 228"/>
+          <p:cNvCxnSpPr/>
+          <p:nvPr/>
+        </p:nvCxnSpPr>
+        <p:spPr>
+          <a:xfrm flipH="1">
+            <a:off x="7855404" y="754816"/>
+            <a:ext cx="42954" cy="36005"/>
+          </a:xfrm>
+          <a:prstGeom prst="line">
+            <a:avLst/>
+          </a:prstGeom>
+          <a:noFill/>
+          <a:ln w="12700">
+            <a:solidFill>
+              <a:srgbClr val="00B050"/>
+            </a:solidFill>
+          </a:ln>
+        </p:spPr>
+        <p:style>
+          <a:lnRef idx="2">
+            <a:schemeClr val="accent1">
+              <a:shade val="50000"/>
+            </a:schemeClr>
+          </a:lnRef>
+          <a:fillRef idx="1">
+            <a:schemeClr val="accent1"/>
+          </a:fillRef>
+          <a:effectRef idx="0">
+            <a:schemeClr val="accent1"/>
+          </a:effectRef>
+          <a:fontRef idx="minor">
+            <a:schemeClr val="lt1"/>
+          </a:fontRef>
+        </p:style>
+      </p:cxnSp>
+      <p:sp>
+        <p:nvSpPr>
+          <p:cNvPr id="235" name="Ellipse 234"/>
+          <p:cNvSpPr/>
+          <p:nvPr/>
+        </p:nvSpPr>
+        <p:spPr>
+          <a:xfrm flipV="1">
+            <a:off x="7829203" y="719328"/>
+            <a:ext cx="52402" cy="52402"/>
+          </a:xfrm>
+          <a:prstGeom prst="ellipse">
+            <a:avLst/>
+          </a:prstGeom>
+          <a:noFill/>
+          <a:ln w="12700">
+            <a:solidFill>
+              <a:srgbClr val="7030A0"/>
+            </a:solidFill>
+          </a:ln>
+        </p:spPr>
+        <p:style>
+          <a:lnRef idx="2">
+            <a:schemeClr val="accent1">
+              <a:shade val="50000"/>
+            </a:schemeClr>
+          </a:lnRef>
+          <a:fillRef idx="1">
+            <a:schemeClr val="accent1"/>
+          </a:fillRef>
+          <a:effectRef idx="0">
+            <a:schemeClr val="accent1"/>
+          </a:effectRef>
+          <a:fontRef idx="minor">
+            <a:schemeClr val="lt1"/>
+          </a:fontRef>
+        </p:style>
+        <p:txBody>
+          <a:bodyPr rtlCol="0" anchor="ctr"/>
+          <a:lstStyle/>
+          <a:p>
+            <a:pPr algn="ctr"/>
+            <a:endParaRPr lang="fr-FR"/>
+          </a:p>
+        </p:txBody>
+      </p:sp>
+      <p:cxnSp>
+        <p:nvCxnSpPr>
+          <p:cNvPr id="236" name="Connecteur droit 235"/>
+          <p:cNvCxnSpPr>
+            <a:stCxn id="233" idx="2"/>
+            <a:endCxn id="235" idx="4"/>
+          </p:cNvCxnSpPr>
+          <p:nvPr/>
+        </p:nvCxnSpPr>
+        <p:spPr>
+          <a:xfrm>
+            <a:off x="7855404" y="692620"/>
+            <a:ext cx="0" cy="26708"/>
+          </a:xfrm>
+          <a:prstGeom prst="line">
+            <a:avLst/>
+          </a:prstGeom>
+          <a:noFill/>
+          <a:ln w="12700">
+            <a:solidFill>
+              <a:srgbClr val="7030A0"/>
+            </a:solidFill>
+          </a:ln>
+        </p:spPr>
+        <p:style>
+          <a:lnRef idx="2">
+            <a:schemeClr val="accent1">
+              <a:shade val="50000"/>
+            </a:schemeClr>
+          </a:lnRef>
+          <a:fillRef idx="1">
+            <a:schemeClr val="accent1"/>
+          </a:fillRef>
+          <a:effectRef idx="0">
+            <a:schemeClr val="accent1"/>
+          </a:effectRef>
+          <a:fontRef idx="minor">
+            <a:schemeClr val="lt1"/>
+          </a:fontRef>
+        </p:style>
+      </p:cxnSp>
+      <p:sp>
+        <p:nvSpPr>
+          <p:cNvPr id="240" name="Rectangle 239"/>
+          <p:cNvSpPr/>
+          <p:nvPr/>
+        </p:nvSpPr>
+        <p:spPr>
+          <a:xfrm rot="5400000">
+            <a:off x="5440239" y="4473150"/>
+            <a:ext cx="45719" cy="72000"/>
+          </a:xfrm>
+          <a:prstGeom prst="rect">
+            <a:avLst/>
+          </a:prstGeom>
+          <a:noFill/>
+          <a:ln w="12700">
+            <a:solidFill>
+              <a:srgbClr val="00B0F0"/>
+            </a:solidFill>
+          </a:ln>
+        </p:spPr>
+        <p:style>
+          <a:lnRef idx="2">
+            <a:schemeClr val="accent1">
+              <a:shade val="50000"/>
+            </a:schemeClr>
+          </a:lnRef>
+          <a:fillRef idx="1">
+            <a:schemeClr val="accent1"/>
+          </a:fillRef>
+          <a:effectRef idx="0">
+            <a:schemeClr val="accent1"/>
+          </a:effectRef>
+          <a:fontRef idx="minor">
+            <a:schemeClr val="lt1"/>
+          </a:fontRef>
+        </p:style>
+        <p:txBody>
+          <a:bodyPr rtlCol="0" anchor="ctr"/>
+          <a:lstStyle/>
+          <a:p>
+            <a:pPr algn="ctr"/>
+            <a:endParaRPr lang="fr-FR"/>
+          </a:p>
+        </p:txBody>
+      </p:sp>
+      <p:sp>
+        <p:nvSpPr>
+          <p:cNvPr id="242" name="Ellipse 241"/>
+          <p:cNvSpPr/>
+          <p:nvPr/>
+        </p:nvSpPr>
+        <p:spPr>
+          <a:xfrm>
+            <a:off x="7783404" y="928468"/>
+            <a:ext cx="144000" cy="144000"/>
+          </a:xfrm>
+          <a:prstGeom prst="ellipse">
+            <a:avLst/>
+          </a:prstGeom>
+          <a:noFill/>
+          <a:ln w="12700">
+            <a:solidFill>
+              <a:srgbClr val="FF0000"/>
+            </a:solidFill>
+          </a:ln>
+        </p:spPr>
+        <p:style>
+          <a:lnRef idx="2">
+            <a:schemeClr val="accent1">
+              <a:shade val="50000"/>
+            </a:schemeClr>
+          </a:lnRef>
+          <a:fillRef idx="1">
+            <a:schemeClr val="accent1"/>
+          </a:fillRef>
+          <a:effectRef idx="0">
+            <a:schemeClr val="accent1"/>
+          </a:effectRef>
+          <a:fontRef idx="minor">
+            <a:schemeClr val="lt1"/>
+          </a:fontRef>
+        </p:style>
+        <p:txBody>
+          <a:bodyPr rtlCol="0" anchor="ctr"/>
+          <a:lstStyle/>
+          <a:p>
+            <a:pPr algn="ctr"/>
+            <a:endParaRPr lang="fr-FR"/>
+          </a:p>
+        </p:txBody>
+      </p:sp>
+      <p:sp>
+        <p:nvSpPr>
+          <p:cNvPr id="243" name="Ellipse 242"/>
+          <p:cNvSpPr/>
+          <p:nvPr/>
+        </p:nvSpPr>
+        <p:spPr>
+          <a:xfrm>
+            <a:off x="7997363" y="1310009"/>
+            <a:ext cx="144000" cy="144000"/>
+          </a:xfrm>
+          <a:prstGeom prst="ellipse">
+            <a:avLst/>
+          </a:prstGeom>
+          <a:noFill/>
+          <a:ln w="12700">
+            <a:solidFill>
+              <a:srgbClr val="FF0000"/>
+            </a:solidFill>
+          </a:ln>
+        </p:spPr>
+        <p:style>
+          <a:lnRef idx="2">
+            <a:schemeClr val="accent1">
+              <a:shade val="50000"/>
+            </a:schemeClr>
+          </a:lnRef>
+          <a:fillRef idx="1">
+            <a:schemeClr val="accent1"/>
+          </a:fillRef>
+          <a:effectRef idx="0">
+            <a:schemeClr val="accent1"/>
+          </a:effectRef>
+          <a:fontRef idx="minor">
+            <a:schemeClr val="lt1"/>
+          </a:fontRef>
+        </p:style>
+        <p:txBody>
+          <a:bodyPr rtlCol="0" anchor="ctr"/>
+          <a:lstStyle/>
+          <a:p>
+            <a:pPr algn="ctr"/>
+            <a:endParaRPr lang="fr-FR"/>
+          </a:p>
+        </p:txBody>
+      </p:sp>
+      <p:sp>
+        <p:nvSpPr>
+          <p:cNvPr id="244" name="Ellipse 243"/>
+          <p:cNvSpPr/>
+          <p:nvPr/>
+        </p:nvSpPr>
+        <p:spPr>
+          <a:xfrm>
+            <a:off x="7571733" y="1310009"/>
+            <a:ext cx="144000" cy="144000"/>
+          </a:xfrm>
+          <a:prstGeom prst="ellipse">
+            <a:avLst/>
+          </a:prstGeom>
+          <a:noFill/>
+          <a:ln w="12700">
+            <a:solidFill>
+              <a:srgbClr val="FF0000"/>
+            </a:solidFill>
+          </a:ln>
+        </p:spPr>
+        <p:style>
+          <a:lnRef idx="2">
+            <a:schemeClr val="accent1">
+              <a:shade val="50000"/>
+            </a:schemeClr>
+          </a:lnRef>
+          <a:fillRef idx="1">
+            <a:schemeClr val="accent1"/>
+          </a:fillRef>
+          <a:effectRef idx="0">
+            <a:schemeClr val="accent1"/>
+          </a:effectRef>
+          <a:fontRef idx="minor">
+            <a:schemeClr val="lt1"/>
+          </a:fontRef>
+        </p:style>
+        <p:txBody>
+          <a:bodyPr rtlCol="0" anchor="ctr"/>
+          <a:lstStyle/>
+          <a:p>
+            <a:pPr algn="ctr"/>
+            <a:endParaRPr lang="fr-FR"/>
+          </a:p>
+        </p:txBody>
+      </p:sp>
+      <p:cxnSp>
+        <p:nvCxnSpPr>
+          <p:cNvPr id="225" name="Connecteur droit 224"/>
+          <p:cNvCxnSpPr>
+            <a:stCxn id="244" idx="1"/>
+            <a:endCxn id="219" idx="1"/>
+          </p:cNvCxnSpPr>
+          <p:nvPr/>
+        </p:nvCxnSpPr>
+        <p:spPr>
+          <a:xfrm flipH="1" flipV="1">
+            <a:off x="7516454" y="1254730"/>
+            <a:ext cx="76367" cy="76367"/>
+          </a:xfrm>
+          <a:prstGeom prst="line">
+            <a:avLst/>
+          </a:prstGeom>
+          <a:noFill/>
+          <a:ln w="12700">
+            <a:solidFill>
+              <a:srgbClr val="0070C0"/>
+            </a:solidFill>
+          </a:ln>
+        </p:spPr>
+        <p:style>
+          <a:lnRef idx="2">
+            <a:schemeClr val="accent1">
+              <a:shade val="50000"/>
+            </a:schemeClr>
+          </a:lnRef>
+          <a:fillRef idx="1">
+            <a:schemeClr val="accent1"/>
+          </a:fillRef>
+          <a:effectRef idx="0">
+            <a:schemeClr val="accent1"/>
+          </a:effectRef>
+          <a:fontRef idx="minor">
+            <a:schemeClr val="lt1"/>
+          </a:fontRef>
+        </p:style>
+      </p:cxnSp>
+      <p:cxnSp>
+        <p:nvCxnSpPr>
+          <p:cNvPr id="248" name="Connecteur droit 247"/>
+          <p:cNvCxnSpPr>
+            <a:stCxn id="220" idx="7"/>
+            <a:endCxn id="243" idx="7"/>
+          </p:cNvCxnSpPr>
+          <p:nvPr/>
+        </p:nvCxnSpPr>
+        <p:spPr>
+          <a:xfrm flipH="1">
+            <a:off x="8120275" y="1254730"/>
+            <a:ext cx="76367" cy="76367"/>
+          </a:xfrm>
+          <a:prstGeom prst="line">
+            <a:avLst/>
+          </a:prstGeom>
+          <a:noFill/>
+          <a:ln w="12700">
+            <a:solidFill>
+              <a:srgbClr val="0070C0"/>
+            </a:solidFill>
+          </a:ln>
+        </p:spPr>
+        <p:style>
+          <a:lnRef idx="2">
+            <a:schemeClr val="accent1">
+              <a:shade val="50000"/>
+            </a:schemeClr>
+          </a:lnRef>
+          <a:fillRef idx="1">
+            <a:schemeClr val="accent1"/>
+          </a:fillRef>
+          <a:effectRef idx="0">
+            <a:schemeClr val="accent1"/>
+          </a:effectRef>
+          <a:fontRef idx="minor">
+            <a:schemeClr val="lt1"/>
+          </a:fontRef>
+        </p:style>
+      </p:cxnSp>
+      <p:cxnSp>
+        <p:nvCxnSpPr>
+          <p:cNvPr id="251" name="Connecteur droit 250"/>
+          <p:cNvCxnSpPr>
+            <a:stCxn id="242" idx="5"/>
+            <a:endCxn id="221" idx="5"/>
+          </p:cNvCxnSpPr>
+          <p:nvPr/>
+        </p:nvCxnSpPr>
+        <p:spPr>
+          <a:xfrm>
+            <a:off x="7906316" y="1051380"/>
+            <a:ext cx="76367" cy="76367"/>
+          </a:xfrm>
+          <a:prstGeom prst="line">
+            <a:avLst/>
+          </a:prstGeom>
+          <a:noFill/>
+          <a:ln w="12700">
+            <a:solidFill>
+              <a:srgbClr val="0070C0"/>
+            </a:solidFill>
+          </a:ln>
+        </p:spPr>
+        <p:style>
+          <a:lnRef idx="2">
+            <a:schemeClr val="accent1">
+              <a:shade val="50000"/>
+            </a:schemeClr>
+          </a:lnRef>
+          <a:fillRef idx="1">
+            <a:schemeClr val="accent1"/>
+          </a:fillRef>
+          <a:effectRef idx="0">
+            <a:schemeClr val="accent1"/>
+          </a:effectRef>
+          <a:fontRef idx="minor">
+            <a:schemeClr val="lt1"/>
+          </a:fontRef>
+        </p:style>
+      </p:cxnSp>
+      <p:cxnSp>
+        <p:nvCxnSpPr>
+          <p:cNvPr id="254" name="Connecteur droit 253"/>
+          <p:cNvCxnSpPr>
+            <a:stCxn id="139" idx="4"/>
+            <a:endCxn id="213" idx="4"/>
+          </p:cNvCxnSpPr>
+          <p:nvPr/>
+        </p:nvCxnSpPr>
+        <p:spPr>
+          <a:xfrm flipV="1">
+            <a:off x="7855404" y="1324468"/>
+            <a:ext cx="0" cy="360000"/>
+          </a:xfrm>
+          <a:prstGeom prst="line">
+            <a:avLst/>
+          </a:prstGeom>
+          <a:noFill/>
+          <a:ln w="12700">
+            <a:solidFill>
+              <a:srgbClr val="00B050"/>
+            </a:solidFill>
+          </a:ln>
+        </p:spPr>
+        <p:style>
+          <a:lnRef idx="2">
+            <a:schemeClr val="accent1">
+              <a:shade val="50000"/>
+            </a:schemeClr>
+          </a:lnRef>
+          <a:fillRef idx="1">
+            <a:schemeClr val="accent1"/>
+          </a:fillRef>
+          <a:effectRef idx="0">
+            <a:schemeClr val="accent1"/>
+          </a:effectRef>
+          <a:fontRef idx="minor">
+            <a:schemeClr val="lt1"/>
+          </a:fontRef>
+        </p:style>
+      </p:cxnSp>
+      <p:cxnSp>
+        <p:nvCxnSpPr>
+          <p:cNvPr id="266" name="Connecteur droit 265"/>
+          <p:cNvCxnSpPr>
+            <a:stCxn id="188" idx="0"/>
+          </p:cNvCxnSpPr>
+          <p:nvPr/>
+        </p:nvCxnSpPr>
+        <p:spPr>
+          <a:xfrm>
+            <a:off x="5499125" y="4051765"/>
+            <a:ext cx="369065" cy="16"/>
+          </a:xfrm>
+          <a:prstGeom prst="line">
+            <a:avLst/>
+          </a:prstGeom>
+          <a:noFill/>
+          <a:ln w="12700">
+            <a:solidFill>
+              <a:schemeClr val="tx1"/>
+            </a:solidFill>
+          </a:ln>
+        </p:spPr>
+        <p:style>
+          <a:lnRef idx="2">
+            <a:schemeClr val="accent1">
+              <a:shade val="50000"/>
+            </a:schemeClr>
+          </a:lnRef>
+          <a:fillRef idx="1">
+            <a:schemeClr val="accent1"/>
+          </a:fillRef>
+          <a:effectRef idx="0">
+            <a:schemeClr val="accent1"/>
+          </a:effectRef>
+          <a:fontRef idx="minor">
+            <a:schemeClr val="lt1"/>
+          </a:fontRef>
+        </p:style>
+      </p:cxnSp>
+      <p:cxnSp>
+        <p:nvCxnSpPr>
+          <p:cNvPr id="269" name="Connecteur droit 268"/>
+          <p:cNvCxnSpPr/>
+          <p:nvPr/>
+        </p:nvCxnSpPr>
+        <p:spPr>
+          <a:xfrm>
+            <a:off x="5319080" y="4051765"/>
+            <a:ext cx="1" cy="1177485"/>
+          </a:xfrm>
+          <a:prstGeom prst="line">
+            <a:avLst/>
+          </a:prstGeom>
+          <a:noFill/>
+          <a:ln w="12700">
+            <a:solidFill>
+              <a:schemeClr val="tx1"/>
+            </a:solidFill>
+          </a:ln>
+        </p:spPr>
+        <p:style>
+          <a:lnRef idx="2">
+            <a:schemeClr val="accent1">
+              <a:shade val="50000"/>
+            </a:schemeClr>
+          </a:lnRef>
+          <a:fillRef idx="1">
+            <a:schemeClr val="accent1"/>
+          </a:fillRef>
+          <a:effectRef idx="0">
+            <a:schemeClr val="accent1"/>
+          </a:effectRef>
+          <a:fontRef idx="minor">
+            <a:schemeClr val="lt1"/>
+          </a:fontRef>
+        </p:style>
+      </p:cxnSp>
+      <p:cxnSp>
+        <p:nvCxnSpPr>
+          <p:cNvPr id="274" name="Connecteur droit 273"/>
+          <p:cNvCxnSpPr>
+            <a:stCxn id="83" idx="2"/>
+          </p:cNvCxnSpPr>
+          <p:nvPr/>
+        </p:nvCxnSpPr>
+        <p:spPr>
+          <a:xfrm>
+            <a:off x="8278544" y="3704588"/>
+            <a:ext cx="0" cy="130938"/>
+          </a:xfrm>
+          <a:prstGeom prst="line">
+            <a:avLst/>
+          </a:prstGeom>
+          <a:noFill/>
+          <a:ln w="12700">
+            <a:solidFill>
+              <a:schemeClr val="tx1"/>
+            </a:solidFill>
+          </a:ln>
+        </p:spPr>
+        <p:style>
+          <a:lnRef idx="2">
+            <a:schemeClr val="accent1">
+              <a:shade val="50000"/>
+            </a:schemeClr>
+          </a:lnRef>
+          <a:fillRef idx="1">
+            <a:schemeClr val="accent1"/>
+          </a:fillRef>
+          <a:effectRef idx="0">
+            <a:schemeClr val="accent1"/>
+          </a:effectRef>
+          <a:fontRef idx="minor">
+            <a:schemeClr val="lt1"/>
+          </a:fontRef>
+        </p:style>
+      </p:cxnSp>
+      <p:cxnSp>
+        <p:nvCxnSpPr>
+          <p:cNvPr id="276" name="Connecteur droit 275"/>
+          <p:cNvCxnSpPr/>
+          <p:nvPr/>
+        </p:nvCxnSpPr>
+        <p:spPr>
+          <a:xfrm flipH="1">
+            <a:off x="5319081" y="5223381"/>
+            <a:ext cx="2396653" cy="0"/>
+          </a:xfrm>
+          <a:prstGeom prst="line">
+            <a:avLst/>
+          </a:prstGeom>
+          <a:noFill/>
+          <a:ln w="12700">
+            <a:solidFill>
+              <a:schemeClr val="tx1"/>
+            </a:solidFill>
+          </a:ln>
+        </p:spPr>
+        <p:style>
+          <a:lnRef idx="2">
+            <a:schemeClr val="accent1">
+              <a:shade val="50000"/>
+            </a:schemeClr>
+          </a:lnRef>
+          <a:fillRef idx="1">
+            <a:schemeClr val="accent1"/>
+          </a:fillRef>
+          <a:effectRef idx="0">
+            <a:schemeClr val="accent1"/>
+          </a:effectRef>
+          <a:fontRef idx="minor">
+            <a:schemeClr val="lt1"/>
+          </a:fontRef>
+        </p:style>
+      </p:cxnSp>
+      <p:cxnSp>
+        <p:nvCxnSpPr>
+          <p:cNvPr id="278" name="Connecteur droit 277"/>
+          <p:cNvCxnSpPr/>
+          <p:nvPr/>
+        </p:nvCxnSpPr>
+        <p:spPr>
+          <a:xfrm>
+            <a:off x="7711396" y="4221110"/>
+            <a:ext cx="1" cy="1008140"/>
+          </a:xfrm>
+          <a:prstGeom prst="line">
+            <a:avLst/>
+          </a:prstGeom>
+          <a:noFill/>
+          <a:ln w="12700">
+            <a:solidFill>
+              <a:schemeClr val="tx1"/>
+            </a:solidFill>
+          </a:ln>
+        </p:spPr>
+        <p:style>
+          <a:lnRef idx="2">
+            <a:schemeClr val="accent1">
+              <a:shade val="50000"/>
+            </a:schemeClr>
+          </a:lnRef>
+          <a:fillRef idx="1">
+            <a:schemeClr val="accent1"/>
+          </a:fillRef>
+          <a:effectRef idx="0">
+            <a:schemeClr val="accent1"/>
+          </a:effectRef>
+          <a:fontRef idx="minor">
+            <a:schemeClr val="lt1"/>
+          </a:fontRef>
+        </p:style>
+      </p:cxnSp>
+      <p:cxnSp>
+        <p:nvCxnSpPr>
+          <p:cNvPr id="279" name="Connecteur droit 278"/>
+          <p:cNvCxnSpPr/>
+          <p:nvPr/>
+        </p:nvCxnSpPr>
+        <p:spPr>
+          <a:xfrm>
+            <a:off x="7706200" y="4221110"/>
+            <a:ext cx="175405" cy="0"/>
+          </a:xfrm>
+          <a:prstGeom prst="line">
+            <a:avLst/>
+          </a:prstGeom>
+          <a:noFill/>
+          <a:ln w="12700">
+            <a:solidFill>
+              <a:schemeClr val="tx1"/>
+            </a:solidFill>
+          </a:ln>
+        </p:spPr>
+        <p:style>
+          <a:lnRef idx="2">
+            <a:schemeClr val="accent1">
+              <a:shade val="50000"/>
+            </a:schemeClr>
+          </a:lnRef>
+          <a:fillRef idx="1">
+            <a:schemeClr val="accent1"/>
+          </a:fillRef>
+          <a:effectRef idx="0">
+            <a:schemeClr val="accent1"/>
+          </a:effectRef>
+          <a:fontRef idx="minor">
+            <a:schemeClr val="lt1"/>
+          </a:fontRef>
+        </p:style>
+      </p:cxnSp>
+      <p:sp>
+        <p:nvSpPr>
+          <p:cNvPr id="285" name="Ellipse 284"/>
+          <p:cNvSpPr>
+            <a:spLocks noChangeAspect="1"/>
+          </p:cNvSpPr>
+          <p:nvPr/>
+        </p:nvSpPr>
+        <p:spPr>
+          <a:xfrm>
+            <a:off x="7830470" y="3576787"/>
+            <a:ext cx="108000" cy="108000"/>
+          </a:xfrm>
+          <a:prstGeom prst="ellipse">
+            <a:avLst/>
+          </a:prstGeom>
+          <a:noFill/>
+          <a:ln w="12700">
+            <a:solidFill>
+              <a:srgbClr val="00B050"/>
+            </a:solidFill>
+          </a:ln>
+        </p:spPr>
+        <p:style>
+          <a:lnRef idx="2">
+            <a:schemeClr val="accent1">
+              <a:shade val="50000"/>
+            </a:schemeClr>
+          </a:lnRef>
+          <a:fillRef idx="1">
+            <a:schemeClr val="accent1"/>
+          </a:fillRef>
+          <a:effectRef idx="0">
+            <a:schemeClr val="accent1"/>
+          </a:effectRef>
+          <a:fontRef idx="minor">
+            <a:schemeClr val="lt1"/>
+          </a:fontRef>
+        </p:style>
+        <p:txBody>
+          <a:bodyPr rtlCol="0" anchor="ctr"/>
+          <a:lstStyle/>
+          <a:p>
+            <a:pPr algn="ctr"/>
+            <a:endParaRPr lang="fr-FR"/>
+          </a:p>
+        </p:txBody>
+      </p:sp>
+      <p:sp>
+        <p:nvSpPr>
+          <p:cNvPr id="286" name="Arc 285"/>
+          <p:cNvSpPr/>
+          <p:nvPr/>
+        </p:nvSpPr>
+        <p:spPr>
+          <a:xfrm>
+            <a:off x="7812470" y="3558787"/>
+            <a:ext cx="144000" cy="144000"/>
+          </a:xfrm>
+          <a:prstGeom prst="arc">
+            <a:avLst>
+              <a:gd name="adj1" fmla="val 1294053"/>
+              <a:gd name="adj2" fmla="val 9425428"/>
+            </a:avLst>
+          </a:prstGeom>
+          <a:noFill/>
+          <a:ln w="12700">
+            <a:solidFill>
+              <a:schemeClr val="tx1"/>
+            </a:solidFill>
+          </a:ln>
+        </p:spPr>
+        <p:style>
+          <a:lnRef idx="2">
+            <a:schemeClr val="accent1">
+              <a:shade val="50000"/>
+            </a:schemeClr>
+          </a:lnRef>
+          <a:fillRef idx="1">
+            <a:schemeClr val="accent1"/>
+          </a:fillRef>
+          <a:effectRef idx="0">
+            <a:schemeClr val="accent1"/>
+          </a:effectRef>
+          <a:fontRef idx="minor">
+            <a:schemeClr val="lt1"/>
+          </a:fontRef>
+        </p:style>
+        <p:txBody>
+          <a:bodyPr rtlCol="0" anchor="ctr"/>
+          <a:lstStyle/>
+          <a:p>
+            <a:pPr algn="ctr"/>
+            <a:endParaRPr lang="fr-FR">
+              <a:solidFill>
+                <a:schemeClr val="lt1"/>
+              </a:solidFill>
+            </a:endParaRPr>
+          </a:p>
+        </p:txBody>
+      </p:sp>
+      <p:cxnSp>
+        <p:nvCxnSpPr>
+          <p:cNvPr id="289" name="Connecteur droit 288"/>
+          <p:cNvCxnSpPr/>
+          <p:nvPr/>
+        </p:nvCxnSpPr>
+        <p:spPr>
+          <a:xfrm flipV="1">
+            <a:off x="7715733" y="3542048"/>
+            <a:ext cx="0" cy="88740"/>
+          </a:xfrm>
+          <a:prstGeom prst="line">
+            <a:avLst/>
+          </a:prstGeom>
+          <a:noFill/>
+          <a:ln w="12700">
+            <a:solidFill>
+              <a:srgbClr val="7030A0"/>
+            </a:solidFill>
+          </a:ln>
+        </p:spPr>
+        <p:style>
+          <a:lnRef idx="2">
+            <a:schemeClr val="accent1">
+              <a:shade val="50000"/>
+            </a:schemeClr>
+          </a:lnRef>
+          <a:fillRef idx="1">
+            <a:schemeClr val="accent1"/>
+          </a:fillRef>
+          <a:effectRef idx="0">
+            <a:schemeClr val="accent1"/>
+          </a:effectRef>
+          <a:fontRef idx="minor">
+            <a:schemeClr val="lt1"/>
+          </a:fontRef>
+        </p:style>
+      </p:cxnSp>
+      <p:cxnSp>
+        <p:nvCxnSpPr>
+          <p:cNvPr id="293" name="Connecteur droit 292"/>
+          <p:cNvCxnSpPr/>
+          <p:nvPr/>
+        </p:nvCxnSpPr>
+        <p:spPr>
+          <a:xfrm>
+            <a:off x="7978202" y="3629852"/>
+            <a:ext cx="554348" cy="0"/>
+          </a:xfrm>
+          <a:prstGeom prst="line">
+            <a:avLst/>
+          </a:prstGeom>
+          <a:noFill/>
+          <a:ln w="12700">
+            <a:solidFill>
+              <a:srgbClr val="7030A0"/>
+            </a:solidFill>
+          </a:ln>
+        </p:spPr>
+        <p:style>
+          <a:lnRef idx="2">
+            <a:schemeClr val="accent1">
+              <a:shade val="50000"/>
+            </a:schemeClr>
+          </a:lnRef>
+          <a:fillRef idx="1">
+            <a:schemeClr val="accent1"/>
+          </a:fillRef>
+          <a:effectRef idx="0">
+            <a:schemeClr val="accent1"/>
+          </a:effectRef>
+          <a:fontRef idx="minor">
+            <a:schemeClr val="lt1"/>
+          </a:fontRef>
+        </p:style>
+      </p:cxnSp>
+      <p:cxnSp>
+        <p:nvCxnSpPr>
+          <p:cNvPr id="300" name="Connecteur droit 299"/>
+          <p:cNvCxnSpPr/>
+          <p:nvPr/>
+        </p:nvCxnSpPr>
+        <p:spPr>
+          <a:xfrm flipV="1">
+            <a:off x="7978202" y="3545284"/>
+            <a:ext cx="0" cy="88740"/>
+          </a:xfrm>
+          <a:prstGeom prst="line">
+            <a:avLst/>
+          </a:prstGeom>
+          <a:noFill/>
+          <a:ln w="12700">
+            <a:solidFill>
+              <a:srgbClr val="7030A0"/>
+            </a:solidFill>
+          </a:ln>
+        </p:spPr>
+        <p:style>
+          <a:lnRef idx="2">
+            <a:schemeClr val="accent1">
+              <a:shade val="50000"/>
+            </a:schemeClr>
+          </a:lnRef>
+          <a:fillRef idx="1">
+            <a:schemeClr val="accent1"/>
+          </a:fillRef>
+          <a:effectRef idx="0">
+            <a:schemeClr val="accent1"/>
+          </a:effectRef>
+          <a:fontRef idx="minor">
+            <a:schemeClr val="lt1"/>
+          </a:fontRef>
+        </p:style>
+      </p:cxnSp>
+      <p:cxnSp>
+        <p:nvCxnSpPr>
+          <p:cNvPr id="301" name="Connecteur droit 300"/>
+          <p:cNvCxnSpPr/>
+          <p:nvPr/>
+        </p:nvCxnSpPr>
+        <p:spPr>
+          <a:xfrm>
+            <a:off x="7714634" y="3541112"/>
+            <a:ext cx="267316" cy="0"/>
+          </a:xfrm>
+          <a:prstGeom prst="line">
+            <a:avLst/>
+          </a:prstGeom>
+          <a:noFill/>
+          <a:ln w="12700">
+            <a:solidFill>
+              <a:srgbClr val="7030A0"/>
+            </a:solidFill>
+          </a:ln>
+        </p:spPr>
+        <p:style>
+          <a:lnRef idx="2">
+            <a:schemeClr val="accent1">
+              <a:shade val="50000"/>
+            </a:schemeClr>
+          </a:lnRef>
+          <a:fillRef idx="1">
+            <a:schemeClr val="accent1"/>
+          </a:fillRef>
+          <a:effectRef idx="0">
+            <a:schemeClr val="accent1"/>
+          </a:effectRef>
+          <a:fontRef idx="minor">
+            <a:schemeClr val="lt1"/>
+          </a:fontRef>
+        </p:style>
+      </p:cxnSp>
+      <p:cxnSp>
+        <p:nvCxnSpPr>
+          <p:cNvPr id="303" name="Connecteur droit 302"/>
+          <p:cNvCxnSpPr/>
+          <p:nvPr/>
+        </p:nvCxnSpPr>
+        <p:spPr>
+          <a:xfrm>
+            <a:off x="7882610" y="3702138"/>
+            <a:ext cx="0" cy="518972"/>
+          </a:xfrm>
+          <a:prstGeom prst="line">
+            <a:avLst/>
+          </a:prstGeom>
+          <a:noFill/>
+          <a:ln w="12700">
+            <a:solidFill>
+              <a:schemeClr val="tx1"/>
+            </a:solidFill>
+          </a:ln>
+        </p:spPr>
+        <p:style>
+          <a:lnRef idx="2">
+            <a:schemeClr val="accent1">
+              <a:shade val="50000"/>
+            </a:schemeClr>
+          </a:lnRef>
+          <a:fillRef idx="1">
+            <a:schemeClr val="accent1"/>
+          </a:fillRef>
+          <a:effectRef idx="0">
+            <a:schemeClr val="accent1"/>
+          </a:effectRef>
+          <a:fontRef idx="minor">
+            <a:schemeClr val="lt1"/>
+          </a:fontRef>
+        </p:style>
+      </p:cxnSp>
+      <p:cxnSp>
+        <p:nvCxnSpPr>
+          <p:cNvPr id="314" name="Connecteur droit 313"/>
+          <p:cNvCxnSpPr/>
+          <p:nvPr/>
+        </p:nvCxnSpPr>
+        <p:spPr>
+          <a:xfrm>
+            <a:off x="7884470" y="3837900"/>
+            <a:ext cx="394074" cy="0"/>
+          </a:xfrm>
+          <a:prstGeom prst="line">
+            <a:avLst/>
+          </a:prstGeom>
+          <a:noFill/>
+          <a:ln w="12700">
+            <a:solidFill>
+              <a:schemeClr val="tx1"/>
+            </a:solidFill>
+          </a:ln>
+        </p:spPr>
+        <p:style>
+          <a:lnRef idx="2">
+            <a:schemeClr val="accent1">
+              <a:shade val="50000"/>
+            </a:schemeClr>
+          </a:lnRef>
+          <a:fillRef idx="1">
+            <a:schemeClr val="accent1"/>
+          </a:fillRef>
+          <a:effectRef idx="0">
+            <a:schemeClr val="accent1"/>
+          </a:effectRef>
+          <a:fontRef idx="minor">
+            <a:schemeClr val="lt1"/>
+          </a:fontRef>
+        </p:style>
+      </p:cxnSp>
+      <p:cxnSp>
+        <p:nvCxnSpPr>
+          <p:cNvPr id="316" name="Connecteur droit 315"/>
+          <p:cNvCxnSpPr/>
+          <p:nvPr/>
+        </p:nvCxnSpPr>
+        <p:spPr>
+          <a:xfrm flipH="1">
+            <a:off x="7596421" y="4167480"/>
+            <a:ext cx="178803" cy="0"/>
+          </a:xfrm>
+          <a:prstGeom prst="line">
+            <a:avLst/>
+          </a:prstGeom>
+          <a:noFill/>
+          <a:ln w="12700">
+            <a:solidFill>
+              <a:srgbClr val="00B050"/>
+            </a:solidFill>
+          </a:ln>
+        </p:spPr>
+        <p:style>
+          <a:lnRef idx="2">
+            <a:schemeClr val="accent1">
+              <a:shade val="50000"/>
+            </a:schemeClr>
+          </a:lnRef>
+          <a:fillRef idx="1">
+            <a:schemeClr val="accent1"/>
+          </a:fillRef>
+          <a:effectRef idx="0">
+            <a:schemeClr val="accent1"/>
+          </a:effectRef>
+          <a:fontRef idx="minor">
+            <a:schemeClr val="lt1"/>
+          </a:fontRef>
+        </p:style>
+      </p:cxnSp>
+      <p:cxnSp>
+        <p:nvCxnSpPr>
+          <p:cNvPr id="318" name="Connecteur droit 317"/>
+          <p:cNvCxnSpPr/>
+          <p:nvPr/>
+        </p:nvCxnSpPr>
+        <p:spPr>
+          <a:xfrm flipV="1">
+            <a:off x="7775224" y="3626136"/>
+            <a:ext cx="0" cy="541344"/>
+          </a:xfrm>
+          <a:prstGeom prst="line">
+            <a:avLst/>
+          </a:prstGeom>
+          <a:noFill/>
+          <a:ln w="12700">
+            <a:solidFill>
+              <a:srgbClr val="00B050"/>
+            </a:solidFill>
+          </a:ln>
+        </p:spPr>
+        <p:style>
+          <a:lnRef idx="2">
+            <a:schemeClr val="accent1">
+              <a:shade val="50000"/>
+            </a:schemeClr>
+          </a:lnRef>
+          <a:fillRef idx="1">
+            <a:schemeClr val="accent1"/>
+          </a:fillRef>
+          <a:effectRef idx="0">
+            <a:schemeClr val="accent1"/>
+          </a:effectRef>
+          <a:fontRef idx="minor">
+            <a:schemeClr val="lt1"/>
+          </a:fontRef>
+        </p:style>
+      </p:cxnSp>
+      <p:cxnSp>
+        <p:nvCxnSpPr>
+          <p:cNvPr id="321" name="Connecteur droit 320"/>
+          <p:cNvCxnSpPr>
+            <a:endCxn id="285" idx="2"/>
+          </p:cNvCxnSpPr>
+          <p:nvPr/>
+        </p:nvCxnSpPr>
+        <p:spPr>
+          <a:xfrm>
+            <a:off x="7775224" y="3630787"/>
+            <a:ext cx="55246" cy="0"/>
+          </a:xfrm>
+          <a:prstGeom prst="line">
+            <a:avLst/>
+          </a:prstGeom>
+          <a:noFill/>
+          <a:ln w="12700">
+            <a:solidFill>
+              <a:srgbClr val="00B050"/>
+            </a:solidFill>
+          </a:ln>
+        </p:spPr>
+        <p:style>
+          <a:lnRef idx="2">
+            <a:schemeClr val="accent1">
+              <a:shade val="50000"/>
+            </a:schemeClr>
+          </a:lnRef>
+          <a:fillRef idx="1">
+            <a:schemeClr val="accent1"/>
+          </a:fillRef>
+          <a:effectRef idx="0">
+            <a:schemeClr val="accent1"/>
+          </a:effectRef>
+          <a:fontRef idx="minor">
+            <a:schemeClr val="lt1"/>
+          </a:fontRef>
+        </p:style>
+      </p:cxnSp>
+      <p:cxnSp>
+        <p:nvCxnSpPr>
+          <p:cNvPr id="329" name="Connecteur droit 328"/>
+          <p:cNvCxnSpPr>
+            <a:endCxn id="6" idx="0"/>
+          </p:cNvCxnSpPr>
+          <p:nvPr/>
+        </p:nvCxnSpPr>
+        <p:spPr>
+          <a:xfrm>
+            <a:off x="4795861" y="3284980"/>
+            <a:ext cx="0" cy="273791"/>
+          </a:xfrm>
+          <a:prstGeom prst="line">
+            <a:avLst/>
+          </a:prstGeom>
+          <a:noFill/>
+          <a:ln w="12700">
+            <a:solidFill>
+              <a:schemeClr val="tx1"/>
+            </a:solidFill>
+          </a:ln>
+        </p:spPr>
+        <p:style>
+          <a:lnRef idx="2">
+            <a:schemeClr val="accent1">
+              <a:shade val="50000"/>
+            </a:schemeClr>
+          </a:lnRef>
+          <a:fillRef idx="1">
+            <a:schemeClr val="accent1"/>
+          </a:fillRef>
+          <a:effectRef idx="0">
+            <a:schemeClr val="accent1"/>
+          </a:effectRef>
+          <a:fontRef idx="minor">
+            <a:schemeClr val="lt1"/>
+          </a:fontRef>
+        </p:style>
+      </p:cxnSp>
+      <p:cxnSp>
+        <p:nvCxnSpPr>
+          <p:cNvPr id="333" name="Connecteur droit 332"/>
+          <p:cNvCxnSpPr/>
+          <p:nvPr/>
+        </p:nvCxnSpPr>
+        <p:spPr>
+          <a:xfrm>
+            <a:off x="4795861" y="3284980"/>
+            <a:ext cx="955325" cy="0"/>
+          </a:xfrm>
+          <a:prstGeom prst="line">
+            <a:avLst/>
+          </a:prstGeom>
+          <a:noFill/>
+          <a:ln w="12700">
+            <a:solidFill>
+              <a:schemeClr val="tx1"/>
+            </a:solidFill>
+          </a:ln>
+        </p:spPr>
+        <p:style>
+          <a:lnRef idx="2">
+            <a:schemeClr val="accent1">
+              <a:shade val="50000"/>
+            </a:schemeClr>
+          </a:lnRef>
+          <a:fillRef idx="1">
+            <a:schemeClr val="accent1"/>
+          </a:fillRef>
+          <a:effectRef idx="0">
+            <a:schemeClr val="accent1"/>
+          </a:effectRef>
+          <a:fontRef idx="minor">
+            <a:schemeClr val="lt1"/>
+          </a:fontRef>
+        </p:style>
+      </p:cxnSp>
+      <p:cxnSp>
+        <p:nvCxnSpPr>
+          <p:cNvPr id="336" name="Connecteur droit 335"/>
+          <p:cNvCxnSpPr/>
+          <p:nvPr/>
+        </p:nvCxnSpPr>
+        <p:spPr>
+          <a:xfrm>
+            <a:off x="5751186" y="2204830"/>
+            <a:ext cx="0" cy="1090258"/>
+          </a:xfrm>
+          <a:prstGeom prst="line">
+            <a:avLst/>
+          </a:prstGeom>
+          <a:noFill/>
+          <a:ln w="12700">
+            <a:solidFill>
+              <a:schemeClr val="tx1"/>
+            </a:solidFill>
+          </a:ln>
+        </p:spPr>
+        <p:style>
+          <a:lnRef idx="2">
+            <a:schemeClr val="accent1">
+              <a:shade val="50000"/>
+            </a:schemeClr>
+          </a:lnRef>
+          <a:fillRef idx="1">
+            <a:schemeClr val="accent1"/>
+          </a:fillRef>
+          <a:effectRef idx="0">
+            <a:schemeClr val="accent1"/>
+          </a:effectRef>
+          <a:fontRef idx="minor">
+            <a:schemeClr val="lt1"/>
+          </a:fontRef>
+        </p:style>
+      </p:cxnSp>
+      <p:cxnSp>
+        <p:nvCxnSpPr>
+          <p:cNvPr id="338" name="Connecteur droit 337"/>
+          <p:cNvCxnSpPr/>
+          <p:nvPr/>
+        </p:nvCxnSpPr>
+        <p:spPr>
+          <a:xfrm>
+            <a:off x="5751186" y="2204830"/>
+            <a:ext cx="1368150" cy="0"/>
+          </a:xfrm>
+          <a:prstGeom prst="line">
+            <a:avLst/>
+          </a:prstGeom>
+          <a:noFill/>
+          <a:ln w="12700">
+            <a:solidFill>
+              <a:schemeClr val="tx1"/>
+            </a:solidFill>
+          </a:ln>
+        </p:spPr>
+        <p:style>
+          <a:lnRef idx="2">
+            <a:schemeClr val="accent1">
+              <a:shade val="50000"/>
+            </a:schemeClr>
+          </a:lnRef>
+          <a:fillRef idx="1">
+            <a:schemeClr val="accent1"/>
+          </a:fillRef>
+          <a:effectRef idx="0">
+            <a:schemeClr val="accent1"/>
+          </a:effectRef>
+          <a:fontRef idx="minor">
+            <a:schemeClr val="lt1"/>
+          </a:fontRef>
+        </p:style>
+      </p:cxnSp>
+      <p:cxnSp>
+        <p:nvCxnSpPr>
+          <p:cNvPr id="342" name="Connecteur droit 341"/>
+          <p:cNvCxnSpPr/>
+          <p:nvPr/>
+        </p:nvCxnSpPr>
+        <p:spPr>
+          <a:xfrm flipH="1" flipV="1">
+            <a:off x="7119336" y="2204830"/>
+            <a:ext cx="199081" cy="614396"/>
+          </a:xfrm>
+          <a:prstGeom prst="line">
+            <a:avLst/>
+          </a:prstGeom>
+          <a:noFill/>
+          <a:ln w="12700">
+            <a:solidFill>
+              <a:schemeClr val="tx1"/>
+            </a:solidFill>
+          </a:ln>
+        </p:spPr>
+        <p:style>
+          <a:lnRef idx="2">
+            <a:schemeClr val="accent1">
+              <a:shade val="50000"/>
+            </a:schemeClr>
+          </a:lnRef>
+          <a:fillRef idx="1">
+            <a:schemeClr val="accent1"/>
+          </a:fillRef>
+          <a:effectRef idx="0">
+            <a:schemeClr val="accent1"/>
+          </a:effectRef>
+          <a:fontRef idx="minor">
+            <a:schemeClr val="lt1"/>
+          </a:fontRef>
+        </p:style>
+      </p:cxnSp>
+      <p:cxnSp>
+        <p:nvCxnSpPr>
+          <p:cNvPr id="345" name="Connecteur droit 344"/>
+          <p:cNvCxnSpPr/>
+          <p:nvPr/>
+        </p:nvCxnSpPr>
+        <p:spPr>
+          <a:xfrm>
+            <a:off x="8278544" y="2828543"/>
+            <a:ext cx="0" cy="736145"/>
+          </a:xfrm>
+          <a:prstGeom prst="line">
+            <a:avLst/>
+          </a:prstGeom>
+          <a:noFill/>
+          <a:ln w="12700">
+            <a:solidFill>
+              <a:schemeClr val="tx1"/>
+            </a:solidFill>
+          </a:ln>
+        </p:spPr>
+        <p:style>
+          <a:lnRef idx="2">
+            <a:schemeClr val="accent1">
+              <a:shade val="50000"/>
+            </a:schemeClr>
+          </a:lnRef>
+          <a:fillRef idx="1">
+            <a:schemeClr val="accent1"/>
+          </a:fillRef>
+          <a:effectRef idx="0">
+            <a:schemeClr val="accent1"/>
+          </a:effectRef>
+          <a:fontRef idx="minor">
+            <a:schemeClr val="lt1"/>
+          </a:fontRef>
+        </p:style>
+      </p:cxnSp>
+      <p:cxnSp>
+        <p:nvCxnSpPr>
+          <p:cNvPr id="347" name="Connecteur droit 346"/>
+          <p:cNvCxnSpPr/>
+          <p:nvPr/>
+        </p:nvCxnSpPr>
+        <p:spPr>
+          <a:xfrm>
+            <a:off x="7318417" y="2828543"/>
+            <a:ext cx="960127" cy="0"/>
+          </a:xfrm>
+          <a:prstGeom prst="line">
+            <a:avLst/>
+          </a:prstGeom>
+          <a:noFill/>
+          <a:ln w="12700">
+            <a:solidFill>
+              <a:schemeClr val="tx1"/>
+            </a:solidFill>
+          </a:ln>
+        </p:spPr>
+        <p:style>
+          <a:lnRef idx="2">
+            <a:schemeClr val="accent1">
+              <a:shade val="50000"/>
+            </a:schemeClr>
+          </a:lnRef>
+          <a:fillRef idx="1">
+            <a:schemeClr val="accent1"/>
+          </a:fillRef>
+          <a:effectRef idx="0">
+            <a:schemeClr val="accent1"/>
+          </a:effectRef>
+          <a:fontRef idx="minor">
+            <a:schemeClr val="lt1"/>
+          </a:fontRef>
+        </p:style>
+      </p:cxnSp>
+      <p:sp>
+        <p:nvSpPr>
+          <p:cNvPr id="351" name="Ellipse 350"/>
+          <p:cNvSpPr/>
+          <p:nvPr/>
+        </p:nvSpPr>
+        <p:spPr>
+          <a:xfrm>
+            <a:off x="8525746" y="3494560"/>
+            <a:ext cx="251358" cy="251358"/>
+          </a:xfrm>
+          <a:prstGeom prst="ellipse">
+            <a:avLst/>
+          </a:prstGeom>
+          <a:noFill/>
+          <a:ln w="12700">
+            <a:solidFill>
+              <a:srgbClr val="7030A0"/>
+            </a:solidFill>
+          </a:ln>
+        </p:spPr>
+        <p:style>
+          <a:lnRef idx="2">
+            <a:schemeClr val="accent1">
+              <a:shade val="50000"/>
+            </a:schemeClr>
+          </a:lnRef>
+          <a:fillRef idx="1">
+            <a:schemeClr val="accent1"/>
+          </a:fillRef>
+          <a:effectRef idx="0">
+            <a:schemeClr val="accent1"/>
+          </a:effectRef>
+          <a:fontRef idx="minor">
+            <a:schemeClr val="lt1"/>
+          </a:fontRef>
+        </p:style>
+        <p:txBody>
+          <a:bodyPr rtlCol="0" anchor="ctr"/>
+          <a:lstStyle/>
+          <a:p>
+            <a:pPr algn="ctr"/>
+            <a:r>
+              <a:rPr lang="fr-FR" sz="1200" b="1" dirty="0" smtClean="0">
+                <a:solidFill>
+                  <a:srgbClr val="7030A0"/>
+                </a:solidFill>
+              </a:rPr>
+              <a:t>M</a:t>
+            </a:r>
+            <a:endParaRPr lang="fr-FR" b="1" dirty="0">
+              <a:solidFill>
+                <a:srgbClr val="7030A0"/>
+              </a:solidFill>
+            </a:endParaRPr>
+          </a:p>
+        </p:txBody>
+      </p:sp>
+      <p:cxnSp>
+        <p:nvCxnSpPr>
+          <p:cNvPr id="355" name="Connecteur droit 354"/>
+          <p:cNvCxnSpPr/>
+          <p:nvPr/>
+        </p:nvCxnSpPr>
+        <p:spPr>
+          <a:xfrm flipV="1">
+            <a:off x="7218360" y="467408"/>
+            <a:ext cx="0" cy="1897812"/>
+          </a:xfrm>
+          <a:prstGeom prst="line">
+            <a:avLst/>
+          </a:prstGeom>
+          <a:noFill/>
+          <a:ln w="12700">
+            <a:solidFill>
+              <a:schemeClr val="tx1"/>
+            </a:solidFill>
+          </a:ln>
+        </p:spPr>
+        <p:style>
+          <a:lnRef idx="2">
+            <a:schemeClr val="accent1">
+              <a:shade val="50000"/>
+            </a:schemeClr>
+          </a:lnRef>
+          <a:fillRef idx="1">
+            <a:schemeClr val="accent1"/>
+          </a:fillRef>
+          <a:effectRef idx="0">
+            <a:schemeClr val="accent1"/>
+          </a:effectRef>
+          <a:fontRef idx="minor">
+            <a:schemeClr val="lt1"/>
+          </a:fontRef>
+        </p:style>
+      </p:cxnSp>
+      <p:cxnSp>
+        <p:nvCxnSpPr>
+          <p:cNvPr id="357" name="Connecteur droit 356"/>
+          <p:cNvCxnSpPr/>
+          <p:nvPr/>
+        </p:nvCxnSpPr>
+        <p:spPr>
+          <a:xfrm flipH="1">
+            <a:off x="7210220" y="467408"/>
+            <a:ext cx="1310121" cy="1"/>
+          </a:xfrm>
+          <a:prstGeom prst="line">
+            <a:avLst/>
+          </a:prstGeom>
+          <a:noFill/>
+          <a:ln w="12700">
+            <a:solidFill>
+              <a:schemeClr val="tx1"/>
+            </a:solidFill>
+          </a:ln>
+        </p:spPr>
+        <p:style>
+          <a:lnRef idx="2">
+            <a:schemeClr val="accent1">
+              <a:shade val="50000"/>
+            </a:schemeClr>
+          </a:lnRef>
+          <a:fillRef idx="1">
+            <a:schemeClr val="accent1"/>
+          </a:fillRef>
+          <a:effectRef idx="0">
+            <a:schemeClr val="accent1"/>
+          </a:effectRef>
+          <a:fontRef idx="minor">
+            <a:schemeClr val="lt1"/>
+          </a:fontRef>
+        </p:style>
+      </p:cxnSp>
+      <p:cxnSp>
+        <p:nvCxnSpPr>
+          <p:cNvPr id="358" name="Connecteur droit 357"/>
+          <p:cNvCxnSpPr/>
+          <p:nvPr/>
+        </p:nvCxnSpPr>
+        <p:spPr>
+          <a:xfrm flipV="1">
+            <a:off x="8525746" y="467408"/>
+            <a:ext cx="0" cy="1897812"/>
+          </a:xfrm>
+          <a:prstGeom prst="line">
+            <a:avLst/>
+          </a:prstGeom>
+          <a:noFill/>
+          <a:ln w="12700">
+            <a:solidFill>
+              <a:schemeClr val="tx1"/>
+            </a:solidFill>
+          </a:ln>
+        </p:spPr>
+        <p:style>
+          <a:lnRef idx="2">
+            <a:schemeClr val="accent1">
+              <a:shade val="50000"/>
+            </a:schemeClr>
+          </a:lnRef>
+          <a:fillRef idx="1">
+            <a:schemeClr val="accent1"/>
+          </a:fillRef>
+          <a:effectRef idx="0">
+            <a:schemeClr val="accent1"/>
+          </a:effectRef>
+          <a:fontRef idx="minor">
+            <a:schemeClr val="lt1"/>
+          </a:fontRef>
+        </p:style>
+      </p:cxnSp>
+      <p:cxnSp>
+        <p:nvCxnSpPr>
+          <p:cNvPr id="359" name="Connecteur droit 358"/>
+          <p:cNvCxnSpPr/>
+          <p:nvPr/>
+        </p:nvCxnSpPr>
+        <p:spPr>
+          <a:xfrm flipH="1">
+            <a:off x="7220475" y="2365220"/>
+            <a:ext cx="1299867" cy="0"/>
+          </a:xfrm>
+          <a:prstGeom prst="line">
+            <a:avLst/>
+          </a:prstGeom>
+          <a:noFill/>
+          <a:ln w="12700">
+            <a:solidFill>
+              <a:schemeClr val="tx1"/>
+            </a:solidFill>
+          </a:ln>
+        </p:spPr>
+        <p:style>
+          <a:lnRef idx="2">
+            <a:schemeClr val="accent1">
+              <a:shade val="50000"/>
+            </a:schemeClr>
+          </a:lnRef>
+          <a:fillRef idx="1">
+            <a:schemeClr val="accent1"/>
+          </a:fillRef>
+          <a:effectRef idx="0">
+            <a:schemeClr val="accent1"/>
+          </a:effectRef>
+          <a:fontRef idx="minor">
+            <a:schemeClr val="lt1"/>
+          </a:fontRef>
+        </p:style>
+      </p:cxnSp>
+      <p:sp>
+        <p:nvSpPr>
+          <p:cNvPr id="368" name="Rectangle 367"/>
+          <p:cNvSpPr/>
+          <p:nvPr/>
+        </p:nvSpPr>
+        <p:spPr>
+          <a:xfrm rot="5400000">
+            <a:off x="8250970" y="1762544"/>
+            <a:ext cx="288016" cy="144024"/>
+          </a:xfrm>
+          <a:prstGeom prst="rect">
+            <a:avLst/>
+          </a:prstGeom>
+          <a:noFill/>
+          <a:ln w="12700">
+            <a:solidFill>
+              <a:schemeClr val="tx1"/>
+            </a:solidFill>
+          </a:ln>
+        </p:spPr>
+        <p:style>
+          <a:lnRef idx="2">
+            <a:schemeClr val="accent1">
+              <a:shade val="50000"/>
+            </a:schemeClr>
+          </a:lnRef>
+          <a:fillRef idx="1">
+            <a:schemeClr val="accent1"/>
+          </a:fillRef>
+          <a:effectRef idx="0">
+            <a:schemeClr val="accent1"/>
+          </a:effectRef>
+          <a:fontRef idx="minor">
+            <a:schemeClr val="lt1"/>
+          </a:fontRef>
+        </p:style>
+        <p:txBody>
+          <a:bodyPr rtlCol="0" anchor="ctr"/>
+          <a:lstStyle/>
+          <a:p>
+            <a:pPr algn="ctr"/>
+            <a:endParaRPr lang="fr-FR"/>
+          </a:p>
+        </p:txBody>
+      </p:sp>
+      <p:cxnSp>
+        <p:nvCxnSpPr>
+          <p:cNvPr id="371" name="Connecteur droit 370"/>
+          <p:cNvCxnSpPr/>
+          <p:nvPr/>
+        </p:nvCxnSpPr>
+        <p:spPr>
+          <a:xfrm rot="5400000" flipV="1">
+            <a:off x="8302430" y="1242649"/>
+            <a:ext cx="0" cy="27919"/>
+          </a:xfrm>
+          <a:prstGeom prst="line">
+            <a:avLst/>
+          </a:prstGeom>
+          <a:noFill/>
+          <a:ln w="12700">
+            <a:solidFill>
+              <a:srgbClr val="00B050"/>
+            </a:solidFill>
+          </a:ln>
+        </p:spPr>
+        <p:style>
+          <a:lnRef idx="2">
+            <a:schemeClr val="accent1">
+              <a:shade val="50000"/>
+            </a:schemeClr>
+          </a:lnRef>
+          <a:fillRef idx="1">
+            <a:schemeClr val="accent1"/>
+          </a:fillRef>
+          <a:effectRef idx="0">
+            <a:schemeClr val="accent1"/>
+          </a:effectRef>
+          <a:fontRef idx="minor">
+            <a:schemeClr val="lt1"/>
+          </a:fontRef>
+        </p:style>
+      </p:cxnSp>
+      <p:cxnSp>
+        <p:nvCxnSpPr>
+          <p:cNvPr id="372" name="Connecteur droit 371"/>
+          <p:cNvCxnSpPr/>
+          <p:nvPr/>
+        </p:nvCxnSpPr>
+        <p:spPr>
+          <a:xfrm rot="5400000">
+            <a:off x="8314643" y="1217129"/>
+            <a:ext cx="42954" cy="36005"/>
+          </a:xfrm>
+          <a:prstGeom prst="line">
+            <a:avLst/>
+          </a:prstGeom>
+          <a:noFill/>
+          <a:ln w="12700">
+            <a:solidFill>
+              <a:srgbClr val="00B050"/>
+            </a:solidFill>
+          </a:ln>
+        </p:spPr>
+        <p:style>
+          <a:lnRef idx="2">
+            <a:schemeClr val="accent1">
+              <a:shade val="50000"/>
+            </a:schemeClr>
+          </a:lnRef>
+          <a:fillRef idx="1">
+            <a:schemeClr val="accent1"/>
+          </a:fillRef>
+          <a:effectRef idx="0">
+            <a:schemeClr val="accent1"/>
+          </a:effectRef>
+          <a:fontRef idx="minor">
+            <a:schemeClr val="lt1"/>
+          </a:fontRef>
+        </p:style>
+      </p:cxnSp>
+      <p:cxnSp>
+        <p:nvCxnSpPr>
+          <p:cNvPr id="373" name="Connecteur droit 372"/>
+          <p:cNvCxnSpPr/>
+          <p:nvPr/>
+        </p:nvCxnSpPr>
+        <p:spPr>
+          <a:xfrm rot="5400000" flipH="1">
+            <a:off x="8314643" y="1260083"/>
+            <a:ext cx="42954" cy="36005"/>
+          </a:xfrm>
+          <a:prstGeom prst="line">
+            <a:avLst/>
+          </a:prstGeom>
+          <a:noFill/>
+          <a:ln w="12700">
+            <a:solidFill>
+              <a:srgbClr val="00B050"/>
+            </a:solidFill>
+          </a:ln>
+        </p:spPr>
+        <p:style>
+          <a:lnRef idx="2">
+            <a:schemeClr val="accent1">
+              <a:shade val="50000"/>
+            </a:schemeClr>
+          </a:lnRef>
+          <a:fillRef idx="1">
+            <a:schemeClr val="accent1"/>
+          </a:fillRef>
+          <a:effectRef idx="0">
+            <a:schemeClr val="accent1"/>
+          </a:effectRef>
+          <a:fontRef idx="minor">
+            <a:schemeClr val="lt1"/>
+          </a:fontRef>
+        </p:style>
+      </p:cxnSp>
+      <p:sp>
+        <p:nvSpPr>
+          <p:cNvPr id="374" name="Ellipse 373"/>
+          <p:cNvSpPr/>
+          <p:nvPr/>
+        </p:nvSpPr>
+        <p:spPr>
+          <a:xfrm rot="5400000" flipV="1">
+            <a:off x="8337208" y="1230407"/>
+            <a:ext cx="52402" cy="52402"/>
+          </a:xfrm>
+          <a:prstGeom prst="ellipse">
+            <a:avLst/>
+          </a:prstGeom>
+          <a:noFill/>
+          <a:ln w="12700">
+            <a:solidFill>
+              <a:srgbClr val="00B0F0"/>
+            </a:solidFill>
+          </a:ln>
+        </p:spPr>
+        <p:style>
+          <a:lnRef idx="2">
+            <a:schemeClr val="accent1">
+              <a:shade val="50000"/>
+            </a:schemeClr>
+          </a:lnRef>
+          <a:fillRef idx="1">
+            <a:schemeClr val="accent1"/>
+          </a:fillRef>
+          <a:effectRef idx="0">
+            <a:schemeClr val="accent1"/>
+          </a:effectRef>
+          <a:fontRef idx="minor">
+            <a:schemeClr val="lt1"/>
+          </a:fontRef>
+        </p:style>
+        <p:txBody>
+          <a:bodyPr rtlCol="0" anchor="ctr"/>
+          <a:lstStyle/>
+          <a:p>
+            <a:pPr algn="ctr"/>
+            <a:endParaRPr lang="fr-FR"/>
+          </a:p>
+        </p:txBody>
+      </p:sp>
+      <p:cxnSp>
+        <p:nvCxnSpPr>
+          <p:cNvPr id="376" name="Connecteur droit 375"/>
+          <p:cNvCxnSpPr>
+            <a:stCxn id="374" idx="4"/>
+          </p:cNvCxnSpPr>
+          <p:nvPr/>
+        </p:nvCxnSpPr>
+        <p:spPr>
+          <a:xfrm>
+            <a:off x="8389610" y="1256608"/>
+            <a:ext cx="0" cy="876212"/>
+          </a:xfrm>
+          <a:prstGeom prst="line">
+            <a:avLst/>
+          </a:prstGeom>
+          <a:noFill/>
+          <a:ln w="12700">
+            <a:solidFill>
+              <a:srgbClr val="00B0F0"/>
+            </a:solidFill>
+          </a:ln>
+        </p:spPr>
+        <p:style>
+          <a:lnRef idx="2">
+            <a:schemeClr val="accent1">
+              <a:shade val="50000"/>
+            </a:schemeClr>
+          </a:lnRef>
+          <a:fillRef idx="1">
+            <a:schemeClr val="accent1"/>
+          </a:fillRef>
+          <a:effectRef idx="0">
+            <a:schemeClr val="accent1"/>
+          </a:effectRef>
+          <a:fontRef idx="minor">
+            <a:schemeClr val="lt1"/>
+          </a:fontRef>
+        </p:style>
+      </p:cxnSp>
+      <p:sp>
+        <p:nvSpPr>
+          <p:cNvPr id="379" name="Rectangle 378"/>
+          <p:cNvSpPr/>
+          <p:nvPr/>
+        </p:nvSpPr>
+        <p:spPr>
+          <a:xfrm rot="5400000">
+            <a:off x="8355684" y="2093529"/>
+            <a:ext cx="72012" cy="150600"/>
+          </a:xfrm>
+          <a:prstGeom prst="rect">
+            <a:avLst/>
+          </a:prstGeom>
+          <a:noFill/>
+          <a:ln w="12700">
+            <a:solidFill>
+              <a:srgbClr val="00B0F0"/>
+            </a:solidFill>
+          </a:ln>
+        </p:spPr>
+        <p:style>
+          <a:lnRef idx="2">
+            <a:schemeClr val="accent1">
+              <a:shade val="50000"/>
+            </a:schemeClr>
+          </a:lnRef>
+          <a:fillRef idx="1">
+            <a:schemeClr val="accent1"/>
+          </a:fillRef>
+          <a:effectRef idx="0">
+            <a:schemeClr val="accent1"/>
+          </a:effectRef>
+          <a:fontRef idx="minor">
+            <a:schemeClr val="lt1"/>
+          </a:fontRef>
+        </p:style>
+        <p:txBody>
+          <a:bodyPr rtlCol="0" anchor="ctr"/>
+          <a:lstStyle/>
+          <a:p>
+            <a:pPr algn="ctr"/>
+            <a:endParaRPr lang="fr-FR"/>
+          </a:p>
+        </p:txBody>
+      </p:sp>
+    </p:spTree>
+    <p:extLst>
+      <p:ext uri="{BB962C8B-B14F-4D97-AF65-F5344CB8AC3E}">
+        <p14:creationId xmlns:p14="http://schemas.microsoft.com/office/powerpoint/2010/main" val="2896834648"/>
+      </p:ext>
+    </p:extLst>
+  </p:cSld>
+  <p:clrMapOvr>
+    <a:masterClrMapping/>
+  </p:clrMapOvr>
+  <p:timing>
+    <p:tnLst>
+      <p:par>
+        <p:cTn id="1" dur="indefinite" restart="never" nodeType="tmRoot"/>
+      </p:par>
+    </p:tnLst>
+  </p:timing>
+</p:sld>
+</file>
+
+<file path=ppt/slides/slide2.xml><?xml version="1.0" encoding="utf-8"?>
+<p:sld xmlns:a="http://schemas.openxmlformats.org/drawingml/2006/main" xmlns:r="http://schemas.openxmlformats.org/officeDocument/2006/relationships" xmlns:p="http://schemas.openxmlformats.org/presentationml/2006/main">
+  <p:cSld>
+    <p:spTree>
+      <p:nvGrpSpPr>
+        <p:cNvPr id="1" name=""/>
+        <p:cNvGrpSpPr/>
+        <p:nvPr/>
+      </p:nvGrpSpPr>
+      <p:grpSpPr>
+        <a:xfrm>
+          <a:off x="0" y="0"/>
+          <a:ext cx="0" cy="0"/>
+          <a:chOff x="0" y="0"/>
+          <a:chExt cx="0" cy="0"/>
+        </a:xfrm>
+      </p:grpSpPr>
+      <p:cxnSp>
+        <p:nvCxnSpPr>
+          <p:cNvPr id="44" name="Connecteur droit 43"/>
+          <p:cNvCxnSpPr/>
+          <p:nvPr/>
+        </p:nvCxnSpPr>
+        <p:spPr>
+          <a:xfrm>
+            <a:off x="7452400" y="3342771"/>
+            <a:ext cx="0" cy="288008"/>
+          </a:xfrm>
+          <a:prstGeom prst="line">
+            <a:avLst/>
+          </a:prstGeom>
+          <a:noFill/>
+          <a:ln w="12700">
+            <a:solidFill>
+              <a:srgbClr val="FF0000"/>
+            </a:solidFill>
+          </a:ln>
+        </p:spPr>
+        <p:style>
+          <a:lnRef idx="2">
+            <a:schemeClr val="accent1">
+              <a:shade val="50000"/>
+            </a:schemeClr>
+          </a:lnRef>
+          <a:fillRef idx="1">
+            <a:schemeClr val="accent1"/>
+          </a:fillRef>
+          <a:effectRef idx="0">
+            <a:schemeClr val="accent1"/>
+          </a:effectRef>
+          <a:fontRef idx="minor">
+            <a:schemeClr val="lt1"/>
+          </a:fontRef>
+        </p:style>
+      </p:cxnSp>
+      <p:cxnSp>
+        <p:nvCxnSpPr>
+          <p:cNvPr id="47" name="Connecteur droit 46"/>
+          <p:cNvCxnSpPr/>
+          <p:nvPr/>
+        </p:nvCxnSpPr>
+        <p:spPr>
+          <a:xfrm>
+            <a:off x="7452400" y="3342771"/>
+            <a:ext cx="288040" cy="0"/>
+          </a:xfrm>
+          <a:prstGeom prst="line">
+            <a:avLst/>
+          </a:prstGeom>
+          <a:noFill/>
+          <a:ln w="12700">
+            <a:solidFill>
+              <a:srgbClr val="FF0000"/>
+            </a:solidFill>
+          </a:ln>
+        </p:spPr>
+        <p:style>
+          <a:lnRef idx="2">
+            <a:schemeClr val="accent1">
+              <a:shade val="50000"/>
+            </a:schemeClr>
+          </a:lnRef>
+          <a:fillRef idx="1">
+            <a:schemeClr val="accent1"/>
+          </a:fillRef>
+          <a:effectRef idx="0">
+            <a:schemeClr val="accent1"/>
+          </a:effectRef>
+          <a:fontRef idx="minor">
+            <a:schemeClr val="lt1"/>
+          </a:fontRef>
+        </p:style>
+      </p:cxnSp>
+      <p:sp>
+        <p:nvSpPr>
+          <p:cNvPr id="50" name="Rectangle 49"/>
+          <p:cNvSpPr/>
+          <p:nvPr/>
+        </p:nvSpPr>
+        <p:spPr>
+          <a:xfrm>
+            <a:off x="7524410" y="3306752"/>
+            <a:ext cx="144060" cy="72038"/>
+          </a:xfrm>
+          <a:prstGeom prst="rect">
+            <a:avLst/>
+          </a:prstGeom>
+          <a:noFill/>
+          <a:ln w="12700">
+            <a:solidFill>
+              <a:srgbClr val="0070C0"/>
+            </a:solidFill>
+          </a:ln>
+        </p:spPr>
+        <p:style>
+          <a:lnRef idx="2">
+            <a:schemeClr val="accent1">
+              <a:shade val="50000"/>
+            </a:schemeClr>
+          </a:lnRef>
+          <a:fillRef idx="1">
+            <a:schemeClr val="accent1"/>
+          </a:fillRef>
+          <a:effectRef idx="0">
+            <a:schemeClr val="accent1"/>
+          </a:effectRef>
+          <a:fontRef idx="minor">
+            <a:schemeClr val="lt1"/>
+          </a:fontRef>
+        </p:style>
+        <p:txBody>
+          <a:bodyPr rtlCol="0" anchor="ctr"/>
+          <a:lstStyle/>
+          <a:p>
+            <a:pPr algn="ctr"/>
+            <a:endParaRPr lang="fr-FR"/>
+          </a:p>
+        </p:txBody>
+      </p:sp>
+      <p:cxnSp>
+        <p:nvCxnSpPr>
+          <p:cNvPr id="51" name="Connecteur droit 50"/>
+          <p:cNvCxnSpPr/>
+          <p:nvPr/>
+        </p:nvCxnSpPr>
+        <p:spPr>
+          <a:xfrm>
+            <a:off x="7497949" y="3306771"/>
+            <a:ext cx="0" cy="72000"/>
+          </a:xfrm>
+          <a:prstGeom prst="line">
+            <a:avLst/>
+          </a:prstGeom>
+          <a:noFill/>
+          <a:ln w="12700">
+            <a:solidFill>
+              <a:srgbClr val="FF0000"/>
+            </a:solidFill>
+          </a:ln>
+        </p:spPr>
+        <p:style>
+          <a:lnRef idx="2">
+            <a:schemeClr val="accent1">
+              <a:shade val="50000"/>
+            </a:schemeClr>
+          </a:lnRef>
+          <a:fillRef idx="1">
+            <a:schemeClr val="accent1"/>
+          </a:fillRef>
+          <a:effectRef idx="0">
+            <a:schemeClr val="accent1"/>
+          </a:effectRef>
+          <a:fontRef idx="minor">
+            <a:schemeClr val="lt1"/>
+          </a:fontRef>
+        </p:style>
+      </p:cxnSp>
+      <p:cxnSp>
+        <p:nvCxnSpPr>
+          <p:cNvPr id="52" name="Connecteur droit 51"/>
+          <p:cNvCxnSpPr/>
+          <p:nvPr/>
+        </p:nvCxnSpPr>
+        <p:spPr>
+          <a:xfrm>
+            <a:off x="7694931" y="3306771"/>
+            <a:ext cx="0" cy="72000"/>
+          </a:xfrm>
+          <a:prstGeom prst="line">
+            <a:avLst/>
+          </a:prstGeom>
+          <a:noFill/>
+          <a:ln w="12700">
+            <a:solidFill>
+              <a:srgbClr val="FF0000"/>
+            </a:solidFill>
+          </a:ln>
+        </p:spPr>
+        <p:style>
+          <a:lnRef idx="2">
+            <a:schemeClr val="accent1">
+              <a:shade val="50000"/>
+            </a:schemeClr>
+          </a:lnRef>
+          <a:fillRef idx="1">
+            <a:schemeClr val="accent1"/>
+          </a:fillRef>
+          <a:effectRef idx="0">
+            <a:schemeClr val="accent1"/>
+          </a:effectRef>
+          <a:fontRef idx="minor">
+            <a:schemeClr val="lt1"/>
+          </a:fontRef>
+        </p:style>
+      </p:cxnSp>
       <p:grpSp>
         <p:nvGrpSpPr>
-          <p:cNvPr id="194" name="Groupe 193"/>
+          <p:cNvPr id="67" name="Groupe 66"/>
           <p:cNvGrpSpPr/>
           <p:nvPr/>
         </p:nvGrpSpPr>
         <p:grpSpPr>
           <a:xfrm>
-            <a:off x="7812450" y="692620"/>
-            <a:ext cx="85908" cy="127848"/>
-            <a:chOff x="7812450" y="692620"/>
-            <a:chExt cx="85908" cy="127848"/>
+            <a:off x="7537776" y="3140960"/>
+            <a:ext cx="117287" cy="165792"/>
+            <a:chOff x="7537776" y="3140960"/>
+            <a:chExt cx="117287" cy="165792"/>
           </a:xfrm>
         </p:grpSpPr>
         <p:cxnSp>
           <p:nvCxnSpPr>
-            <p:cNvPr id="172" name="Connecteur droit 171"/>
+            <p:cNvPr id="53" name="Connecteur droit 52"/>
+            <p:cNvCxnSpPr/>
+            <p:nvPr/>
+          </p:nvCxnSpPr>
+          <p:spPr>
+            <a:xfrm>
+              <a:off x="7537776" y="3140960"/>
+              <a:ext cx="117287" cy="0"/>
+            </a:xfrm>
+            <a:prstGeom prst="line">
+              <a:avLst/>
+            </a:prstGeom>
+            <a:noFill/>
+            <a:ln w="12700">
+              <a:solidFill>
+                <a:srgbClr val="0070C0"/>
+              </a:solidFill>
+            </a:ln>
+          </p:spPr>
+          <p:style>
+            <a:lnRef idx="2">
+              <a:schemeClr val="accent1">
+                <a:shade val="50000"/>
+              </a:schemeClr>
+            </a:lnRef>
+            <a:fillRef idx="1">
+              <a:schemeClr val="accent1"/>
+            </a:fillRef>
+            <a:effectRef idx="0">
+              <a:schemeClr val="accent1"/>
+            </a:effectRef>
+            <a:fontRef idx="minor">
+              <a:schemeClr val="lt1"/>
+            </a:fontRef>
+          </p:style>
+        </p:cxnSp>
+        <p:cxnSp>
+          <p:nvCxnSpPr>
+            <p:cNvPr id="56" name="Connecteur droit 55"/>
             <p:cNvCxnSpPr>
-              <a:stCxn id="221" idx="0"/>
+              <a:endCxn id="50" idx="0"/>
             </p:cNvCxnSpPr>
             <p:nvPr/>
           </p:nvCxnSpPr>
           <p:spPr>
+            <a:xfrm>
+              <a:off x="7596420" y="3140960"/>
+              <a:ext cx="20" cy="165792"/>
+            </a:xfrm>
+            <a:prstGeom prst="line">
+              <a:avLst/>
+            </a:prstGeom>
+            <a:noFill/>
+            <a:ln w="12700">
+              <a:solidFill>
+                <a:srgbClr val="0070C0"/>
+              </a:solidFill>
+            </a:ln>
+          </p:spPr>
+          <p:style>
+            <a:lnRef idx="2">
+              <a:schemeClr val="accent1">
+                <a:shade val="50000"/>
+              </a:schemeClr>
+            </a:lnRef>
+            <a:fillRef idx="1">
+              <a:schemeClr val="accent1"/>
+            </a:fillRef>
+            <a:effectRef idx="0">
+              <a:schemeClr val="accent1"/>
+            </a:effectRef>
+            <a:fontRef idx="minor">
+              <a:schemeClr val="lt1"/>
+            </a:fontRef>
+          </p:style>
+        </p:cxnSp>
+      </p:grpSp>
+      <p:cxnSp>
+        <p:nvCxnSpPr>
+          <p:cNvPr id="70" name="Connecteur droit 69"/>
+          <p:cNvCxnSpPr/>
+          <p:nvPr/>
+        </p:nvCxnSpPr>
+        <p:spPr>
+          <a:xfrm flipV="1">
+            <a:off x="7537796" y="3542048"/>
+            <a:ext cx="117287" cy="0"/>
+          </a:xfrm>
+          <a:prstGeom prst="line">
+            <a:avLst/>
+          </a:prstGeom>
+          <a:noFill/>
+          <a:ln w="12700">
+            <a:solidFill>
+              <a:srgbClr val="7030A0"/>
+            </a:solidFill>
+          </a:ln>
+        </p:spPr>
+        <p:style>
+          <a:lnRef idx="2">
+            <a:schemeClr val="accent1">
+              <a:shade val="50000"/>
+            </a:schemeClr>
+          </a:lnRef>
+          <a:fillRef idx="1">
+            <a:schemeClr val="accent1"/>
+          </a:fillRef>
+          <a:effectRef idx="0">
+            <a:schemeClr val="accent1"/>
+          </a:effectRef>
+          <a:fontRef idx="minor">
+            <a:schemeClr val="lt1"/>
+          </a:fontRef>
+        </p:style>
+      </p:cxnSp>
+      <p:cxnSp>
+        <p:nvCxnSpPr>
+          <p:cNvPr id="71" name="Connecteur droit 70"/>
+          <p:cNvCxnSpPr/>
+          <p:nvPr/>
+        </p:nvCxnSpPr>
+        <p:spPr>
+          <a:xfrm flipV="1">
+            <a:off x="7596440" y="3376256"/>
+            <a:ext cx="20" cy="165792"/>
+          </a:xfrm>
+          <a:prstGeom prst="line">
+            <a:avLst/>
+          </a:prstGeom>
+          <a:noFill/>
+          <a:ln w="12700">
+            <a:solidFill>
+              <a:srgbClr val="0070C0"/>
+            </a:solidFill>
+          </a:ln>
+        </p:spPr>
+        <p:style>
+          <a:lnRef idx="2">
+            <a:schemeClr val="accent1">
+              <a:shade val="50000"/>
+            </a:schemeClr>
+          </a:lnRef>
+          <a:fillRef idx="1">
+            <a:schemeClr val="accent1"/>
+          </a:fillRef>
+          <a:effectRef idx="0">
+            <a:schemeClr val="accent1"/>
+          </a:effectRef>
+          <a:fontRef idx="minor">
+            <a:schemeClr val="lt1"/>
+          </a:fontRef>
+        </p:style>
+      </p:cxnSp>
+      <p:cxnSp>
+        <p:nvCxnSpPr>
+          <p:cNvPr id="73" name="Connecteur droit 72"/>
+          <p:cNvCxnSpPr/>
+          <p:nvPr/>
+        </p:nvCxnSpPr>
+        <p:spPr>
+          <a:xfrm flipV="1">
+            <a:off x="7596462" y="3542048"/>
+            <a:ext cx="0" cy="180000"/>
+          </a:xfrm>
+          <a:prstGeom prst="line">
+            <a:avLst/>
+          </a:prstGeom>
+          <a:noFill/>
+          <a:ln w="12700">
+            <a:solidFill>
+              <a:srgbClr val="7030A0"/>
+            </a:solidFill>
+          </a:ln>
+        </p:spPr>
+        <p:style>
+          <a:lnRef idx="2">
+            <a:schemeClr val="accent1">
+              <a:shade val="50000"/>
+            </a:schemeClr>
+          </a:lnRef>
+          <a:fillRef idx="1">
+            <a:schemeClr val="accent1"/>
+          </a:fillRef>
+          <a:effectRef idx="0">
+            <a:schemeClr val="accent1"/>
+          </a:effectRef>
+          <a:fontRef idx="minor">
+            <a:schemeClr val="lt1"/>
+          </a:fontRef>
+        </p:style>
+      </p:cxnSp>
+      <p:cxnSp>
+        <p:nvCxnSpPr>
+          <p:cNvPr id="79" name="Connecteur droit 78"/>
+          <p:cNvCxnSpPr/>
+          <p:nvPr/>
+        </p:nvCxnSpPr>
+        <p:spPr>
+          <a:xfrm>
+            <a:off x="7537775" y="3723479"/>
+            <a:ext cx="117287" cy="0"/>
+          </a:xfrm>
+          <a:prstGeom prst="line">
+            <a:avLst/>
+          </a:prstGeom>
+          <a:noFill/>
+          <a:ln w="12700">
+            <a:solidFill>
+              <a:srgbClr val="7030A0"/>
+            </a:solidFill>
+          </a:ln>
+        </p:spPr>
+        <p:style>
+          <a:lnRef idx="2">
+            <a:schemeClr val="accent1">
+              <a:shade val="50000"/>
+            </a:schemeClr>
+          </a:lnRef>
+          <a:fillRef idx="1">
+            <a:schemeClr val="accent1"/>
+          </a:fillRef>
+          <a:effectRef idx="0">
+            <a:schemeClr val="accent1"/>
+          </a:effectRef>
+          <a:fontRef idx="minor">
+            <a:schemeClr val="lt1"/>
+          </a:fontRef>
+        </p:style>
+      </p:cxnSp>
+      <p:sp>
+        <p:nvSpPr>
+          <p:cNvPr id="83" name="Rectangle 82"/>
+          <p:cNvSpPr/>
+          <p:nvPr/>
+        </p:nvSpPr>
+        <p:spPr>
+          <a:xfrm>
+            <a:off x="8134544" y="3560572"/>
+            <a:ext cx="288000" cy="144016"/>
+          </a:xfrm>
+          <a:prstGeom prst="rect">
+            <a:avLst/>
+          </a:prstGeom>
+          <a:noFill/>
+          <a:ln w="12700">
+            <a:solidFill>
+              <a:schemeClr val="tx1"/>
+            </a:solidFill>
+          </a:ln>
+        </p:spPr>
+        <p:style>
+          <a:lnRef idx="2">
+            <a:schemeClr val="accent1">
+              <a:shade val="50000"/>
+            </a:schemeClr>
+          </a:lnRef>
+          <a:fillRef idx="1">
+            <a:schemeClr val="accent1"/>
+          </a:fillRef>
+          <a:effectRef idx="0">
+            <a:schemeClr val="accent1"/>
+          </a:effectRef>
+          <a:fontRef idx="minor">
+            <a:schemeClr val="lt1"/>
+          </a:fontRef>
+        </p:style>
+        <p:txBody>
+          <a:bodyPr rtlCol="0" anchor="ctr"/>
+          <a:lstStyle/>
+          <a:p>
+            <a:pPr algn="ctr"/>
+            <a:endParaRPr lang="fr-FR"/>
+          </a:p>
+        </p:txBody>
+      </p:sp>
+      <p:cxnSp>
+        <p:nvCxnSpPr>
+          <p:cNvPr id="84" name="Connecteur droit 83"/>
+          <p:cNvCxnSpPr/>
+          <p:nvPr/>
+        </p:nvCxnSpPr>
+        <p:spPr>
+          <a:xfrm>
+            <a:off x="8096548" y="3560580"/>
+            <a:ext cx="0" cy="144000"/>
+          </a:xfrm>
+          <a:prstGeom prst="line">
+            <a:avLst/>
+          </a:prstGeom>
+          <a:noFill/>
+          <a:ln w="12700">
+            <a:solidFill>
+              <a:srgbClr val="7030A0"/>
+            </a:solidFill>
+          </a:ln>
+        </p:spPr>
+        <p:style>
+          <a:lnRef idx="2">
+            <a:schemeClr val="accent1">
+              <a:shade val="50000"/>
+            </a:schemeClr>
+          </a:lnRef>
+          <a:fillRef idx="1">
+            <a:schemeClr val="accent1"/>
+          </a:fillRef>
+          <a:effectRef idx="0">
+            <a:schemeClr val="accent1"/>
+          </a:effectRef>
+          <a:fontRef idx="minor">
+            <a:schemeClr val="lt1"/>
+          </a:fontRef>
+        </p:style>
+      </p:cxnSp>
+      <p:cxnSp>
+        <p:nvCxnSpPr>
+          <p:cNvPr id="85" name="Connecteur droit 84"/>
+          <p:cNvCxnSpPr/>
+          <p:nvPr/>
+        </p:nvCxnSpPr>
+        <p:spPr>
+          <a:xfrm>
+            <a:off x="8460540" y="3560580"/>
+            <a:ext cx="0" cy="144000"/>
+          </a:xfrm>
+          <a:prstGeom prst="line">
+            <a:avLst/>
+          </a:prstGeom>
+          <a:noFill/>
+          <a:ln w="12700">
+            <a:solidFill>
+              <a:srgbClr val="7030A0"/>
+            </a:solidFill>
+          </a:ln>
+        </p:spPr>
+        <p:style>
+          <a:lnRef idx="2">
+            <a:schemeClr val="accent1">
+              <a:shade val="50000"/>
+            </a:schemeClr>
+          </a:lnRef>
+          <a:fillRef idx="1">
+            <a:schemeClr val="accent1"/>
+          </a:fillRef>
+          <a:effectRef idx="0">
+            <a:schemeClr val="accent1"/>
+          </a:effectRef>
+          <a:fontRef idx="minor">
+            <a:schemeClr val="lt1"/>
+          </a:fontRef>
+        </p:style>
+      </p:cxnSp>
+      <p:cxnSp>
+        <p:nvCxnSpPr>
+          <p:cNvPr id="98" name="Connecteur droit 97"/>
+          <p:cNvCxnSpPr/>
+          <p:nvPr/>
+        </p:nvCxnSpPr>
+        <p:spPr>
+          <a:xfrm flipH="1">
+            <a:off x="6732300" y="3630280"/>
+            <a:ext cx="724290" cy="0"/>
+          </a:xfrm>
+          <a:prstGeom prst="line">
+            <a:avLst/>
+          </a:prstGeom>
+          <a:noFill/>
+          <a:ln w="12700">
+            <a:solidFill>
+              <a:srgbClr val="FF0000"/>
+            </a:solidFill>
+          </a:ln>
+        </p:spPr>
+        <p:style>
+          <a:lnRef idx="2">
+            <a:schemeClr val="accent1">
+              <a:shade val="50000"/>
+            </a:schemeClr>
+          </a:lnRef>
+          <a:fillRef idx="1">
+            <a:schemeClr val="accent1"/>
+          </a:fillRef>
+          <a:effectRef idx="0">
+            <a:schemeClr val="accent1"/>
+          </a:effectRef>
+          <a:fontRef idx="minor">
+            <a:schemeClr val="lt1"/>
+          </a:fontRef>
+        </p:style>
+      </p:cxnSp>
+      <p:grpSp>
+        <p:nvGrpSpPr>
+          <p:cNvPr id="99" name="Groupe 98"/>
+          <p:cNvGrpSpPr/>
+          <p:nvPr/>
+        </p:nvGrpSpPr>
+        <p:grpSpPr>
+          <a:xfrm>
+            <a:off x="6847071" y="3477072"/>
+            <a:ext cx="117287" cy="288000"/>
+            <a:chOff x="6847071" y="3477072"/>
+            <a:chExt cx="117287" cy="288000"/>
+          </a:xfrm>
+        </p:grpSpPr>
+        <p:cxnSp>
+          <p:nvCxnSpPr>
+            <p:cNvPr id="144" name="Connecteur droit 143"/>
+            <p:cNvCxnSpPr/>
+            <p:nvPr/>
+          </p:nvCxnSpPr>
+          <p:spPr>
             <a:xfrm flipV="1">
-              <a:off x="7855404" y="792549"/>
-              <a:ext cx="0" cy="27919"/>
+              <a:off x="6847071" y="3477072"/>
+              <a:ext cx="117287" cy="0"/>
+            </a:xfrm>
+            <a:prstGeom prst="line">
+              <a:avLst/>
+            </a:prstGeom>
+            <a:noFill/>
+            <a:ln w="12700">
+              <a:solidFill>
+                <a:srgbClr val="FF0000"/>
+              </a:solidFill>
+            </a:ln>
+          </p:spPr>
+          <p:style>
+            <a:lnRef idx="2">
+              <a:schemeClr val="accent1">
+                <a:shade val="50000"/>
+              </a:schemeClr>
+            </a:lnRef>
+            <a:fillRef idx="1">
+              <a:schemeClr val="accent1"/>
+            </a:fillRef>
+            <a:effectRef idx="0">
+              <a:schemeClr val="accent1"/>
+            </a:effectRef>
+            <a:fontRef idx="minor">
+              <a:schemeClr val="lt1"/>
+            </a:fontRef>
+          </p:style>
+        </p:cxnSp>
+        <p:cxnSp>
+          <p:nvCxnSpPr>
+            <p:cNvPr id="145" name="Connecteur droit 144"/>
+            <p:cNvCxnSpPr/>
+            <p:nvPr/>
+          </p:nvCxnSpPr>
+          <p:spPr>
+            <a:xfrm flipV="1">
+              <a:off x="6905714" y="3477072"/>
+              <a:ext cx="0" cy="288000"/>
+            </a:xfrm>
+            <a:prstGeom prst="line">
+              <a:avLst/>
+            </a:prstGeom>
+            <a:noFill/>
+            <a:ln w="12700">
+              <a:solidFill>
+                <a:srgbClr val="FF0000"/>
+              </a:solidFill>
+            </a:ln>
+          </p:spPr>
+          <p:style>
+            <a:lnRef idx="2">
+              <a:schemeClr val="accent1">
+                <a:shade val="50000"/>
+              </a:schemeClr>
+            </a:lnRef>
+            <a:fillRef idx="1">
+              <a:schemeClr val="accent1"/>
+            </a:fillRef>
+            <a:effectRef idx="0">
+              <a:schemeClr val="accent1"/>
+            </a:effectRef>
+            <a:fontRef idx="minor">
+              <a:schemeClr val="lt1"/>
+            </a:fontRef>
+          </p:style>
+        </p:cxnSp>
+        <p:cxnSp>
+          <p:nvCxnSpPr>
+            <p:cNvPr id="146" name="Connecteur droit 145"/>
+            <p:cNvCxnSpPr/>
+            <p:nvPr/>
+          </p:nvCxnSpPr>
+          <p:spPr>
+            <a:xfrm>
+              <a:off x="6847071" y="3765072"/>
+              <a:ext cx="117287" cy="0"/>
+            </a:xfrm>
+            <a:prstGeom prst="line">
+              <a:avLst/>
+            </a:prstGeom>
+            <a:noFill/>
+            <a:ln w="12700">
+              <a:solidFill>
+                <a:srgbClr val="FF0000"/>
+              </a:solidFill>
+            </a:ln>
+          </p:spPr>
+          <p:style>
+            <a:lnRef idx="2">
+              <a:schemeClr val="accent1">
+                <a:shade val="50000"/>
+              </a:schemeClr>
+            </a:lnRef>
+            <a:fillRef idx="1">
+              <a:schemeClr val="accent1"/>
+            </a:fillRef>
+            <a:effectRef idx="0">
+              <a:schemeClr val="accent1"/>
+            </a:effectRef>
+            <a:fontRef idx="minor">
+              <a:schemeClr val="lt1"/>
+            </a:fontRef>
+          </p:style>
+        </p:cxnSp>
+      </p:grpSp>
+      <p:cxnSp>
+        <p:nvCxnSpPr>
+          <p:cNvPr id="206" name="Connecteur droit 205"/>
+          <p:cNvCxnSpPr>
+            <a:stCxn id="128" idx="2"/>
+          </p:cNvCxnSpPr>
+          <p:nvPr/>
+        </p:nvCxnSpPr>
+        <p:spPr>
+          <a:xfrm>
+            <a:off x="7215626" y="3704669"/>
+            <a:ext cx="0" cy="516441"/>
+          </a:xfrm>
+          <a:prstGeom prst="line">
+            <a:avLst/>
+          </a:prstGeom>
+          <a:noFill/>
+          <a:ln w="12700">
+            <a:solidFill>
+              <a:schemeClr val="tx1"/>
+            </a:solidFill>
+          </a:ln>
+        </p:spPr>
+        <p:style>
+          <a:lnRef idx="2">
+            <a:schemeClr val="accent1">
+              <a:shade val="50000"/>
+            </a:schemeClr>
+          </a:lnRef>
+          <a:fillRef idx="1">
+            <a:schemeClr val="accent1"/>
+          </a:fillRef>
+          <a:effectRef idx="0">
+            <a:schemeClr val="accent1"/>
+          </a:effectRef>
+          <a:fontRef idx="minor">
+            <a:schemeClr val="lt1"/>
+          </a:fontRef>
+        </p:style>
+      </p:cxnSp>
+      <p:cxnSp>
+        <p:nvCxnSpPr>
+          <p:cNvPr id="274" name="Connecteur droit 273"/>
+          <p:cNvCxnSpPr>
+            <a:stCxn id="83" idx="2"/>
+          </p:cNvCxnSpPr>
+          <p:nvPr/>
+        </p:nvCxnSpPr>
+        <p:spPr>
+          <a:xfrm>
+            <a:off x="8278544" y="3704588"/>
+            <a:ext cx="0" cy="130938"/>
+          </a:xfrm>
+          <a:prstGeom prst="line">
+            <a:avLst/>
+          </a:prstGeom>
+          <a:noFill/>
+          <a:ln w="12700">
+            <a:solidFill>
+              <a:schemeClr val="tx1"/>
+            </a:solidFill>
+          </a:ln>
+        </p:spPr>
+        <p:style>
+          <a:lnRef idx="2">
+            <a:schemeClr val="accent1">
+              <a:shade val="50000"/>
+            </a:schemeClr>
+          </a:lnRef>
+          <a:fillRef idx="1">
+            <a:schemeClr val="accent1"/>
+          </a:fillRef>
+          <a:effectRef idx="0">
+            <a:schemeClr val="accent1"/>
+          </a:effectRef>
+          <a:fontRef idx="minor">
+            <a:schemeClr val="lt1"/>
+          </a:fontRef>
+        </p:style>
+      </p:cxnSp>
+      <p:cxnSp>
+        <p:nvCxnSpPr>
+          <p:cNvPr id="293" name="Connecteur droit 292"/>
+          <p:cNvCxnSpPr/>
+          <p:nvPr/>
+        </p:nvCxnSpPr>
+        <p:spPr>
+          <a:xfrm flipV="1">
+            <a:off x="7592821" y="3629852"/>
+            <a:ext cx="939729" cy="0"/>
+          </a:xfrm>
+          <a:prstGeom prst="line">
+            <a:avLst/>
+          </a:prstGeom>
+          <a:noFill/>
+          <a:ln w="12700">
+            <a:solidFill>
+              <a:srgbClr val="7030A0"/>
+            </a:solidFill>
+          </a:ln>
+        </p:spPr>
+        <p:style>
+          <a:lnRef idx="2">
+            <a:schemeClr val="accent1">
+              <a:shade val="50000"/>
+            </a:schemeClr>
+          </a:lnRef>
+          <a:fillRef idx="1">
+            <a:schemeClr val="accent1"/>
+          </a:fillRef>
+          <a:effectRef idx="0">
+            <a:schemeClr val="accent1"/>
+          </a:effectRef>
+          <a:fontRef idx="minor">
+            <a:schemeClr val="lt1"/>
+          </a:fontRef>
+        </p:style>
+      </p:cxnSp>
+      <p:cxnSp>
+        <p:nvCxnSpPr>
+          <p:cNvPr id="303" name="Connecteur droit 302"/>
+          <p:cNvCxnSpPr/>
+          <p:nvPr/>
+        </p:nvCxnSpPr>
+        <p:spPr>
+          <a:xfrm flipH="1">
+            <a:off x="7882612" y="3837900"/>
+            <a:ext cx="0" cy="383210"/>
+          </a:xfrm>
+          <a:prstGeom prst="line">
+            <a:avLst/>
+          </a:prstGeom>
+          <a:noFill/>
+          <a:ln w="12700">
+            <a:solidFill>
+              <a:schemeClr val="tx1"/>
+            </a:solidFill>
+          </a:ln>
+        </p:spPr>
+        <p:style>
+          <a:lnRef idx="2">
+            <a:schemeClr val="accent1">
+              <a:shade val="50000"/>
+            </a:schemeClr>
+          </a:lnRef>
+          <a:fillRef idx="1">
+            <a:schemeClr val="accent1"/>
+          </a:fillRef>
+          <a:effectRef idx="0">
+            <a:schemeClr val="accent1"/>
+          </a:effectRef>
+          <a:fontRef idx="minor">
+            <a:schemeClr val="lt1"/>
+          </a:fontRef>
+        </p:style>
+      </p:cxnSp>
+      <p:cxnSp>
+        <p:nvCxnSpPr>
+          <p:cNvPr id="314" name="Connecteur droit 313"/>
+          <p:cNvCxnSpPr/>
+          <p:nvPr/>
+        </p:nvCxnSpPr>
+        <p:spPr>
+          <a:xfrm>
+            <a:off x="7884470" y="3837900"/>
+            <a:ext cx="394074" cy="0"/>
+          </a:xfrm>
+          <a:prstGeom prst="line">
+            <a:avLst/>
+          </a:prstGeom>
+          <a:noFill/>
+          <a:ln w="12700">
+            <a:solidFill>
+              <a:schemeClr val="tx1"/>
+            </a:solidFill>
+          </a:ln>
+        </p:spPr>
+        <p:style>
+          <a:lnRef idx="2">
+            <a:schemeClr val="accent1">
+              <a:shade val="50000"/>
+            </a:schemeClr>
+          </a:lnRef>
+          <a:fillRef idx="1">
+            <a:schemeClr val="accent1"/>
+          </a:fillRef>
+          <a:effectRef idx="0">
+            <a:schemeClr val="accent1"/>
+          </a:effectRef>
+          <a:fontRef idx="minor">
+            <a:schemeClr val="lt1"/>
+          </a:fontRef>
+        </p:style>
+      </p:cxnSp>
+      <p:grpSp>
+        <p:nvGrpSpPr>
+          <p:cNvPr id="5" name="Groupe 4"/>
+          <p:cNvGrpSpPr/>
+          <p:nvPr/>
+        </p:nvGrpSpPr>
+        <p:grpSpPr>
+          <a:xfrm>
+            <a:off x="7210220" y="4113850"/>
+            <a:ext cx="671385" cy="107260"/>
+            <a:chOff x="7210220" y="4113850"/>
+            <a:chExt cx="671385" cy="107260"/>
+          </a:xfrm>
+        </p:grpSpPr>
+        <p:cxnSp>
+          <p:nvCxnSpPr>
+            <p:cNvPr id="64" name="Connecteur droit 63"/>
+            <p:cNvCxnSpPr/>
+            <p:nvPr/>
+          </p:nvCxnSpPr>
+          <p:spPr>
+            <a:xfrm flipV="1">
+              <a:off x="7596420" y="4113850"/>
+              <a:ext cx="0" cy="53630"/>
             </a:xfrm>
             <a:prstGeom prst="line">
               <a:avLst/>
@@ -6289,14 +9198,14 @@
         </p:cxnSp>
         <p:cxnSp>
           <p:nvCxnSpPr>
-            <p:cNvPr id="224" name="Connecteur droit 223"/>
+            <p:cNvPr id="65" name="Connecteur droit 64"/>
             <p:cNvCxnSpPr/>
             <p:nvPr/>
           </p:nvCxnSpPr>
           <p:spPr>
             <a:xfrm>
-              <a:off x="7812450" y="754816"/>
-              <a:ext cx="42954" cy="36005"/>
+              <a:off x="7537796" y="4113850"/>
+              <a:ext cx="117287" cy="0"/>
             </a:xfrm>
             <a:prstGeom prst="line">
               <a:avLst/>
@@ -6327,1718 +9236,14 @@
         </p:cxnSp>
         <p:cxnSp>
           <p:nvCxnSpPr>
-            <p:cNvPr id="229" name="Connecteur droit 228"/>
+            <p:cNvPr id="279" name="Connecteur droit 278"/>
             <p:cNvCxnSpPr/>
             <p:nvPr/>
           </p:nvCxnSpPr>
           <p:spPr>
-            <a:xfrm flipH="1">
-              <a:off x="7855404" y="754816"/>
-              <a:ext cx="42954" cy="36005"/>
-            </a:xfrm>
-            <a:prstGeom prst="line">
-              <a:avLst/>
-            </a:prstGeom>
-            <a:noFill/>
-            <a:ln w="12700">
-              <a:solidFill>
-                <a:schemeClr val="tx1"/>
-              </a:solidFill>
-            </a:ln>
-          </p:spPr>
-          <p:style>
-            <a:lnRef idx="2">
-              <a:schemeClr val="accent1">
-                <a:shade val="50000"/>
-              </a:schemeClr>
-            </a:lnRef>
-            <a:fillRef idx="1">
-              <a:schemeClr val="accent1"/>
-            </a:fillRef>
-            <a:effectRef idx="0">
-              <a:schemeClr val="accent1"/>
-            </a:effectRef>
-            <a:fontRef idx="minor">
-              <a:schemeClr val="lt1"/>
-            </a:fontRef>
-          </p:style>
-        </p:cxnSp>
-        <p:sp>
-          <p:nvSpPr>
-            <p:cNvPr id="235" name="Ellipse 234"/>
-            <p:cNvSpPr/>
-            <p:nvPr/>
-          </p:nvSpPr>
-          <p:spPr>
-            <a:xfrm flipV="1">
-              <a:off x="7829203" y="719328"/>
-              <a:ext cx="52402" cy="52402"/>
-            </a:xfrm>
-            <a:prstGeom prst="ellipse">
-              <a:avLst/>
-            </a:prstGeom>
-            <a:noFill/>
-            <a:ln w="12700">
-              <a:solidFill>
-                <a:schemeClr val="tx1"/>
-              </a:solidFill>
-            </a:ln>
-          </p:spPr>
-          <p:style>
-            <a:lnRef idx="2">
-              <a:schemeClr val="accent1">
-                <a:shade val="50000"/>
-              </a:schemeClr>
-            </a:lnRef>
-            <a:fillRef idx="1">
-              <a:schemeClr val="accent1"/>
-            </a:fillRef>
-            <a:effectRef idx="0">
-              <a:schemeClr val="accent1"/>
-            </a:effectRef>
-            <a:fontRef idx="minor">
-              <a:schemeClr val="lt1"/>
-            </a:fontRef>
-          </p:style>
-          <p:txBody>
-            <a:bodyPr rtlCol="0" anchor="ctr"/>
-            <a:lstStyle/>
-            <a:p>
-              <a:pPr algn="ctr"/>
-              <a:endParaRPr lang="fr-FR"/>
-            </a:p>
-          </p:txBody>
-        </p:sp>
-        <p:cxnSp>
-          <p:nvCxnSpPr>
-            <p:cNvPr id="236" name="Connecteur droit 235"/>
-            <p:cNvCxnSpPr>
-              <a:stCxn id="233" idx="2"/>
-              <a:endCxn id="235" idx="4"/>
-            </p:cNvCxnSpPr>
-            <p:nvPr/>
-          </p:nvCxnSpPr>
-          <p:spPr>
             <a:xfrm>
-              <a:off x="7855404" y="692620"/>
-              <a:ext cx="0" cy="26708"/>
-            </a:xfrm>
-            <a:prstGeom prst="line">
-              <a:avLst/>
-            </a:prstGeom>
-            <a:noFill/>
-            <a:ln w="12700">
-              <a:solidFill>
-                <a:schemeClr val="tx1"/>
-              </a:solidFill>
-            </a:ln>
-          </p:spPr>
-          <p:style>
-            <a:lnRef idx="2">
-              <a:schemeClr val="accent1">
-                <a:shade val="50000"/>
-              </a:schemeClr>
-            </a:lnRef>
-            <a:fillRef idx="1">
-              <a:schemeClr val="accent1"/>
-            </a:fillRef>
-            <a:effectRef idx="0">
-              <a:schemeClr val="accent1"/>
-            </a:effectRef>
-            <a:fontRef idx="minor">
-              <a:schemeClr val="lt1"/>
-            </a:fontRef>
-          </p:style>
-        </p:cxnSp>
-      </p:grpSp>
-      <p:sp>
-        <p:nvSpPr>
-          <p:cNvPr id="240" name="Rectangle 239"/>
-          <p:cNvSpPr/>
-          <p:nvPr/>
-        </p:nvSpPr>
-        <p:spPr>
-          <a:xfrm rot="5400000">
-            <a:off x="5440239" y="4473150"/>
-            <a:ext cx="45719" cy="72000"/>
-          </a:xfrm>
-          <a:prstGeom prst="rect">
-            <a:avLst/>
-          </a:prstGeom>
-          <a:noFill/>
-          <a:ln w="12700">
-            <a:solidFill>
-              <a:schemeClr val="tx1"/>
-            </a:solidFill>
-          </a:ln>
-        </p:spPr>
-        <p:style>
-          <a:lnRef idx="2">
-            <a:schemeClr val="accent1">
-              <a:shade val="50000"/>
-            </a:schemeClr>
-          </a:lnRef>
-          <a:fillRef idx="1">
-            <a:schemeClr val="accent1"/>
-          </a:fillRef>
-          <a:effectRef idx="0">
-            <a:schemeClr val="accent1"/>
-          </a:effectRef>
-          <a:fontRef idx="minor">
-            <a:schemeClr val="lt1"/>
-          </a:fontRef>
-        </p:style>
-        <p:txBody>
-          <a:bodyPr rtlCol="0" anchor="ctr"/>
-          <a:lstStyle/>
-          <a:p>
-            <a:pPr algn="ctr"/>
-            <a:endParaRPr lang="fr-FR"/>
-          </a:p>
-        </p:txBody>
-      </p:sp>
-      <p:sp>
-        <p:nvSpPr>
-          <p:cNvPr id="242" name="Ellipse 241"/>
-          <p:cNvSpPr/>
-          <p:nvPr/>
-        </p:nvSpPr>
-        <p:spPr>
-          <a:xfrm>
-            <a:off x="7783404" y="928468"/>
-            <a:ext cx="144000" cy="144000"/>
-          </a:xfrm>
-          <a:prstGeom prst="ellipse">
-            <a:avLst/>
-          </a:prstGeom>
-          <a:noFill/>
-          <a:ln w="12700">
-            <a:solidFill>
-              <a:schemeClr val="tx1"/>
-            </a:solidFill>
-          </a:ln>
-        </p:spPr>
-        <p:style>
-          <a:lnRef idx="2">
-            <a:schemeClr val="accent1">
-              <a:shade val="50000"/>
-            </a:schemeClr>
-          </a:lnRef>
-          <a:fillRef idx="1">
-            <a:schemeClr val="accent1"/>
-          </a:fillRef>
-          <a:effectRef idx="0">
-            <a:schemeClr val="accent1"/>
-          </a:effectRef>
-          <a:fontRef idx="minor">
-            <a:schemeClr val="lt1"/>
-          </a:fontRef>
-        </p:style>
-        <p:txBody>
-          <a:bodyPr rtlCol="0" anchor="ctr"/>
-          <a:lstStyle/>
-          <a:p>
-            <a:pPr algn="ctr"/>
-            <a:endParaRPr lang="fr-FR"/>
-          </a:p>
-        </p:txBody>
-      </p:sp>
-      <p:sp>
-        <p:nvSpPr>
-          <p:cNvPr id="243" name="Ellipse 242"/>
-          <p:cNvSpPr/>
-          <p:nvPr/>
-        </p:nvSpPr>
-        <p:spPr>
-          <a:xfrm>
-            <a:off x="7997363" y="1310009"/>
-            <a:ext cx="144000" cy="144000"/>
-          </a:xfrm>
-          <a:prstGeom prst="ellipse">
-            <a:avLst/>
-          </a:prstGeom>
-          <a:noFill/>
-          <a:ln w="12700">
-            <a:solidFill>
-              <a:schemeClr val="tx1"/>
-            </a:solidFill>
-          </a:ln>
-        </p:spPr>
-        <p:style>
-          <a:lnRef idx="2">
-            <a:schemeClr val="accent1">
-              <a:shade val="50000"/>
-            </a:schemeClr>
-          </a:lnRef>
-          <a:fillRef idx="1">
-            <a:schemeClr val="accent1"/>
-          </a:fillRef>
-          <a:effectRef idx="0">
-            <a:schemeClr val="accent1"/>
-          </a:effectRef>
-          <a:fontRef idx="minor">
-            <a:schemeClr val="lt1"/>
-          </a:fontRef>
-        </p:style>
-        <p:txBody>
-          <a:bodyPr rtlCol="0" anchor="ctr"/>
-          <a:lstStyle/>
-          <a:p>
-            <a:pPr algn="ctr"/>
-            <a:endParaRPr lang="fr-FR"/>
-          </a:p>
-        </p:txBody>
-      </p:sp>
-      <p:sp>
-        <p:nvSpPr>
-          <p:cNvPr id="244" name="Ellipse 243"/>
-          <p:cNvSpPr/>
-          <p:nvPr/>
-        </p:nvSpPr>
-        <p:spPr>
-          <a:xfrm>
-            <a:off x="7571733" y="1310009"/>
-            <a:ext cx="144000" cy="144000"/>
-          </a:xfrm>
-          <a:prstGeom prst="ellipse">
-            <a:avLst/>
-          </a:prstGeom>
-          <a:noFill/>
-          <a:ln w="12700">
-            <a:solidFill>
-              <a:schemeClr val="tx1"/>
-            </a:solidFill>
-          </a:ln>
-        </p:spPr>
-        <p:style>
-          <a:lnRef idx="2">
-            <a:schemeClr val="accent1">
-              <a:shade val="50000"/>
-            </a:schemeClr>
-          </a:lnRef>
-          <a:fillRef idx="1">
-            <a:schemeClr val="accent1"/>
-          </a:fillRef>
-          <a:effectRef idx="0">
-            <a:schemeClr val="accent1"/>
-          </a:effectRef>
-          <a:fontRef idx="minor">
-            <a:schemeClr val="lt1"/>
-          </a:fontRef>
-        </p:style>
-        <p:txBody>
-          <a:bodyPr rtlCol="0" anchor="ctr"/>
-          <a:lstStyle/>
-          <a:p>
-            <a:pPr algn="ctr"/>
-            <a:endParaRPr lang="fr-FR"/>
-          </a:p>
-        </p:txBody>
-      </p:sp>
-      <p:cxnSp>
-        <p:nvCxnSpPr>
-          <p:cNvPr id="225" name="Connecteur droit 224"/>
-          <p:cNvCxnSpPr>
-            <a:stCxn id="244" idx="1"/>
-            <a:endCxn id="219" idx="1"/>
-          </p:cNvCxnSpPr>
-          <p:nvPr/>
-        </p:nvCxnSpPr>
-        <p:spPr>
-          <a:xfrm flipH="1" flipV="1">
-            <a:off x="7516454" y="1254730"/>
-            <a:ext cx="76367" cy="76367"/>
-          </a:xfrm>
-          <a:prstGeom prst="line">
-            <a:avLst/>
-          </a:prstGeom>
-          <a:noFill/>
-          <a:ln w="12700">
-            <a:solidFill>
-              <a:schemeClr val="tx1"/>
-            </a:solidFill>
-          </a:ln>
-        </p:spPr>
-        <p:style>
-          <a:lnRef idx="2">
-            <a:schemeClr val="accent1">
-              <a:shade val="50000"/>
-            </a:schemeClr>
-          </a:lnRef>
-          <a:fillRef idx="1">
-            <a:schemeClr val="accent1"/>
-          </a:fillRef>
-          <a:effectRef idx="0">
-            <a:schemeClr val="accent1"/>
-          </a:effectRef>
-          <a:fontRef idx="minor">
-            <a:schemeClr val="lt1"/>
-          </a:fontRef>
-        </p:style>
-      </p:cxnSp>
-      <p:cxnSp>
-        <p:nvCxnSpPr>
-          <p:cNvPr id="248" name="Connecteur droit 247"/>
-          <p:cNvCxnSpPr>
-            <a:stCxn id="220" idx="7"/>
-            <a:endCxn id="243" idx="7"/>
-          </p:cNvCxnSpPr>
-          <p:nvPr/>
-        </p:nvCxnSpPr>
-        <p:spPr>
-          <a:xfrm flipH="1">
-            <a:off x="8120275" y="1254730"/>
-            <a:ext cx="76367" cy="76367"/>
-          </a:xfrm>
-          <a:prstGeom prst="line">
-            <a:avLst/>
-          </a:prstGeom>
-          <a:noFill/>
-          <a:ln w="12700">
-            <a:solidFill>
-              <a:schemeClr val="tx1"/>
-            </a:solidFill>
-          </a:ln>
-        </p:spPr>
-        <p:style>
-          <a:lnRef idx="2">
-            <a:schemeClr val="accent1">
-              <a:shade val="50000"/>
-            </a:schemeClr>
-          </a:lnRef>
-          <a:fillRef idx="1">
-            <a:schemeClr val="accent1"/>
-          </a:fillRef>
-          <a:effectRef idx="0">
-            <a:schemeClr val="accent1"/>
-          </a:effectRef>
-          <a:fontRef idx="minor">
-            <a:schemeClr val="lt1"/>
-          </a:fontRef>
-        </p:style>
-      </p:cxnSp>
-      <p:cxnSp>
-        <p:nvCxnSpPr>
-          <p:cNvPr id="251" name="Connecteur droit 250"/>
-          <p:cNvCxnSpPr>
-            <a:stCxn id="242" idx="5"/>
-            <a:endCxn id="221" idx="5"/>
-          </p:cNvCxnSpPr>
-          <p:nvPr/>
-        </p:nvCxnSpPr>
-        <p:spPr>
-          <a:xfrm>
-            <a:off x="7906316" y="1051380"/>
-            <a:ext cx="76367" cy="76367"/>
-          </a:xfrm>
-          <a:prstGeom prst="line">
-            <a:avLst/>
-          </a:prstGeom>
-          <a:noFill/>
-          <a:ln w="12700">
-            <a:solidFill>
-              <a:schemeClr val="tx1"/>
-            </a:solidFill>
-          </a:ln>
-        </p:spPr>
-        <p:style>
-          <a:lnRef idx="2">
-            <a:schemeClr val="accent1">
-              <a:shade val="50000"/>
-            </a:schemeClr>
-          </a:lnRef>
-          <a:fillRef idx="1">
-            <a:schemeClr val="accent1"/>
-          </a:fillRef>
-          <a:effectRef idx="0">
-            <a:schemeClr val="accent1"/>
-          </a:effectRef>
-          <a:fontRef idx="minor">
-            <a:schemeClr val="lt1"/>
-          </a:fontRef>
-        </p:style>
-      </p:cxnSp>
-      <p:cxnSp>
-        <p:nvCxnSpPr>
-          <p:cNvPr id="254" name="Connecteur droit 253"/>
-          <p:cNvCxnSpPr>
-            <a:stCxn id="139" idx="4"/>
-            <a:endCxn id="213" idx="4"/>
-          </p:cNvCxnSpPr>
-          <p:nvPr/>
-        </p:nvCxnSpPr>
-        <p:spPr>
-          <a:xfrm flipV="1">
-            <a:off x="7855404" y="1324468"/>
-            <a:ext cx="0" cy="360000"/>
-          </a:xfrm>
-          <a:prstGeom prst="line">
-            <a:avLst/>
-          </a:prstGeom>
-          <a:noFill/>
-          <a:ln w="12700">
-            <a:solidFill>
-              <a:schemeClr val="tx1"/>
-            </a:solidFill>
-          </a:ln>
-        </p:spPr>
-        <p:style>
-          <a:lnRef idx="2">
-            <a:schemeClr val="accent1">
-              <a:shade val="50000"/>
-            </a:schemeClr>
-          </a:lnRef>
-          <a:fillRef idx="1">
-            <a:schemeClr val="accent1"/>
-          </a:fillRef>
-          <a:effectRef idx="0">
-            <a:schemeClr val="accent1"/>
-          </a:effectRef>
-          <a:fontRef idx="minor">
-            <a:schemeClr val="lt1"/>
-          </a:fontRef>
-        </p:style>
-      </p:cxnSp>
-      <p:cxnSp>
-        <p:nvCxnSpPr>
-          <p:cNvPr id="266" name="Connecteur droit 265"/>
-          <p:cNvCxnSpPr>
-            <a:stCxn id="188" idx="0"/>
-          </p:cNvCxnSpPr>
-          <p:nvPr/>
-        </p:nvCxnSpPr>
-        <p:spPr>
-          <a:xfrm>
-            <a:off x="5499125" y="4051765"/>
-            <a:ext cx="369065" cy="16"/>
-          </a:xfrm>
-          <a:prstGeom prst="line">
-            <a:avLst/>
-          </a:prstGeom>
-          <a:noFill/>
-          <a:ln w="12700">
-            <a:solidFill>
-              <a:schemeClr val="tx1"/>
-            </a:solidFill>
-          </a:ln>
-        </p:spPr>
-        <p:style>
-          <a:lnRef idx="2">
-            <a:schemeClr val="accent1">
-              <a:shade val="50000"/>
-            </a:schemeClr>
-          </a:lnRef>
-          <a:fillRef idx="1">
-            <a:schemeClr val="accent1"/>
-          </a:fillRef>
-          <a:effectRef idx="0">
-            <a:schemeClr val="accent1"/>
-          </a:effectRef>
-          <a:fontRef idx="minor">
-            <a:schemeClr val="lt1"/>
-          </a:fontRef>
-        </p:style>
-      </p:cxnSp>
-      <p:cxnSp>
-        <p:nvCxnSpPr>
-          <p:cNvPr id="269" name="Connecteur droit 268"/>
-          <p:cNvCxnSpPr/>
-          <p:nvPr/>
-        </p:nvCxnSpPr>
-        <p:spPr>
-          <a:xfrm>
-            <a:off x="5319080" y="4051765"/>
-            <a:ext cx="1" cy="1177485"/>
-          </a:xfrm>
-          <a:prstGeom prst="line">
-            <a:avLst/>
-          </a:prstGeom>
-          <a:noFill/>
-          <a:ln w="12700">
-            <a:solidFill>
-              <a:schemeClr val="tx1"/>
-            </a:solidFill>
-          </a:ln>
-        </p:spPr>
-        <p:style>
-          <a:lnRef idx="2">
-            <a:schemeClr val="accent1">
-              <a:shade val="50000"/>
-            </a:schemeClr>
-          </a:lnRef>
-          <a:fillRef idx="1">
-            <a:schemeClr val="accent1"/>
-          </a:fillRef>
-          <a:effectRef idx="0">
-            <a:schemeClr val="accent1"/>
-          </a:effectRef>
-          <a:fontRef idx="minor">
-            <a:schemeClr val="lt1"/>
-          </a:fontRef>
-        </p:style>
-      </p:cxnSp>
-      <p:cxnSp>
-        <p:nvCxnSpPr>
-          <p:cNvPr id="274" name="Connecteur droit 273"/>
-          <p:cNvCxnSpPr>
-            <a:stCxn id="83" idx="2"/>
-          </p:cNvCxnSpPr>
-          <p:nvPr/>
-        </p:nvCxnSpPr>
-        <p:spPr>
-          <a:xfrm>
-            <a:off x="8278544" y="3704588"/>
-            <a:ext cx="0" cy="130938"/>
-          </a:xfrm>
-          <a:prstGeom prst="line">
-            <a:avLst/>
-          </a:prstGeom>
-          <a:noFill/>
-          <a:ln w="12700">
-            <a:solidFill>
-              <a:schemeClr val="tx1"/>
-            </a:solidFill>
-          </a:ln>
-        </p:spPr>
-        <p:style>
-          <a:lnRef idx="2">
-            <a:schemeClr val="accent1">
-              <a:shade val="50000"/>
-            </a:schemeClr>
-          </a:lnRef>
-          <a:fillRef idx="1">
-            <a:schemeClr val="accent1"/>
-          </a:fillRef>
-          <a:effectRef idx="0">
-            <a:schemeClr val="accent1"/>
-          </a:effectRef>
-          <a:fontRef idx="minor">
-            <a:schemeClr val="lt1"/>
-          </a:fontRef>
-        </p:style>
-      </p:cxnSp>
-      <p:cxnSp>
-        <p:nvCxnSpPr>
-          <p:cNvPr id="276" name="Connecteur droit 275"/>
-          <p:cNvCxnSpPr/>
-          <p:nvPr/>
-        </p:nvCxnSpPr>
-        <p:spPr>
-          <a:xfrm flipH="1">
-            <a:off x="5319081" y="5223381"/>
-            <a:ext cx="2396653" cy="0"/>
-          </a:xfrm>
-          <a:prstGeom prst="line">
-            <a:avLst/>
-          </a:prstGeom>
-          <a:noFill/>
-          <a:ln w="12700">
-            <a:solidFill>
-              <a:schemeClr val="tx1"/>
-            </a:solidFill>
-          </a:ln>
-        </p:spPr>
-        <p:style>
-          <a:lnRef idx="2">
-            <a:schemeClr val="accent1">
-              <a:shade val="50000"/>
-            </a:schemeClr>
-          </a:lnRef>
-          <a:fillRef idx="1">
-            <a:schemeClr val="accent1"/>
-          </a:fillRef>
-          <a:effectRef idx="0">
-            <a:schemeClr val="accent1"/>
-          </a:effectRef>
-          <a:fontRef idx="minor">
-            <a:schemeClr val="lt1"/>
-          </a:fontRef>
-        </p:style>
-      </p:cxnSp>
-      <p:cxnSp>
-        <p:nvCxnSpPr>
-          <p:cNvPr id="278" name="Connecteur droit 277"/>
-          <p:cNvCxnSpPr/>
-          <p:nvPr/>
-        </p:nvCxnSpPr>
-        <p:spPr>
-          <a:xfrm>
-            <a:off x="7711396" y="4221110"/>
-            <a:ext cx="1" cy="1008140"/>
-          </a:xfrm>
-          <a:prstGeom prst="line">
-            <a:avLst/>
-          </a:prstGeom>
-          <a:noFill/>
-          <a:ln w="12700">
-            <a:solidFill>
-              <a:schemeClr val="tx1"/>
-            </a:solidFill>
-          </a:ln>
-        </p:spPr>
-        <p:style>
-          <a:lnRef idx="2">
-            <a:schemeClr val="accent1">
-              <a:shade val="50000"/>
-            </a:schemeClr>
-          </a:lnRef>
-          <a:fillRef idx="1">
-            <a:schemeClr val="accent1"/>
-          </a:fillRef>
-          <a:effectRef idx="0">
-            <a:schemeClr val="accent1"/>
-          </a:effectRef>
-          <a:fontRef idx="minor">
-            <a:schemeClr val="lt1"/>
-          </a:fontRef>
-        </p:style>
-      </p:cxnSp>
-      <p:cxnSp>
-        <p:nvCxnSpPr>
-          <p:cNvPr id="279" name="Connecteur droit 278"/>
-          <p:cNvCxnSpPr/>
-          <p:nvPr/>
-        </p:nvCxnSpPr>
-        <p:spPr>
-          <a:xfrm>
-            <a:off x="7706200" y="4221110"/>
-            <a:ext cx="175405" cy="0"/>
-          </a:xfrm>
-          <a:prstGeom prst="line">
-            <a:avLst/>
-          </a:prstGeom>
-          <a:noFill/>
-          <a:ln w="12700">
-            <a:solidFill>
-              <a:schemeClr val="tx1"/>
-            </a:solidFill>
-          </a:ln>
-        </p:spPr>
-        <p:style>
-          <a:lnRef idx="2">
-            <a:schemeClr val="accent1">
-              <a:shade val="50000"/>
-            </a:schemeClr>
-          </a:lnRef>
-          <a:fillRef idx="1">
-            <a:schemeClr val="accent1"/>
-          </a:fillRef>
-          <a:effectRef idx="0">
-            <a:schemeClr val="accent1"/>
-          </a:effectRef>
-          <a:fontRef idx="minor">
-            <a:schemeClr val="lt1"/>
-          </a:fontRef>
-        </p:style>
-      </p:cxnSp>
-      <p:grpSp>
-        <p:nvGrpSpPr>
-          <p:cNvPr id="284" name="Groupe 283"/>
-          <p:cNvGrpSpPr/>
-          <p:nvPr/>
-        </p:nvGrpSpPr>
-        <p:grpSpPr>
-          <a:xfrm>
-            <a:off x="7812470" y="3558787"/>
-            <a:ext cx="144000" cy="144000"/>
-            <a:chOff x="5659315" y="3540270"/>
-            <a:chExt cx="144000" cy="144000"/>
-          </a:xfrm>
-        </p:grpSpPr>
-        <p:sp>
-          <p:nvSpPr>
-            <p:cNvPr id="285" name="Ellipse 284"/>
-            <p:cNvSpPr>
-              <a:spLocks noChangeAspect="1"/>
-            </p:cNvSpPr>
-            <p:nvPr/>
-          </p:nvSpPr>
-          <p:spPr>
-            <a:xfrm>
-              <a:off x="5677315" y="3558270"/>
-              <a:ext cx="108000" cy="108000"/>
-            </a:xfrm>
-            <a:prstGeom prst="ellipse">
-              <a:avLst/>
-            </a:prstGeom>
-            <a:noFill/>
-            <a:ln w="12700">
-              <a:solidFill>
-                <a:schemeClr val="tx1"/>
-              </a:solidFill>
-            </a:ln>
-          </p:spPr>
-          <p:style>
-            <a:lnRef idx="2">
-              <a:schemeClr val="accent1">
-                <a:shade val="50000"/>
-              </a:schemeClr>
-            </a:lnRef>
-            <a:fillRef idx="1">
-              <a:schemeClr val="accent1"/>
-            </a:fillRef>
-            <a:effectRef idx="0">
-              <a:schemeClr val="accent1"/>
-            </a:effectRef>
-            <a:fontRef idx="minor">
-              <a:schemeClr val="lt1"/>
-            </a:fontRef>
-          </p:style>
-          <p:txBody>
-            <a:bodyPr rtlCol="0" anchor="ctr"/>
-            <a:lstStyle/>
-            <a:p>
-              <a:pPr algn="ctr"/>
-              <a:endParaRPr lang="fr-FR"/>
-            </a:p>
-          </p:txBody>
-        </p:sp>
-        <p:sp>
-          <p:nvSpPr>
-            <p:cNvPr id="286" name="Arc 285"/>
-            <p:cNvSpPr/>
-            <p:nvPr/>
-          </p:nvSpPr>
-          <p:spPr>
-            <a:xfrm>
-              <a:off x="5659315" y="3540270"/>
-              <a:ext cx="144000" cy="144000"/>
-            </a:xfrm>
-            <a:prstGeom prst="arc">
-              <a:avLst>
-                <a:gd name="adj1" fmla="val 1294053"/>
-                <a:gd name="adj2" fmla="val 9425428"/>
-              </a:avLst>
-            </a:prstGeom>
-            <a:noFill/>
-            <a:ln w="12700">
-              <a:solidFill>
-                <a:schemeClr val="tx1"/>
-              </a:solidFill>
-            </a:ln>
-          </p:spPr>
-          <p:style>
-            <a:lnRef idx="2">
-              <a:schemeClr val="accent1">
-                <a:shade val="50000"/>
-              </a:schemeClr>
-            </a:lnRef>
-            <a:fillRef idx="1">
-              <a:schemeClr val="accent1"/>
-            </a:fillRef>
-            <a:effectRef idx="0">
-              <a:schemeClr val="accent1"/>
-            </a:effectRef>
-            <a:fontRef idx="minor">
-              <a:schemeClr val="lt1"/>
-            </a:fontRef>
-          </p:style>
-          <p:txBody>
-            <a:bodyPr rtlCol="0" anchor="ctr"/>
-            <a:lstStyle/>
-            <a:p>
-              <a:pPr algn="ctr"/>
-              <a:endParaRPr lang="fr-FR">
-                <a:solidFill>
-                  <a:schemeClr val="lt1"/>
-                </a:solidFill>
-              </a:endParaRPr>
-            </a:p>
-          </p:txBody>
-        </p:sp>
-      </p:grpSp>
-      <p:cxnSp>
-        <p:nvCxnSpPr>
-          <p:cNvPr id="289" name="Connecteur droit 288"/>
-          <p:cNvCxnSpPr/>
-          <p:nvPr/>
-        </p:nvCxnSpPr>
-        <p:spPr>
-          <a:xfrm flipV="1">
-            <a:off x="7715733" y="3542048"/>
-            <a:ext cx="0" cy="88740"/>
-          </a:xfrm>
-          <a:prstGeom prst="line">
-            <a:avLst/>
-          </a:prstGeom>
-          <a:noFill/>
-          <a:ln w="12700">
-            <a:solidFill>
-              <a:schemeClr val="tx1"/>
-            </a:solidFill>
-          </a:ln>
-        </p:spPr>
-        <p:style>
-          <a:lnRef idx="2">
-            <a:schemeClr val="accent1">
-              <a:shade val="50000"/>
-            </a:schemeClr>
-          </a:lnRef>
-          <a:fillRef idx="1">
-            <a:schemeClr val="accent1"/>
-          </a:fillRef>
-          <a:effectRef idx="0">
-            <a:schemeClr val="accent1"/>
-          </a:effectRef>
-          <a:fontRef idx="minor">
-            <a:schemeClr val="lt1"/>
-          </a:fontRef>
-        </p:style>
-      </p:cxnSp>
-      <p:cxnSp>
-        <p:nvCxnSpPr>
-          <p:cNvPr id="293" name="Connecteur droit 292"/>
-          <p:cNvCxnSpPr/>
-          <p:nvPr/>
-        </p:nvCxnSpPr>
-        <p:spPr>
-          <a:xfrm>
-            <a:off x="7978202" y="3629852"/>
-            <a:ext cx="554348" cy="0"/>
-          </a:xfrm>
-          <a:prstGeom prst="line">
-            <a:avLst/>
-          </a:prstGeom>
-          <a:noFill/>
-          <a:ln w="12700">
-            <a:solidFill>
-              <a:schemeClr val="tx1"/>
-            </a:solidFill>
-          </a:ln>
-        </p:spPr>
-        <p:style>
-          <a:lnRef idx="2">
-            <a:schemeClr val="accent1">
-              <a:shade val="50000"/>
-            </a:schemeClr>
-          </a:lnRef>
-          <a:fillRef idx="1">
-            <a:schemeClr val="accent1"/>
-          </a:fillRef>
-          <a:effectRef idx="0">
-            <a:schemeClr val="accent1"/>
-          </a:effectRef>
-          <a:fontRef idx="minor">
-            <a:schemeClr val="lt1"/>
-          </a:fontRef>
-        </p:style>
-      </p:cxnSp>
-      <p:cxnSp>
-        <p:nvCxnSpPr>
-          <p:cNvPr id="300" name="Connecteur droit 299"/>
-          <p:cNvCxnSpPr/>
-          <p:nvPr/>
-        </p:nvCxnSpPr>
-        <p:spPr>
-          <a:xfrm flipV="1">
-            <a:off x="7978202" y="3545284"/>
-            <a:ext cx="0" cy="88740"/>
-          </a:xfrm>
-          <a:prstGeom prst="line">
-            <a:avLst/>
-          </a:prstGeom>
-          <a:noFill/>
-          <a:ln w="12700">
-            <a:solidFill>
-              <a:schemeClr val="tx1"/>
-            </a:solidFill>
-          </a:ln>
-        </p:spPr>
-        <p:style>
-          <a:lnRef idx="2">
-            <a:schemeClr val="accent1">
-              <a:shade val="50000"/>
-            </a:schemeClr>
-          </a:lnRef>
-          <a:fillRef idx="1">
-            <a:schemeClr val="accent1"/>
-          </a:fillRef>
-          <a:effectRef idx="0">
-            <a:schemeClr val="accent1"/>
-          </a:effectRef>
-          <a:fontRef idx="minor">
-            <a:schemeClr val="lt1"/>
-          </a:fontRef>
-        </p:style>
-      </p:cxnSp>
-      <p:cxnSp>
-        <p:nvCxnSpPr>
-          <p:cNvPr id="301" name="Connecteur droit 300"/>
-          <p:cNvCxnSpPr/>
-          <p:nvPr/>
-        </p:nvCxnSpPr>
-        <p:spPr>
-          <a:xfrm>
-            <a:off x="7714634" y="3541112"/>
-            <a:ext cx="267316" cy="0"/>
-          </a:xfrm>
-          <a:prstGeom prst="line">
-            <a:avLst/>
-          </a:prstGeom>
-          <a:noFill/>
-          <a:ln w="12700">
-            <a:solidFill>
-              <a:schemeClr val="tx1"/>
-            </a:solidFill>
-          </a:ln>
-        </p:spPr>
-        <p:style>
-          <a:lnRef idx="2">
-            <a:schemeClr val="accent1">
-              <a:shade val="50000"/>
-            </a:schemeClr>
-          </a:lnRef>
-          <a:fillRef idx="1">
-            <a:schemeClr val="accent1"/>
-          </a:fillRef>
-          <a:effectRef idx="0">
-            <a:schemeClr val="accent1"/>
-          </a:effectRef>
-          <a:fontRef idx="minor">
-            <a:schemeClr val="lt1"/>
-          </a:fontRef>
-        </p:style>
-      </p:cxnSp>
-      <p:cxnSp>
-        <p:nvCxnSpPr>
-          <p:cNvPr id="303" name="Connecteur droit 302"/>
-          <p:cNvCxnSpPr/>
-          <p:nvPr/>
-        </p:nvCxnSpPr>
-        <p:spPr>
-          <a:xfrm>
-            <a:off x="7882610" y="3702138"/>
-            <a:ext cx="0" cy="518972"/>
-          </a:xfrm>
-          <a:prstGeom prst="line">
-            <a:avLst/>
-          </a:prstGeom>
-          <a:noFill/>
-          <a:ln w="12700">
-            <a:solidFill>
-              <a:schemeClr val="tx1"/>
-            </a:solidFill>
-          </a:ln>
-        </p:spPr>
-        <p:style>
-          <a:lnRef idx="2">
-            <a:schemeClr val="accent1">
-              <a:shade val="50000"/>
-            </a:schemeClr>
-          </a:lnRef>
-          <a:fillRef idx="1">
-            <a:schemeClr val="accent1"/>
-          </a:fillRef>
-          <a:effectRef idx="0">
-            <a:schemeClr val="accent1"/>
-          </a:effectRef>
-          <a:fontRef idx="minor">
-            <a:schemeClr val="lt1"/>
-          </a:fontRef>
-        </p:style>
-      </p:cxnSp>
-      <p:cxnSp>
-        <p:nvCxnSpPr>
-          <p:cNvPr id="314" name="Connecteur droit 313"/>
-          <p:cNvCxnSpPr/>
-          <p:nvPr/>
-        </p:nvCxnSpPr>
-        <p:spPr>
-          <a:xfrm>
-            <a:off x="7884470" y="3837900"/>
-            <a:ext cx="394074" cy="0"/>
-          </a:xfrm>
-          <a:prstGeom prst="line">
-            <a:avLst/>
-          </a:prstGeom>
-          <a:noFill/>
-          <a:ln w="12700">
-            <a:solidFill>
-              <a:schemeClr val="tx1"/>
-            </a:solidFill>
-          </a:ln>
-        </p:spPr>
-        <p:style>
-          <a:lnRef idx="2">
-            <a:schemeClr val="accent1">
-              <a:shade val="50000"/>
-            </a:schemeClr>
-          </a:lnRef>
-          <a:fillRef idx="1">
-            <a:schemeClr val="accent1"/>
-          </a:fillRef>
-          <a:effectRef idx="0">
-            <a:schemeClr val="accent1"/>
-          </a:effectRef>
-          <a:fontRef idx="minor">
-            <a:schemeClr val="lt1"/>
-          </a:fontRef>
-        </p:style>
-      </p:cxnSp>
-      <p:cxnSp>
-        <p:nvCxnSpPr>
-          <p:cNvPr id="316" name="Connecteur droit 315"/>
-          <p:cNvCxnSpPr/>
-          <p:nvPr/>
-        </p:nvCxnSpPr>
-        <p:spPr>
-          <a:xfrm flipH="1">
-            <a:off x="7596421" y="4167480"/>
-            <a:ext cx="178803" cy="0"/>
-          </a:xfrm>
-          <a:prstGeom prst="line">
-            <a:avLst/>
-          </a:prstGeom>
-          <a:noFill/>
-          <a:ln w="12700">
-            <a:solidFill>
-              <a:schemeClr val="tx1"/>
-            </a:solidFill>
-          </a:ln>
-        </p:spPr>
-        <p:style>
-          <a:lnRef idx="2">
-            <a:schemeClr val="accent1">
-              <a:shade val="50000"/>
-            </a:schemeClr>
-          </a:lnRef>
-          <a:fillRef idx="1">
-            <a:schemeClr val="accent1"/>
-          </a:fillRef>
-          <a:effectRef idx="0">
-            <a:schemeClr val="accent1"/>
-          </a:effectRef>
-          <a:fontRef idx="minor">
-            <a:schemeClr val="lt1"/>
-          </a:fontRef>
-        </p:style>
-      </p:cxnSp>
-      <p:cxnSp>
-        <p:nvCxnSpPr>
-          <p:cNvPr id="318" name="Connecteur droit 317"/>
-          <p:cNvCxnSpPr/>
-          <p:nvPr/>
-        </p:nvCxnSpPr>
-        <p:spPr>
-          <a:xfrm flipV="1">
-            <a:off x="7775224" y="3626136"/>
-            <a:ext cx="0" cy="541344"/>
-          </a:xfrm>
-          <a:prstGeom prst="line">
-            <a:avLst/>
-          </a:prstGeom>
-          <a:noFill/>
-          <a:ln w="12700">
-            <a:solidFill>
-              <a:schemeClr val="tx1"/>
-            </a:solidFill>
-          </a:ln>
-        </p:spPr>
-        <p:style>
-          <a:lnRef idx="2">
-            <a:schemeClr val="accent1">
-              <a:shade val="50000"/>
-            </a:schemeClr>
-          </a:lnRef>
-          <a:fillRef idx="1">
-            <a:schemeClr val="accent1"/>
-          </a:fillRef>
-          <a:effectRef idx="0">
-            <a:schemeClr val="accent1"/>
-          </a:effectRef>
-          <a:fontRef idx="minor">
-            <a:schemeClr val="lt1"/>
-          </a:fontRef>
-        </p:style>
-      </p:cxnSp>
-      <p:cxnSp>
-        <p:nvCxnSpPr>
-          <p:cNvPr id="321" name="Connecteur droit 320"/>
-          <p:cNvCxnSpPr>
-            <a:endCxn id="285" idx="2"/>
-          </p:cNvCxnSpPr>
-          <p:nvPr/>
-        </p:nvCxnSpPr>
-        <p:spPr>
-          <a:xfrm>
-            <a:off x="7775224" y="3630787"/>
-            <a:ext cx="55246" cy="0"/>
-          </a:xfrm>
-          <a:prstGeom prst="line">
-            <a:avLst/>
-          </a:prstGeom>
-          <a:noFill/>
-          <a:ln w="12700">
-            <a:solidFill>
-              <a:schemeClr val="tx1"/>
-            </a:solidFill>
-          </a:ln>
-        </p:spPr>
-        <p:style>
-          <a:lnRef idx="2">
-            <a:schemeClr val="accent1">
-              <a:shade val="50000"/>
-            </a:schemeClr>
-          </a:lnRef>
-          <a:fillRef idx="1">
-            <a:schemeClr val="accent1"/>
-          </a:fillRef>
-          <a:effectRef idx="0">
-            <a:schemeClr val="accent1"/>
-          </a:effectRef>
-          <a:fontRef idx="minor">
-            <a:schemeClr val="lt1"/>
-          </a:fontRef>
-        </p:style>
-      </p:cxnSp>
-      <p:cxnSp>
-        <p:nvCxnSpPr>
-          <p:cNvPr id="329" name="Connecteur droit 328"/>
-          <p:cNvCxnSpPr>
-            <a:endCxn id="6" idx="0"/>
-          </p:cNvCxnSpPr>
-          <p:nvPr/>
-        </p:nvCxnSpPr>
-        <p:spPr>
-          <a:xfrm>
-            <a:off x="4795861" y="3284980"/>
-            <a:ext cx="0" cy="273791"/>
-          </a:xfrm>
-          <a:prstGeom prst="line">
-            <a:avLst/>
-          </a:prstGeom>
-          <a:noFill/>
-          <a:ln w="12700">
-            <a:solidFill>
-              <a:schemeClr val="tx1"/>
-            </a:solidFill>
-          </a:ln>
-        </p:spPr>
-        <p:style>
-          <a:lnRef idx="2">
-            <a:schemeClr val="accent1">
-              <a:shade val="50000"/>
-            </a:schemeClr>
-          </a:lnRef>
-          <a:fillRef idx="1">
-            <a:schemeClr val="accent1"/>
-          </a:fillRef>
-          <a:effectRef idx="0">
-            <a:schemeClr val="accent1"/>
-          </a:effectRef>
-          <a:fontRef idx="minor">
-            <a:schemeClr val="lt1"/>
-          </a:fontRef>
-        </p:style>
-      </p:cxnSp>
-      <p:cxnSp>
-        <p:nvCxnSpPr>
-          <p:cNvPr id="333" name="Connecteur droit 332"/>
-          <p:cNvCxnSpPr/>
-          <p:nvPr/>
-        </p:nvCxnSpPr>
-        <p:spPr>
-          <a:xfrm>
-            <a:off x="4795861" y="3284980"/>
-            <a:ext cx="955325" cy="0"/>
-          </a:xfrm>
-          <a:prstGeom prst="line">
-            <a:avLst/>
-          </a:prstGeom>
-          <a:noFill/>
-          <a:ln w="12700">
-            <a:solidFill>
-              <a:schemeClr val="tx1"/>
-            </a:solidFill>
-          </a:ln>
-        </p:spPr>
-        <p:style>
-          <a:lnRef idx="2">
-            <a:schemeClr val="accent1">
-              <a:shade val="50000"/>
-            </a:schemeClr>
-          </a:lnRef>
-          <a:fillRef idx="1">
-            <a:schemeClr val="accent1"/>
-          </a:fillRef>
-          <a:effectRef idx="0">
-            <a:schemeClr val="accent1"/>
-          </a:effectRef>
-          <a:fontRef idx="minor">
-            <a:schemeClr val="lt1"/>
-          </a:fontRef>
-        </p:style>
-      </p:cxnSp>
-      <p:cxnSp>
-        <p:nvCxnSpPr>
-          <p:cNvPr id="336" name="Connecteur droit 335"/>
-          <p:cNvCxnSpPr/>
-          <p:nvPr/>
-        </p:nvCxnSpPr>
-        <p:spPr>
-          <a:xfrm>
-            <a:off x="5751186" y="2204830"/>
-            <a:ext cx="0" cy="1090258"/>
-          </a:xfrm>
-          <a:prstGeom prst="line">
-            <a:avLst/>
-          </a:prstGeom>
-          <a:noFill/>
-          <a:ln w="12700">
-            <a:solidFill>
-              <a:schemeClr val="tx1"/>
-            </a:solidFill>
-          </a:ln>
-        </p:spPr>
-        <p:style>
-          <a:lnRef idx="2">
-            <a:schemeClr val="accent1">
-              <a:shade val="50000"/>
-            </a:schemeClr>
-          </a:lnRef>
-          <a:fillRef idx="1">
-            <a:schemeClr val="accent1"/>
-          </a:fillRef>
-          <a:effectRef idx="0">
-            <a:schemeClr val="accent1"/>
-          </a:effectRef>
-          <a:fontRef idx="minor">
-            <a:schemeClr val="lt1"/>
-          </a:fontRef>
-        </p:style>
-      </p:cxnSp>
-      <p:cxnSp>
-        <p:nvCxnSpPr>
-          <p:cNvPr id="338" name="Connecteur droit 337"/>
-          <p:cNvCxnSpPr/>
-          <p:nvPr/>
-        </p:nvCxnSpPr>
-        <p:spPr>
-          <a:xfrm>
-            <a:off x="5751186" y="2204830"/>
-            <a:ext cx="1368150" cy="0"/>
-          </a:xfrm>
-          <a:prstGeom prst="line">
-            <a:avLst/>
-          </a:prstGeom>
-          <a:noFill/>
-          <a:ln w="12700">
-            <a:solidFill>
-              <a:schemeClr val="tx1"/>
-            </a:solidFill>
-          </a:ln>
-        </p:spPr>
-        <p:style>
-          <a:lnRef idx="2">
-            <a:schemeClr val="accent1">
-              <a:shade val="50000"/>
-            </a:schemeClr>
-          </a:lnRef>
-          <a:fillRef idx="1">
-            <a:schemeClr val="accent1"/>
-          </a:fillRef>
-          <a:effectRef idx="0">
-            <a:schemeClr val="accent1"/>
-          </a:effectRef>
-          <a:fontRef idx="minor">
-            <a:schemeClr val="lt1"/>
-          </a:fontRef>
-        </p:style>
-      </p:cxnSp>
-      <p:cxnSp>
-        <p:nvCxnSpPr>
-          <p:cNvPr id="342" name="Connecteur droit 341"/>
-          <p:cNvCxnSpPr/>
-          <p:nvPr/>
-        </p:nvCxnSpPr>
-        <p:spPr>
-          <a:xfrm flipH="1" flipV="1">
-            <a:off x="7119336" y="2204830"/>
-            <a:ext cx="199081" cy="614396"/>
-          </a:xfrm>
-          <a:prstGeom prst="line">
-            <a:avLst/>
-          </a:prstGeom>
-          <a:noFill/>
-          <a:ln w="12700">
-            <a:solidFill>
-              <a:schemeClr val="tx1"/>
-            </a:solidFill>
-          </a:ln>
-        </p:spPr>
-        <p:style>
-          <a:lnRef idx="2">
-            <a:schemeClr val="accent1">
-              <a:shade val="50000"/>
-            </a:schemeClr>
-          </a:lnRef>
-          <a:fillRef idx="1">
-            <a:schemeClr val="accent1"/>
-          </a:fillRef>
-          <a:effectRef idx="0">
-            <a:schemeClr val="accent1"/>
-          </a:effectRef>
-          <a:fontRef idx="minor">
-            <a:schemeClr val="lt1"/>
-          </a:fontRef>
-        </p:style>
-      </p:cxnSp>
-      <p:cxnSp>
-        <p:nvCxnSpPr>
-          <p:cNvPr id="345" name="Connecteur droit 344"/>
-          <p:cNvCxnSpPr/>
-          <p:nvPr/>
-        </p:nvCxnSpPr>
-        <p:spPr>
-          <a:xfrm>
-            <a:off x="8278544" y="2828543"/>
-            <a:ext cx="0" cy="736145"/>
-          </a:xfrm>
-          <a:prstGeom prst="line">
-            <a:avLst/>
-          </a:prstGeom>
-          <a:noFill/>
-          <a:ln w="12700">
-            <a:solidFill>
-              <a:schemeClr val="tx1"/>
-            </a:solidFill>
-          </a:ln>
-        </p:spPr>
-        <p:style>
-          <a:lnRef idx="2">
-            <a:schemeClr val="accent1">
-              <a:shade val="50000"/>
-            </a:schemeClr>
-          </a:lnRef>
-          <a:fillRef idx="1">
-            <a:schemeClr val="accent1"/>
-          </a:fillRef>
-          <a:effectRef idx="0">
-            <a:schemeClr val="accent1"/>
-          </a:effectRef>
-          <a:fontRef idx="minor">
-            <a:schemeClr val="lt1"/>
-          </a:fontRef>
-        </p:style>
-      </p:cxnSp>
-      <p:cxnSp>
-        <p:nvCxnSpPr>
-          <p:cNvPr id="347" name="Connecteur droit 346"/>
-          <p:cNvCxnSpPr/>
-          <p:nvPr/>
-        </p:nvCxnSpPr>
-        <p:spPr>
-          <a:xfrm>
-            <a:off x="7318417" y="2828543"/>
-            <a:ext cx="960127" cy="0"/>
-          </a:xfrm>
-          <a:prstGeom prst="line">
-            <a:avLst/>
-          </a:prstGeom>
-          <a:noFill/>
-          <a:ln w="12700">
-            <a:solidFill>
-              <a:schemeClr val="tx1"/>
-            </a:solidFill>
-          </a:ln>
-        </p:spPr>
-        <p:style>
-          <a:lnRef idx="2">
-            <a:schemeClr val="accent1">
-              <a:shade val="50000"/>
-            </a:schemeClr>
-          </a:lnRef>
-          <a:fillRef idx="1">
-            <a:schemeClr val="accent1"/>
-          </a:fillRef>
-          <a:effectRef idx="0">
-            <a:schemeClr val="accent1"/>
-          </a:effectRef>
-          <a:fontRef idx="minor">
-            <a:schemeClr val="lt1"/>
-          </a:fontRef>
-        </p:style>
-      </p:cxnSp>
-      <p:sp>
-        <p:nvSpPr>
-          <p:cNvPr id="351" name="Ellipse 350"/>
-          <p:cNvSpPr/>
-          <p:nvPr/>
-        </p:nvSpPr>
-        <p:spPr>
-          <a:xfrm>
-            <a:off x="8525746" y="3494560"/>
-            <a:ext cx="251358" cy="251358"/>
-          </a:xfrm>
-          <a:prstGeom prst="ellipse">
-            <a:avLst/>
-          </a:prstGeom>
-          <a:noFill/>
-          <a:ln w="12700">
-            <a:solidFill>
-              <a:schemeClr val="tx1"/>
-            </a:solidFill>
-          </a:ln>
-        </p:spPr>
-        <p:style>
-          <a:lnRef idx="2">
-            <a:schemeClr val="accent1">
-              <a:shade val="50000"/>
-            </a:schemeClr>
-          </a:lnRef>
-          <a:fillRef idx="1">
-            <a:schemeClr val="accent1"/>
-          </a:fillRef>
-          <a:effectRef idx="0">
-            <a:schemeClr val="accent1"/>
-          </a:effectRef>
-          <a:fontRef idx="minor">
-            <a:schemeClr val="lt1"/>
-          </a:fontRef>
-        </p:style>
-        <p:txBody>
-          <a:bodyPr rtlCol="0" anchor="ctr"/>
-          <a:lstStyle/>
-          <a:p>
-            <a:pPr algn="ctr"/>
-            <a:r>
-              <a:rPr lang="fr-FR" sz="1200" b="1" dirty="0" smtClean="0">
-                <a:solidFill>
-                  <a:schemeClr val="tx1"/>
-                </a:solidFill>
-              </a:rPr>
-              <a:t>M</a:t>
-            </a:r>
-            <a:endParaRPr lang="fr-FR" b="1" dirty="0">
-              <a:solidFill>
-                <a:schemeClr val="tx1"/>
-              </a:solidFill>
-            </a:endParaRPr>
-          </a:p>
-        </p:txBody>
-      </p:sp>
-      <p:cxnSp>
-        <p:nvCxnSpPr>
-          <p:cNvPr id="355" name="Connecteur droit 354"/>
-          <p:cNvCxnSpPr/>
-          <p:nvPr/>
-        </p:nvCxnSpPr>
-        <p:spPr>
-          <a:xfrm flipV="1">
-            <a:off x="7218360" y="467408"/>
-            <a:ext cx="0" cy="1897812"/>
-          </a:xfrm>
-          <a:prstGeom prst="line">
-            <a:avLst/>
-          </a:prstGeom>
-          <a:noFill/>
-          <a:ln w="12700">
-            <a:solidFill>
-              <a:schemeClr val="tx1"/>
-            </a:solidFill>
-          </a:ln>
-        </p:spPr>
-        <p:style>
-          <a:lnRef idx="2">
-            <a:schemeClr val="accent1">
-              <a:shade val="50000"/>
-            </a:schemeClr>
-          </a:lnRef>
-          <a:fillRef idx="1">
-            <a:schemeClr val="accent1"/>
-          </a:fillRef>
-          <a:effectRef idx="0">
-            <a:schemeClr val="accent1"/>
-          </a:effectRef>
-          <a:fontRef idx="minor">
-            <a:schemeClr val="lt1"/>
-          </a:fontRef>
-        </p:style>
-      </p:cxnSp>
-      <p:cxnSp>
-        <p:nvCxnSpPr>
-          <p:cNvPr id="357" name="Connecteur droit 356"/>
-          <p:cNvCxnSpPr/>
-          <p:nvPr/>
-        </p:nvCxnSpPr>
-        <p:spPr>
-          <a:xfrm flipH="1">
-            <a:off x="7210220" y="467408"/>
-            <a:ext cx="1310121" cy="1"/>
-          </a:xfrm>
-          <a:prstGeom prst="line">
-            <a:avLst/>
-          </a:prstGeom>
-          <a:noFill/>
-          <a:ln w="12700">
-            <a:solidFill>
-              <a:schemeClr val="tx1"/>
-            </a:solidFill>
-          </a:ln>
-        </p:spPr>
-        <p:style>
-          <a:lnRef idx="2">
-            <a:schemeClr val="accent1">
-              <a:shade val="50000"/>
-            </a:schemeClr>
-          </a:lnRef>
-          <a:fillRef idx="1">
-            <a:schemeClr val="accent1"/>
-          </a:fillRef>
-          <a:effectRef idx="0">
-            <a:schemeClr val="accent1"/>
-          </a:effectRef>
-          <a:fontRef idx="minor">
-            <a:schemeClr val="lt1"/>
-          </a:fontRef>
-        </p:style>
-      </p:cxnSp>
-      <p:cxnSp>
-        <p:nvCxnSpPr>
-          <p:cNvPr id="358" name="Connecteur droit 357"/>
-          <p:cNvCxnSpPr/>
-          <p:nvPr/>
-        </p:nvCxnSpPr>
-        <p:spPr>
-          <a:xfrm flipV="1">
-            <a:off x="8525746" y="467408"/>
-            <a:ext cx="0" cy="1897812"/>
-          </a:xfrm>
-          <a:prstGeom prst="line">
-            <a:avLst/>
-          </a:prstGeom>
-          <a:noFill/>
-          <a:ln w="12700">
-            <a:solidFill>
-              <a:schemeClr val="tx1"/>
-            </a:solidFill>
-          </a:ln>
-        </p:spPr>
-        <p:style>
-          <a:lnRef idx="2">
-            <a:schemeClr val="accent1">
-              <a:shade val="50000"/>
-            </a:schemeClr>
-          </a:lnRef>
-          <a:fillRef idx="1">
-            <a:schemeClr val="accent1"/>
-          </a:fillRef>
-          <a:effectRef idx="0">
-            <a:schemeClr val="accent1"/>
-          </a:effectRef>
-          <a:fontRef idx="minor">
-            <a:schemeClr val="lt1"/>
-          </a:fontRef>
-        </p:style>
-      </p:cxnSp>
-      <p:cxnSp>
-        <p:nvCxnSpPr>
-          <p:cNvPr id="359" name="Connecteur droit 358"/>
-          <p:cNvCxnSpPr/>
-          <p:nvPr/>
-        </p:nvCxnSpPr>
-        <p:spPr>
-          <a:xfrm flipH="1">
-            <a:off x="7220475" y="2365220"/>
-            <a:ext cx="1299867" cy="0"/>
-          </a:xfrm>
-          <a:prstGeom prst="line">
-            <a:avLst/>
-          </a:prstGeom>
-          <a:noFill/>
-          <a:ln w="12700">
-            <a:solidFill>
-              <a:schemeClr val="tx1"/>
-            </a:solidFill>
-          </a:ln>
-        </p:spPr>
-        <p:style>
-          <a:lnRef idx="2">
-            <a:schemeClr val="accent1">
-              <a:shade val="50000"/>
-            </a:schemeClr>
-          </a:lnRef>
-          <a:fillRef idx="1">
-            <a:schemeClr val="accent1"/>
-          </a:fillRef>
-          <a:effectRef idx="0">
-            <a:schemeClr val="accent1"/>
-          </a:effectRef>
-          <a:fontRef idx="minor">
-            <a:schemeClr val="lt1"/>
-          </a:fontRef>
-        </p:style>
-      </p:cxnSp>
-      <p:sp>
-        <p:nvSpPr>
-          <p:cNvPr id="368" name="Rectangle 367"/>
-          <p:cNvSpPr/>
-          <p:nvPr/>
-        </p:nvSpPr>
-        <p:spPr>
-          <a:xfrm rot="5400000">
-            <a:off x="8250970" y="1762544"/>
-            <a:ext cx="288016" cy="144024"/>
-          </a:xfrm>
-          <a:prstGeom prst="rect">
-            <a:avLst/>
-          </a:prstGeom>
-          <a:noFill/>
-          <a:ln w="12700">
-            <a:solidFill>
-              <a:schemeClr val="tx1"/>
-            </a:solidFill>
-          </a:ln>
-        </p:spPr>
-        <p:style>
-          <a:lnRef idx="2">
-            <a:schemeClr val="accent1">
-              <a:shade val="50000"/>
-            </a:schemeClr>
-          </a:lnRef>
-          <a:fillRef idx="1">
-            <a:schemeClr val="accent1"/>
-          </a:fillRef>
-          <a:effectRef idx="0">
-            <a:schemeClr val="accent1"/>
-          </a:effectRef>
-          <a:fontRef idx="minor">
-            <a:schemeClr val="lt1"/>
-          </a:fontRef>
-        </p:style>
-        <p:txBody>
-          <a:bodyPr rtlCol="0" anchor="ctr"/>
-          <a:lstStyle/>
-          <a:p>
-            <a:pPr algn="ctr"/>
-            <a:endParaRPr lang="fr-FR"/>
-          </a:p>
-        </p:txBody>
-      </p:sp>
-      <p:grpSp>
-        <p:nvGrpSpPr>
-          <p:cNvPr id="370" name="Groupe 369"/>
-          <p:cNvGrpSpPr/>
-          <p:nvPr/>
-        </p:nvGrpSpPr>
-        <p:grpSpPr>
-          <a:xfrm rot="5400000">
-            <a:off x="8309440" y="1192684"/>
-            <a:ext cx="85908" cy="127848"/>
-            <a:chOff x="7812450" y="692620"/>
-            <a:chExt cx="85908" cy="127848"/>
-          </a:xfrm>
-        </p:grpSpPr>
-        <p:cxnSp>
-          <p:nvCxnSpPr>
-            <p:cNvPr id="371" name="Connecteur droit 370"/>
-            <p:cNvCxnSpPr/>
-            <p:nvPr/>
-          </p:nvCxnSpPr>
-          <p:spPr>
-            <a:xfrm flipV="1">
-              <a:off x="7855404" y="792549"/>
-              <a:ext cx="0" cy="27919"/>
+              <a:off x="7210220" y="4221110"/>
+              <a:ext cx="671385" cy="0"/>
             </a:xfrm>
             <a:prstGeom prst="line">
               <a:avLst/>
@@ -8069,138 +9274,14 @@
         </p:cxnSp>
         <p:cxnSp>
           <p:nvCxnSpPr>
-            <p:cNvPr id="372" name="Connecteur droit 371"/>
-            <p:cNvCxnSpPr/>
-            <p:nvPr/>
-          </p:nvCxnSpPr>
-          <p:spPr>
-            <a:xfrm>
-              <a:off x="7812450" y="754816"/>
-              <a:ext cx="42954" cy="36005"/>
-            </a:xfrm>
-            <a:prstGeom prst="line">
-              <a:avLst/>
-            </a:prstGeom>
-            <a:noFill/>
-            <a:ln w="12700">
-              <a:solidFill>
-                <a:schemeClr val="tx1"/>
-              </a:solidFill>
-            </a:ln>
-          </p:spPr>
-          <p:style>
-            <a:lnRef idx="2">
-              <a:schemeClr val="accent1">
-                <a:shade val="50000"/>
-              </a:schemeClr>
-            </a:lnRef>
-            <a:fillRef idx="1">
-              <a:schemeClr val="accent1"/>
-            </a:fillRef>
-            <a:effectRef idx="0">
-              <a:schemeClr val="accent1"/>
-            </a:effectRef>
-            <a:fontRef idx="minor">
-              <a:schemeClr val="lt1"/>
-            </a:fontRef>
-          </p:style>
-        </p:cxnSp>
-        <p:cxnSp>
-          <p:nvCxnSpPr>
-            <p:cNvPr id="373" name="Connecteur droit 372"/>
+            <p:cNvPr id="316" name="Connecteur droit 315"/>
             <p:cNvCxnSpPr/>
             <p:nvPr/>
           </p:nvCxnSpPr>
           <p:spPr>
             <a:xfrm flipH="1">
-              <a:off x="7855404" y="754816"/>
-              <a:ext cx="42954" cy="36005"/>
-            </a:xfrm>
-            <a:prstGeom prst="line">
-              <a:avLst/>
-            </a:prstGeom>
-            <a:noFill/>
-            <a:ln w="12700">
-              <a:solidFill>
-                <a:schemeClr val="tx1"/>
-              </a:solidFill>
-            </a:ln>
-          </p:spPr>
-          <p:style>
-            <a:lnRef idx="2">
-              <a:schemeClr val="accent1">
-                <a:shade val="50000"/>
-              </a:schemeClr>
-            </a:lnRef>
-            <a:fillRef idx="1">
-              <a:schemeClr val="accent1"/>
-            </a:fillRef>
-            <a:effectRef idx="0">
-              <a:schemeClr val="accent1"/>
-            </a:effectRef>
-            <a:fontRef idx="minor">
-              <a:schemeClr val="lt1"/>
-            </a:fontRef>
-          </p:style>
-        </p:cxnSp>
-        <p:sp>
-          <p:nvSpPr>
-            <p:cNvPr id="374" name="Ellipse 373"/>
-            <p:cNvSpPr/>
-            <p:nvPr/>
-          </p:nvSpPr>
-          <p:spPr>
-            <a:xfrm flipV="1">
-              <a:off x="7829203" y="719328"/>
-              <a:ext cx="52402" cy="52402"/>
-            </a:xfrm>
-            <a:prstGeom prst="ellipse">
-              <a:avLst/>
-            </a:prstGeom>
-            <a:noFill/>
-            <a:ln w="12700">
-              <a:solidFill>
-                <a:schemeClr val="tx1"/>
-              </a:solidFill>
-            </a:ln>
-          </p:spPr>
-          <p:style>
-            <a:lnRef idx="2">
-              <a:schemeClr val="accent1">
-                <a:shade val="50000"/>
-              </a:schemeClr>
-            </a:lnRef>
-            <a:fillRef idx="1">
-              <a:schemeClr val="accent1"/>
-            </a:fillRef>
-            <a:effectRef idx="0">
-              <a:schemeClr val="accent1"/>
-            </a:effectRef>
-            <a:fontRef idx="minor">
-              <a:schemeClr val="lt1"/>
-            </a:fontRef>
-          </p:style>
-          <p:txBody>
-            <a:bodyPr rtlCol="0" anchor="ctr"/>
-            <a:lstStyle/>
-            <a:p>
-              <a:pPr algn="ctr"/>
-              <a:endParaRPr lang="fr-FR"/>
-            </a:p>
-          </p:txBody>
-        </p:sp>
-        <p:cxnSp>
-          <p:nvCxnSpPr>
-            <p:cNvPr id="375" name="Connecteur droit 374"/>
-            <p:cNvCxnSpPr>
-              <a:endCxn id="374" idx="4"/>
-            </p:cNvCxnSpPr>
-            <p:nvPr/>
-          </p:nvCxnSpPr>
-          <p:spPr>
-            <a:xfrm>
-              <a:off x="7855404" y="692620"/>
-              <a:ext cx="0" cy="26708"/>
+              <a:off x="7596422" y="4167480"/>
+              <a:ext cx="280459" cy="0"/>
             </a:xfrm>
             <a:prstGeom prst="line">
               <a:avLst/>
@@ -8232,16 +9313,14 @@
       </p:grpSp>
       <p:cxnSp>
         <p:nvCxnSpPr>
-          <p:cNvPr id="376" name="Connecteur droit 375"/>
-          <p:cNvCxnSpPr>
-            <a:stCxn id="374" idx="4"/>
-          </p:cNvCxnSpPr>
+          <p:cNvPr id="345" name="Connecteur droit 344"/>
+          <p:cNvCxnSpPr/>
           <p:nvPr/>
         </p:nvCxnSpPr>
         <p:spPr>
           <a:xfrm>
-            <a:off x="8389610" y="1256608"/>
-            <a:ext cx="0" cy="876212"/>
+            <a:off x="8278544" y="3087330"/>
+            <a:ext cx="0" cy="477358"/>
           </a:xfrm>
           <a:prstGeom prst="line">
             <a:avLst/>
@@ -8272,22 +9351,22 @@
       </p:cxnSp>
       <p:sp>
         <p:nvSpPr>
-          <p:cNvPr id="379" name="Rectangle 378"/>
+          <p:cNvPr id="351" name="Ellipse 350"/>
           <p:cNvSpPr/>
           <p:nvPr/>
         </p:nvSpPr>
         <p:spPr>
-          <a:xfrm rot="5400000">
-            <a:off x="8355684" y="2093529"/>
-            <a:ext cx="72012" cy="150600"/>
-          </a:xfrm>
-          <a:prstGeom prst="rect">
-            <a:avLst/>
-          </a:prstGeom>
-          <a:noFill/>
-          <a:ln w="12700">
-            <a:solidFill>
-              <a:schemeClr val="tx1"/>
+          <a:xfrm>
+            <a:off x="8525746" y="3494560"/>
+            <a:ext cx="251358" cy="251358"/>
+          </a:xfrm>
+          <a:prstGeom prst="ellipse">
+            <a:avLst/>
+          </a:prstGeom>
+          <a:noFill/>
+          <a:ln w="12700">
+            <a:solidFill>
+              <a:srgbClr val="7030A0"/>
             </a:solidFill>
           </a:ln>
         </p:spPr>
@@ -8312,14 +9391,2218 @@
           <a:lstStyle/>
           <a:p>
             <a:pPr algn="ctr"/>
+            <a:r>
+              <a:rPr lang="fr-FR" sz="1200" b="1" dirty="0" smtClean="0">
+                <a:solidFill>
+                  <a:srgbClr val="7030A0"/>
+                </a:solidFill>
+              </a:rPr>
+              <a:t>M</a:t>
+            </a:r>
+            <a:endParaRPr lang="fr-FR" b="1" dirty="0">
+              <a:solidFill>
+                <a:srgbClr val="7030A0"/>
+              </a:solidFill>
+            </a:endParaRPr>
+          </a:p>
+        </p:txBody>
+      </p:sp>
+      <p:sp>
+        <p:nvSpPr>
+          <p:cNvPr id="128" name="Rectangle 127"/>
+          <p:cNvSpPr/>
+          <p:nvPr/>
+        </p:nvSpPr>
+        <p:spPr>
+          <a:xfrm>
+            <a:off x="7071626" y="3560653"/>
+            <a:ext cx="288000" cy="144016"/>
+          </a:xfrm>
+          <a:prstGeom prst="rect">
+            <a:avLst/>
+          </a:prstGeom>
+          <a:noFill/>
+          <a:ln w="12700">
+            <a:solidFill>
+              <a:schemeClr val="tx1"/>
+            </a:solidFill>
+          </a:ln>
+        </p:spPr>
+        <p:style>
+          <a:lnRef idx="2">
+            <a:schemeClr val="accent1">
+              <a:shade val="50000"/>
+            </a:schemeClr>
+          </a:lnRef>
+          <a:fillRef idx="1">
+            <a:schemeClr val="accent1"/>
+          </a:fillRef>
+          <a:effectRef idx="0">
+            <a:schemeClr val="accent1"/>
+          </a:effectRef>
+          <a:fontRef idx="minor">
+            <a:schemeClr val="lt1"/>
+          </a:fontRef>
+        </p:style>
+        <p:txBody>
+          <a:bodyPr rtlCol="0" anchor="ctr"/>
+          <a:lstStyle/>
+          <a:p>
+            <a:pPr algn="ctr"/>
             <a:endParaRPr lang="fr-FR"/>
+          </a:p>
+        </p:txBody>
+      </p:sp>
+      <p:grpSp>
+        <p:nvGrpSpPr>
+          <p:cNvPr id="132" name="Groupe 131"/>
+          <p:cNvGrpSpPr/>
+          <p:nvPr/>
+        </p:nvGrpSpPr>
+        <p:grpSpPr>
+          <a:xfrm rot="10800000" flipH="1">
+            <a:off x="7534857" y="3087330"/>
+            <a:ext cx="739193" cy="53630"/>
+            <a:chOff x="7537796" y="4113850"/>
+            <a:chExt cx="739193" cy="53630"/>
+          </a:xfrm>
+        </p:grpSpPr>
+        <p:cxnSp>
+          <p:nvCxnSpPr>
+            <p:cNvPr id="133" name="Connecteur droit 132"/>
+            <p:cNvCxnSpPr/>
+            <p:nvPr/>
+          </p:nvCxnSpPr>
+          <p:spPr>
+            <a:xfrm flipV="1">
+              <a:off x="7596420" y="4113850"/>
+              <a:ext cx="0" cy="53630"/>
+            </a:xfrm>
+            <a:prstGeom prst="line">
+              <a:avLst/>
+            </a:prstGeom>
+            <a:noFill/>
+            <a:ln w="12700">
+              <a:solidFill>
+                <a:schemeClr val="tx1"/>
+              </a:solidFill>
+            </a:ln>
+          </p:spPr>
+          <p:style>
+            <a:lnRef idx="2">
+              <a:schemeClr val="accent1">
+                <a:shade val="50000"/>
+              </a:schemeClr>
+            </a:lnRef>
+            <a:fillRef idx="1">
+              <a:schemeClr val="accent1"/>
+            </a:fillRef>
+            <a:effectRef idx="0">
+              <a:schemeClr val="accent1"/>
+            </a:effectRef>
+            <a:fontRef idx="minor">
+              <a:schemeClr val="lt1"/>
+            </a:fontRef>
+          </p:style>
+        </p:cxnSp>
+        <p:cxnSp>
+          <p:nvCxnSpPr>
+            <p:cNvPr id="135" name="Connecteur droit 134"/>
+            <p:cNvCxnSpPr/>
+            <p:nvPr/>
+          </p:nvCxnSpPr>
+          <p:spPr>
+            <a:xfrm>
+              <a:off x="7537796" y="4113850"/>
+              <a:ext cx="117287" cy="0"/>
+            </a:xfrm>
+            <a:prstGeom prst="line">
+              <a:avLst/>
+            </a:prstGeom>
+            <a:noFill/>
+            <a:ln w="12700">
+              <a:solidFill>
+                <a:schemeClr val="tx1"/>
+              </a:solidFill>
+            </a:ln>
+          </p:spPr>
+          <p:style>
+            <a:lnRef idx="2">
+              <a:schemeClr val="accent1">
+                <a:shade val="50000"/>
+              </a:schemeClr>
+            </a:lnRef>
+            <a:fillRef idx="1">
+              <a:schemeClr val="accent1"/>
+            </a:fillRef>
+            <a:effectRef idx="0">
+              <a:schemeClr val="accent1"/>
+            </a:effectRef>
+            <a:fontRef idx="minor">
+              <a:schemeClr val="lt1"/>
+            </a:fontRef>
+          </p:style>
+        </p:cxnSp>
+        <p:cxnSp>
+          <p:nvCxnSpPr>
+            <p:cNvPr id="138" name="Connecteur droit 137"/>
+            <p:cNvCxnSpPr/>
+            <p:nvPr/>
+          </p:nvCxnSpPr>
+          <p:spPr>
+            <a:xfrm rot="10800000">
+              <a:off x="7596423" y="4167480"/>
+              <a:ext cx="680566" cy="0"/>
+            </a:xfrm>
+            <a:prstGeom prst="line">
+              <a:avLst/>
+            </a:prstGeom>
+            <a:noFill/>
+            <a:ln w="12700">
+              <a:solidFill>
+                <a:schemeClr val="tx1"/>
+              </a:solidFill>
+            </a:ln>
+          </p:spPr>
+          <p:style>
+            <a:lnRef idx="2">
+              <a:schemeClr val="accent1">
+                <a:shade val="50000"/>
+              </a:schemeClr>
+            </a:lnRef>
+            <a:fillRef idx="1">
+              <a:schemeClr val="accent1"/>
+            </a:fillRef>
+            <a:effectRef idx="0">
+              <a:schemeClr val="accent1"/>
+            </a:effectRef>
+            <a:fontRef idx="minor">
+              <a:schemeClr val="lt1"/>
+            </a:fontRef>
+          </p:style>
+        </p:cxnSp>
+      </p:grpSp>
+      <p:cxnSp>
+        <p:nvCxnSpPr>
+          <p:cNvPr id="153" name="Connecteur droit 152"/>
+          <p:cNvCxnSpPr/>
+          <p:nvPr/>
+        </p:nvCxnSpPr>
+        <p:spPr>
+          <a:xfrm>
+            <a:off x="7045740" y="3548794"/>
+            <a:ext cx="0" cy="155875"/>
+          </a:xfrm>
+          <a:prstGeom prst="line">
+            <a:avLst/>
+          </a:prstGeom>
+          <a:noFill/>
+          <a:ln w="12700">
+            <a:solidFill>
+              <a:srgbClr val="FF0000"/>
+            </a:solidFill>
+          </a:ln>
+        </p:spPr>
+        <p:style>
+          <a:lnRef idx="2">
+            <a:schemeClr val="accent1">
+              <a:shade val="50000"/>
+            </a:schemeClr>
+          </a:lnRef>
+          <a:fillRef idx="1">
+            <a:schemeClr val="accent1"/>
+          </a:fillRef>
+          <a:effectRef idx="0">
+            <a:schemeClr val="accent1"/>
+          </a:effectRef>
+          <a:fontRef idx="minor">
+            <a:schemeClr val="lt1"/>
+          </a:fontRef>
+        </p:style>
+      </p:cxnSp>
+      <p:cxnSp>
+        <p:nvCxnSpPr>
+          <p:cNvPr id="155" name="Connecteur droit 154"/>
+          <p:cNvCxnSpPr/>
+          <p:nvPr/>
+        </p:nvCxnSpPr>
+        <p:spPr>
+          <a:xfrm>
+            <a:off x="7380390" y="3554723"/>
+            <a:ext cx="0" cy="155875"/>
+          </a:xfrm>
+          <a:prstGeom prst="line">
+            <a:avLst/>
+          </a:prstGeom>
+          <a:noFill/>
+          <a:ln w="12700">
+            <a:solidFill>
+              <a:srgbClr val="FF0000"/>
+            </a:solidFill>
+          </a:ln>
+        </p:spPr>
+        <p:style>
+          <a:lnRef idx="2">
+            <a:schemeClr val="accent1">
+              <a:shade val="50000"/>
+            </a:schemeClr>
+          </a:lnRef>
+          <a:fillRef idx="1">
+            <a:schemeClr val="accent1"/>
+          </a:fillRef>
+          <a:effectRef idx="0">
+            <a:schemeClr val="accent1"/>
+          </a:effectRef>
+          <a:fontRef idx="minor">
+            <a:schemeClr val="lt1"/>
+          </a:fontRef>
+        </p:style>
+      </p:cxnSp>
+      <p:sp>
+        <p:nvSpPr>
+          <p:cNvPr id="158" name="Ellipse 157"/>
+          <p:cNvSpPr/>
+          <p:nvPr/>
+        </p:nvSpPr>
+        <p:spPr>
+          <a:xfrm>
+            <a:off x="7766344" y="3486775"/>
+            <a:ext cx="118126" cy="118126"/>
+          </a:xfrm>
+          <a:prstGeom prst="ellipse">
+            <a:avLst/>
+          </a:prstGeom>
+          <a:noFill/>
+          <a:ln w="12700">
+            <a:solidFill>
+              <a:srgbClr val="7030A0"/>
+            </a:solidFill>
+          </a:ln>
+        </p:spPr>
+        <p:style>
+          <a:lnRef idx="2">
+            <a:schemeClr val="accent1">
+              <a:shade val="50000"/>
+            </a:schemeClr>
+          </a:lnRef>
+          <a:fillRef idx="1">
+            <a:schemeClr val="accent1"/>
+          </a:fillRef>
+          <a:effectRef idx="0">
+            <a:schemeClr val="accent1"/>
+          </a:effectRef>
+          <a:fontRef idx="minor">
+            <a:schemeClr val="lt1"/>
+          </a:fontRef>
+        </p:style>
+        <p:txBody>
+          <a:bodyPr rtlCol="0" anchor="ctr"/>
+          <a:lstStyle/>
+          <a:p>
+            <a:pPr algn="ctr"/>
+            <a:r>
+              <a:rPr lang="fr-FR" sz="700" b="1" dirty="0" smtClean="0">
+                <a:solidFill>
+                  <a:srgbClr val="7030A0"/>
+                </a:solidFill>
+              </a:rPr>
+              <a:t>1</a:t>
+            </a:r>
+            <a:endParaRPr lang="fr-FR" sz="1000" b="1" dirty="0">
+              <a:solidFill>
+                <a:srgbClr val="7030A0"/>
+              </a:solidFill>
+            </a:endParaRPr>
+          </a:p>
+        </p:txBody>
+      </p:sp>
+      <p:sp>
+        <p:nvSpPr>
+          <p:cNvPr id="160" name="Ellipse 159"/>
+          <p:cNvSpPr/>
+          <p:nvPr/>
+        </p:nvSpPr>
+        <p:spPr>
+          <a:xfrm>
+            <a:off x="8136039" y="3114145"/>
+            <a:ext cx="118126" cy="118126"/>
+          </a:xfrm>
+          <a:prstGeom prst="ellipse">
+            <a:avLst/>
+          </a:prstGeom>
+          <a:noFill/>
+          <a:ln w="12700">
+            <a:solidFill>
+              <a:schemeClr val="tx1"/>
+            </a:solidFill>
+          </a:ln>
+        </p:spPr>
+        <p:style>
+          <a:lnRef idx="2">
+            <a:schemeClr val="accent1">
+              <a:shade val="50000"/>
+            </a:schemeClr>
+          </a:lnRef>
+          <a:fillRef idx="1">
+            <a:schemeClr val="accent1"/>
+          </a:fillRef>
+          <a:effectRef idx="0">
+            <a:schemeClr val="accent1"/>
+          </a:effectRef>
+          <a:fontRef idx="minor">
+            <a:schemeClr val="lt1"/>
+          </a:fontRef>
+        </p:style>
+        <p:txBody>
+          <a:bodyPr rtlCol="0" anchor="ctr"/>
+          <a:lstStyle/>
+          <a:p>
+            <a:pPr algn="ctr"/>
+            <a:r>
+              <a:rPr lang="fr-FR" sz="700" b="1" dirty="0" smtClean="0">
+                <a:solidFill>
+                  <a:schemeClr val="tx1"/>
+                </a:solidFill>
+              </a:rPr>
+              <a:t>0</a:t>
+            </a:r>
+            <a:endParaRPr lang="fr-FR" sz="1000" b="1" dirty="0">
+              <a:solidFill>
+                <a:schemeClr val="tx1"/>
+              </a:solidFill>
+            </a:endParaRPr>
+          </a:p>
+        </p:txBody>
+      </p:sp>
+      <p:sp>
+        <p:nvSpPr>
+          <p:cNvPr id="161" name="Ellipse 160"/>
+          <p:cNvSpPr/>
+          <p:nvPr/>
+        </p:nvSpPr>
+        <p:spPr>
+          <a:xfrm>
+            <a:off x="7623639" y="3173208"/>
+            <a:ext cx="118126" cy="118126"/>
+          </a:xfrm>
+          <a:prstGeom prst="ellipse">
+            <a:avLst/>
+          </a:prstGeom>
+          <a:noFill/>
+          <a:ln w="12700">
+            <a:solidFill>
+              <a:srgbClr val="0070C0"/>
+            </a:solidFill>
+          </a:ln>
+        </p:spPr>
+        <p:style>
+          <a:lnRef idx="2">
+            <a:schemeClr val="accent1">
+              <a:shade val="50000"/>
+            </a:schemeClr>
+          </a:lnRef>
+          <a:fillRef idx="1">
+            <a:schemeClr val="accent1"/>
+          </a:fillRef>
+          <a:effectRef idx="0">
+            <a:schemeClr val="accent1"/>
+          </a:effectRef>
+          <a:fontRef idx="minor">
+            <a:schemeClr val="lt1"/>
+          </a:fontRef>
+        </p:style>
+        <p:txBody>
+          <a:bodyPr rtlCol="0" anchor="ctr"/>
+          <a:lstStyle/>
+          <a:p>
+            <a:pPr algn="ctr"/>
+            <a:r>
+              <a:rPr lang="fr-FR" sz="700" b="1" dirty="0" smtClean="0">
+                <a:solidFill>
+                  <a:srgbClr val="0070C0"/>
+                </a:solidFill>
+              </a:rPr>
+              <a:t>2</a:t>
+            </a:r>
+            <a:endParaRPr lang="fr-FR" sz="1000" b="1" dirty="0">
+              <a:solidFill>
+                <a:srgbClr val="0070C0"/>
+              </a:solidFill>
+            </a:endParaRPr>
+          </a:p>
+        </p:txBody>
+      </p:sp>
+      <p:sp>
+        <p:nvSpPr>
+          <p:cNvPr id="162" name="Ellipse 161"/>
+          <p:cNvSpPr/>
+          <p:nvPr/>
+        </p:nvSpPr>
+        <p:spPr>
+          <a:xfrm>
+            <a:off x="6847071" y="3844763"/>
+            <a:ext cx="118126" cy="118126"/>
+          </a:xfrm>
+          <a:prstGeom prst="ellipse">
+            <a:avLst/>
+          </a:prstGeom>
+          <a:noFill/>
+          <a:ln w="12700">
+            <a:solidFill>
+              <a:srgbClr val="FF0000"/>
+            </a:solidFill>
+          </a:ln>
+        </p:spPr>
+        <p:style>
+          <a:lnRef idx="2">
+            <a:schemeClr val="accent1">
+              <a:shade val="50000"/>
+            </a:schemeClr>
+          </a:lnRef>
+          <a:fillRef idx="1">
+            <a:schemeClr val="accent1"/>
+          </a:fillRef>
+          <a:effectRef idx="0">
+            <a:schemeClr val="accent1"/>
+          </a:effectRef>
+          <a:fontRef idx="minor">
+            <a:schemeClr val="lt1"/>
+          </a:fontRef>
+        </p:style>
+        <p:txBody>
+          <a:bodyPr rtlCol="0" anchor="ctr"/>
+          <a:lstStyle/>
+          <a:p>
+            <a:pPr algn="ctr"/>
+            <a:r>
+              <a:rPr lang="fr-FR" sz="700" b="1" dirty="0" smtClean="0">
+                <a:solidFill>
+                  <a:srgbClr val="FF0000"/>
+                </a:solidFill>
+              </a:rPr>
+              <a:t>3</a:t>
+            </a:r>
+            <a:endParaRPr lang="fr-FR" sz="1000" b="1" dirty="0">
+              <a:solidFill>
+                <a:srgbClr val="FF0000"/>
+              </a:solidFill>
+            </a:endParaRPr>
           </a:p>
         </p:txBody>
       </p:sp>
     </p:spTree>
     <p:extLst>
       <p:ext uri="{BB962C8B-B14F-4D97-AF65-F5344CB8AC3E}">
-        <p14:creationId xmlns:p14="http://schemas.microsoft.com/office/powerpoint/2010/main" val="2896834648"/>
+        <p14:creationId xmlns:p14="http://schemas.microsoft.com/office/powerpoint/2010/main" val="162569532"/>
+      </p:ext>
+    </p:extLst>
+  </p:cSld>
+  <p:clrMapOvr>
+    <a:masterClrMapping/>
+  </p:clrMapOvr>
+  <p:timing>
+    <p:tnLst>
+      <p:par>
+        <p:cTn id="1" dur="indefinite" restart="never" nodeType="tmRoot"/>
+      </p:par>
+    </p:tnLst>
+  </p:timing>
+</p:sld>
+</file>
+
+<file path=ppt/slides/slide3.xml><?xml version="1.0" encoding="utf-8"?>
+<p:sld xmlns:a="http://schemas.openxmlformats.org/drawingml/2006/main" xmlns:r="http://schemas.openxmlformats.org/officeDocument/2006/relationships" xmlns:p="http://schemas.openxmlformats.org/presentationml/2006/main">
+  <p:cSld>
+    <p:spTree>
+      <p:nvGrpSpPr>
+        <p:cNvPr id="1" name=""/>
+        <p:cNvGrpSpPr/>
+        <p:nvPr/>
+      </p:nvGrpSpPr>
+      <p:grpSpPr>
+        <a:xfrm>
+          <a:off x="0" y="0"/>
+          <a:ext cx="0" cy="0"/>
+          <a:chOff x="0" y="0"/>
+          <a:chExt cx="0" cy="0"/>
+        </a:xfrm>
+      </p:grpSpPr>
+      <p:cxnSp>
+        <p:nvCxnSpPr>
+          <p:cNvPr id="44" name="Connecteur droit 43"/>
+          <p:cNvCxnSpPr/>
+          <p:nvPr/>
+        </p:nvCxnSpPr>
+        <p:spPr>
+          <a:xfrm>
+            <a:off x="7452400" y="3342771"/>
+            <a:ext cx="0" cy="288008"/>
+          </a:xfrm>
+          <a:prstGeom prst="line">
+            <a:avLst/>
+          </a:prstGeom>
+          <a:noFill/>
+          <a:ln w="12700">
+            <a:solidFill>
+              <a:srgbClr val="FF0000"/>
+            </a:solidFill>
+          </a:ln>
+        </p:spPr>
+        <p:style>
+          <a:lnRef idx="2">
+            <a:schemeClr val="accent1">
+              <a:shade val="50000"/>
+            </a:schemeClr>
+          </a:lnRef>
+          <a:fillRef idx="1">
+            <a:schemeClr val="accent1"/>
+          </a:fillRef>
+          <a:effectRef idx="0">
+            <a:schemeClr val="accent1"/>
+          </a:effectRef>
+          <a:fontRef idx="minor">
+            <a:schemeClr val="lt1"/>
+          </a:fontRef>
+        </p:style>
+      </p:cxnSp>
+      <p:cxnSp>
+        <p:nvCxnSpPr>
+          <p:cNvPr id="47" name="Connecteur droit 46"/>
+          <p:cNvCxnSpPr/>
+          <p:nvPr/>
+        </p:nvCxnSpPr>
+        <p:spPr>
+          <a:xfrm>
+            <a:off x="7452400" y="3342771"/>
+            <a:ext cx="288040" cy="0"/>
+          </a:xfrm>
+          <a:prstGeom prst="line">
+            <a:avLst/>
+          </a:prstGeom>
+          <a:noFill/>
+          <a:ln w="12700">
+            <a:solidFill>
+              <a:srgbClr val="FF0000"/>
+            </a:solidFill>
+          </a:ln>
+        </p:spPr>
+        <p:style>
+          <a:lnRef idx="2">
+            <a:schemeClr val="accent1">
+              <a:shade val="50000"/>
+            </a:schemeClr>
+          </a:lnRef>
+          <a:fillRef idx="1">
+            <a:schemeClr val="accent1"/>
+          </a:fillRef>
+          <a:effectRef idx="0">
+            <a:schemeClr val="accent1"/>
+          </a:effectRef>
+          <a:fontRef idx="minor">
+            <a:schemeClr val="lt1"/>
+          </a:fontRef>
+        </p:style>
+      </p:cxnSp>
+      <p:sp>
+        <p:nvSpPr>
+          <p:cNvPr id="50" name="Rectangle 49"/>
+          <p:cNvSpPr/>
+          <p:nvPr/>
+        </p:nvSpPr>
+        <p:spPr>
+          <a:xfrm>
+            <a:off x="7524410" y="3306752"/>
+            <a:ext cx="144060" cy="72038"/>
+          </a:xfrm>
+          <a:prstGeom prst="rect">
+            <a:avLst/>
+          </a:prstGeom>
+          <a:noFill/>
+          <a:ln w="12700">
+            <a:solidFill>
+              <a:srgbClr val="0070C0"/>
+            </a:solidFill>
+          </a:ln>
+        </p:spPr>
+        <p:style>
+          <a:lnRef idx="2">
+            <a:schemeClr val="accent1">
+              <a:shade val="50000"/>
+            </a:schemeClr>
+          </a:lnRef>
+          <a:fillRef idx="1">
+            <a:schemeClr val="accent1"/>
+          </a:fillRef>
+          <a:effectRef idx="0">
+            <a:schemeClr val="accent1"/>
+          </a:effectRef>
+          <a:fontRef idx="minor">
+            <a:schemeClr val="lt1"/>
+          </a:fontRef>
+        </p:style>
+        <p:txBody>
+          <a:bodyPr rtlCol="0" anchor="ctr"/>
+          <a:lstStyle/>
+          <a:p>
+            <a:pPr algn="ctr"/>
+            <a:endParaRPr lang="fr-FR"/>
+          </a:p>
+        </p:txBody>
+      </p:sp>
+      <p:cxnSp>
+        <p:nvCxnSpPr>
+          <p:cNvPr id="51" name="Connecteur droit 50"/>
+          <p:cNvCxnSpPr/>
+          <p:nvPr/>
+        </p:nvCxnSpPr>
+        <p:spPr>
+          <a:xfrm>
+            <a:off x="7497949" y="3306771"/>
+            <a:ext cx="0" cy="72000"/>
+          </a:xfrm>
+          <a:prstGeom prst="line">
+            <a:avLst/>
+          </a:prstGeom>
+          <a:noFill/>
+          <a:ln w="12700">
+            <a:solidFill>
+              <a:srgbClr val="FF0000"/>
+            </a:solidFill>
+          </a:ln>
+        </p:spPr>
+        <p:style>
+          <a:lnRef idx="2">
+            <a:schemeClr val="accent1">
+              <a:shade val="50000"/>
+            </a:schemeClr>
+          </a:lnRef>
+          <a:fillRef idx="1">
+            <a:schemeClr val="accent1"/>
+          </a:fillRef>
+          <a:effectRef idx="0">
+            <a:schemeClr val="accent1"/>
+          </a:effectRef>
+          <a:fontRef idx="minor">
+            <a:schemeClr val="lt1"/>
+          </a:fontRef>
+        </p:style>
+      </p:cxnSp>
+      <p:cxnSp>
+        <p:nvCxnSpPr>
+          <p:cNvPr id="52" name="Connecteur droit 51"/>
+          <p:cNvCxnSpPr/>
+          <p:nvPr/>
+        </p:nvCxnSpPr>
+        <p:spPr>
+          <a:xfrm>
+            <a:off x="7694931" y="3306771"/>
+            <a:ext cx="0" cy="72000"/>
+          </a:xfrm>
+          <a:prstGeom prst="line">
+            <a:avLst/>
+          </a:prstGeom>
+          <a:noFill/>
+          <a:ln w="12700">
+            <a:solidFill>
+              <a:srgbClr val="FF0000"/>
+            </a:solidFill>
+          </a:ln>
+        </p:spPr>
+        <p:style>
+          <a:lnRef idx="2">
+            <a:schemeClr val="accent1">
+              <a:shade val="50000"/>
+            </a:schemeClr>
+          </a:lnRef>
+          <a:fillRef idx="1">
+            <a:schemeClr val="accent1"/>
+          </a:fillRef>
+          <a:effectRef idx="0">
+            <a:schemeClr val="accent1"/>
+          </a:effectRef>
+          <a:fontRef idx="minor">
+            <a:schemeClr val="lt1"/>
+          </a:fontRef>
+        </p:style>
+      </p:cxnSp>
+      <p:grpSp>
+        <p:nvGrpSpPr>
+          <p:cNvPr id="67" name="Groupe 66"/>
+          <p:cNvGrpSpPr/>
+          <p:nvPr/>
+        </p:nvGrpSpPr>
+        <p:grpSpPr>
+          <a:xfrm>
+            <a:off x="7537776" y="3140960"/>
+            <a:ext cx="117287" cy="165792"/>
+            <a:chOff x="7537776" y="3140960"/>
+            <a:chExt cx="117287" cy="165792"/>
+          </a:xfrm>
+        </p:grpSpPr>
+        <p:cxnSp>
+          <p:nvCxnSpPr>
+            <p:cNvPr id="53" name="Connecteur droit 52"/>
+            <p:cNvCxnSpPr/>
+            <p:nvPr/>
+          </p:nvCxnSpPr>
+          <p:spPr>
+            <a:xfrm>
+              <a:off x="7537776" y="3140960"/>
+              <a:ext cx="117287" cy="0"/>
+            </a:xfrm>
+            <a:prstGeom prst="line">
+              <a:avLst/>
+            </a:prstGeom>
+            <a:noFill/>
+            <a:ln w="12700">
+              <a:solidFill>
+                <a:srgbClr val="0070C0"/>
+              </a:solidFill>
+            </a:ln>
+          </p:spPr>
+          <p:style>
+            <a:lnRef idx="2">
+              <a:schemeClr val="accent1">
+                <a:shade val="50000"/>
+              </a:schemeClr>
+            </a:lnRef>
+            <a:fillRef idx="1">
+              <a:schemeClr val="accent1"/>
+            </a:fillRef>
+            <a:effectRef idx="0">
+              <a:schemeClr val="accent1"/>
+            </a:effectRef>
+            <a:fontRef idx="minor">
+              <a:schemeClr val="lt1"/>
+            </a:fontRef>
+          </p:style>
+        </p:cxnSp>
+        <p:cxnSp>
+          <p:nvCxnSpPr>
+            <p:cNvPr id="56" name="Connecteur droit 55"/>
+            <p:cNvCxnSpPr>
+              <a:endCxn id="50" idx="0"/>
+            </p:cNvCxnSpPr>
+            <p:nvPr/>
+          </p:nvCxnSpPr>
+          <p:spPr>
+            <a:xfrm>
+              <a:off x="7596420" y="3140960"/>
+              <a:ext cx="20" cy="165792"/>
+            </a:xfrm>
+            <a:prstGeom prst="line">
+              <a:avLst/>
+            </a:prstGeom>
+            <a:noFill/>
+            <a:ln w="12700">
+              <a:solidFill>
+                <a:srgbClr val="0070C0"/>
+              </a:solidFill>
+            </a:ln>
+          </p:spPr>
+          <p:style>
+            <a:lnRef idx="2">
+              <a:schemeClr val="accent1">
+                <a:shade val="50000"/>
+              </a:schemeClr>
+            </a:lnRef>
+            <a:fillRef idx="1">
+              <a:schemeClr val="accent1"/>
+            </a:fillRef>
+            <a:effectRef idx="0">
+              <a:schemeClr val="accent1"/>
+            </a:effectRef>
+            <a:fontRef idx="minor">
+              <a:schemeClr val="lt1"/>
+            </a:fontRef>
+          </p:style>
+        </p:cxnSp>
+      </p:grpSp>
+      <p:cxnSp>
+        <p:nvCxnSpPr>
+          <p:cNvPr id="70" name="Connecteur droit 69"/>
+          <p:cNvCxnSpPr/>
+          <p:nvPr/>
+        </p:nvCxnSpPr>
+        <p:spPr>
+          <a:xfrm flipV="1">
+            <a:off x="7537796" y="3542048"/>
+            <a:ext cx="117287" cy="0"/>
+          </a:xfrm>
+          <a:prstGeom prst="line">
+            <a:avLst/>
+          </a:prstGeom>
+          <a:noFill/>
+          <a:ln w="12700">
+            <a:solidFill>
+              <a:srgbClr val="7030A0"/>
+            </a:solidFill>
+          </a:ln>
+        </p:spPr>
+        <p:style>
+          <a:lnRef idx="2">
+            <a:schemeClr val="accent1">
+              <a:shade val="50000"/>
+            </a:schemeClr>
+          </a:lnRef>
+          <a:fillRef idx="1">
+            <a:schemeClr val="accent1"/>
+          </a:fillRef>
+          <a:effectRef idx="0">
+            <a:schemeClr val="accent1"/>
+          </a:effectRef>
+          <a:fontRef idx="minor">
+            <a:schemeClr val="lt1"/>
+          </a:fontRef>
+        </p:style>
+      </p:cxnSp>
+      <p:cxnSp>
+        <p:nvCxnSpPr>
+          <p:cNvPr id="71" name="Connecteur droit 70"/>
+          <p:cNvCxnSpPr/>
+          <p:nvPr/>
+        </p:nvCxnSpPr>
+        <p:spPr>
+          <a:xfrm flipV="1">
+            <a:off x="7596440" y="3376256"/>
+            <a:ext cx="20" cy="165792"/>
+          </a:xfrm>
+          <a:prstGeom prst="line">
+            <a:avLst/>
+          </a:prstGeom>
+          <a:noFill/>
+          <a:ln w="12700">
+            <a:solidFill>
+              <a:srgbClr val="0070C0"/>
+            </a:solidFill>
+          </a:ln>
+        </p:spPr>
+        <p:style>
+          <a:lnRef idx="2">
+            <a:schemeClr val="accent1">
+              <a:shade val="50000"/>
+            </a:schemeClr>
+          </a:lnRef>
+          <a:fillRef idx="1">
+            <a:schemeClr val="accent1"/>
+          </a:fillRef>
+          <a:effectRef idx="0">
+            <a:schemeClr val="accent1"/>
+          </a:effectRef>
+          <a:fontRef idx="minor">
+            <a:schemeClr val="lt1"/>
+          </a:fontRef>
+        </p:style>
+      </p:cxnSp>
+      <p:cxnSp>
+        <p:nvCxnSpPr>
+          <p:cNvPr id="73" name="Connecteur droit 72"/>
+          <p:cNvCxnSpPr/>
+          <p:nvPr/>
+        </p:nvCxnSpPr>
+        <p:spPr>
+          <a:xfrm flipV="1">
+            <a:off x="7596462" y="3542048"/>
+            <a:ext cx="0" cy="180000"/>
+          </a:xfrm>
+          <a:prstGeom prst="line">
+            <a:avLst/>
+          </a:prstGeom>
+          <a:noFill/>
+          <a:ln w="12700">
+            <a:solidFill>
+              <a:srgbClr val="7030A0"/>
+            </a:solidFill>
+          </a:ln>
+        </p:spPr>
+        <p:style>
+          <a:lnRef idx="2">
+            <a:schemeClr val="accent1">
+              <a:shade val="50000"/>
+            </a:schemeClr>
+          </a:lnRef>
+          <a:fillRef idx="1">
+            <a:schemeClr val="accent1"/>
+          </a:fillRef>
+          <a:effectRef idx="0">
+            <a:schemeClr val="accent1"/>
+          </a:effectRef>
+          <a:fontRef idx="minor">
+            <a:schemeClr val="lt1"/>
+          </a:fontRef>
+        </p:style>
+      </p:cxnSp>
+      <p:cxnSp>
+        <p:nvCxnSpPr>
+          <p:cNvPr id="79" name="Connecteur droit 78"/>
+          <p:cNvCxnSpPr/>
+          <p:nvPr/>
+        </p:nvCxnSpPr>
+        <p:spPr>
+          <a:xfrm>
+            <a:off x="7537775" y="3723479"/>
+            <a:ext cx="117287" cy="0"/>
+          </a:xfrm>
+          <a:prstGeom prst="line">
+            <a:avLst/>
+          </a:prstGeom>
+          <a:noFill/>
+          <a:ln w="12700">
+            <a:solidFill>
+              <a:srgbClr val="7030A0"/>
+            </a:solidFill>
+          </a:ln>
+        </p:spPr>
+        <p:style>
+          <a:lnRef idx="2">
+            <a:schemeClr val="accent1">
+              <a:shade val="50000"/>
+            </a:schemeClr>
+          </a:lnRef>
+          <a:fillRef idx="1">
+            <a:schemeClr val="accent1"/>
+          </a:fillRef>
+          <a:effectRef idx="0">
+            <a:schemeClr val="accent1"/>
+          </a:effectRef>
+          <a:fontRef idx="minor">
+            <a:schemeClr val="lt1"/>
+          </a:fontRef>
+        </p:style>
+      </p:cxnSp>
+      <p:sp>
+        <p:nvSpPr>
+          <p:cNvPr id="83" name="Rectangle 82"/>
+          <p:cNvSpPr/>
+          <p:nvPr/>
+        </p:nvSpPr>
+        <p:spPr>
+          <a:xfrm>
+            <a:off x="8134544" y="3560572"/>
+            <a:ext cx="288000" cy="144016"/>
+          </a:xfrm>
+          <a:prstGeom prst="rect">
+            <a:avLst/>
+          </a:prstGeom>
+          <a:noFill/>
+          <a:ln w="12700">
+            <a:solidFill>
+              <a:schemeClr val="tx1"/>
+            </a:solidFill>
+          </a:ln>
+        </p:spPr>
+        <p:style>
+          <a:lnRef idx="2">
+            <a:schemeClr val="accent1">
+              <a:shade val="50000"/>
+            </a:schemeClr>
+          </a:lnRef>
+          <a:fillRef idx="1">
+            <a:schemeClr val="accent1"/>
+          </a:fillRef>
+          <a:effectRef idx="0">
+            <a:schemeClr val="accent1"/>
+          </a:effectRef>
+          <a:fontRef idx="minor">
+            <a:schemeClr val="lt1"/>
+          </a:fontRef>
+        </p:style>
+        <p:txBody>
+          <a:bodyPr rtlCol="0" anchor="ctr"/>
+          <a:lstStyle/>
+          <a:p>
+            <a:pPr algn="ctr"/>
+            <a:endParaRPr lang="fr-FR"/>
+          </a:p>
+        </p:txBody>
+      </p:sp>
+      <p:cxnSp>
+        <p:nvCxnSpPr>
+          <p:cNvPr id="84" name="Connecteur droit 83"/>
+          <p:cNvCxnSpPr/>
+          <p:nvPr/>
+        </p:nvCxnSpPr>
+        <p:spPr>
+          <a:xfrm>
+            <a:off x="8096548" y="3560580"/>
+            <a:ext cx="0" cy="144000"/>
+          </a:xfrm>
+          <a:prstGeom prst="line">
+            <a:avLst/>
+          </a:prstGeom>
+          <a:noFill/>
+          <a:ln w="12700">
+            <a:solidFill>
+              <a:srgbClr val="7030A0"/>
+            </a:solidFill>
+          </a:ln>
+        </p:spPr>
+        <p:style>
+          <a:lnRef idx="2">
+            <a:schemeClr val="accent1">
+              <a:shade val="50000"/>
+            </a:schemeClr>
+          </a:lnRef>
+          <a:fillRef idx="1">
+            <a:schemeClr val="accent1"/>
+          </a:fillRef>
+          <a:effectRef idx="0">
+            <a:schemeClr val="accent1"/>
+          </a:effectRef>
+          <a:fontRef idx="minor">
+            <a:schemeClr val="lt1"/>
+          </a:fontRef>
+        </p:style>
+      </p:cxnSp>
+      <p:cxnSp>
+        <p:nvCxnSpPr>
+          <p:cNvPr id="85" name="Connecteur droit 84"/>
+          <p:cNvCxnSpPr/>
+          <p:nvPr/>
+        </p:nvCxnSpPr>
+        <p:spPr>
+          <a:xfrm>
+            <a:off x="8460540" y="3560580"/>
+            <a:ext cx="0" cy="144000"/>
+          </a:xfrm>
+          <a:prstGeom prst="line">
+            <a:avLst/>
+          </a:prstGeom>
+          <a:noFill/>
+          <a:ln w="12700">
+            <a:solidFill>
+              <a:srgbClr val="7030A0"/>
+            </a:solidFill>
+          </a:ln>
+        </p:spPr>
+        <p:style>
+          <a:lnRef idx="2">
+            <a:schemeClr val="accent1">
+              <a:shade val="50000"/>
+            </a:schemeClr>
+          </a:lnRef>
+          <a:fillRef idx="1">
+            <a:schemeClr val="accent1"/>
+          </a:fillRef>
+          <a:effectRef idx="0">
+            <a:schemeClr val="accent1"/>
+          </a:effectRef>
+          <a:fontRef idx="minor">
+            <a:schemeClr val="lt1"/>
+          </a:fontRef>
+        </p:style>
+      </p:cxnSp>
+      <p:cxnSp>
+        <p:nvCxnSpPr>
+          <p:cNvPr id="98" name="Connecteur droit 97"/>
+          <p:cNvCxnSpPr/>
+          <p:nvPr/>
+        </p:nvCxnSpPr>
+        <p:spPr>
+          <a:xfrm flipH="1">
+            <a:off x="6732300" y="3630280"/>
+            <a:ext cx="724290" cy="0"/>
+          </a:xfrm>
+          <a:prstGeom prst="line">
+            <a:avLst/>
+          </a:prstGeom>
+          <a:noFill/>
+          <a:ln w="12700">
+            <a:solidFill>
+              <a:srgbClr val="FF0000"/>
+            </a:solidFill>
+          </a:ln>
+        </p:spPr>
+        <p:style>
+          <a:lnRef idx="2">
+            <a:schemeClr val="accent1">
+              <a:shade val="50000"/>
+            </a:schemeClr>
+          </a:lnRef>
+          <a:fillRef idx="1">
+            <a:schemeClr val="accent1"/>
+          </a:fillRef>
+          <a:effectRef idx="0">
+            <a:schemeClr val="accent1"/>
+          </a:effectRef>
+          <a:fontRef idx="minor">
+            <a:schemeClr val="lt1"/>
+          </a:fontRef>
+        </p:style>
+      </p:cxnSp>
+      <p:grpSp>
+        <p:nvGrpSpPr>
+          <p:cNvPr id="99" name="Groupe 98"/>
+          <p:cNvGrpSpPr/>
+          <p:nvPr/>
+        </p:nvGrpSpPr>
+        <p:grpSpPr>
+          <a:xfrm>
+            <a:off x="6847071" y="3477072"/>
+            <a:ext cx="117287" cy="288000"/>
+            <a:chOff x="6847071" y="3477072"/>
+            <a:chExt cx="117287" cy="288000"/>
+          </a:xfrm>
+        </p:grpSpPr>
+        <p:cxnSp>
+          <p:nvCxnSpPr>
+            <p:cNvPr id="144" name="Connecteur droit 143"/>
+            <p:cNvCxnSpPr/>
+            <p:nvPr/>
+          </p:nvCxnSpPr>
+          <p:spPr>
+            <a:xfrm flipV="1">
+              <a:off x="6847071" y="3477072"/>
+              <a:ext cx="117287" cy="0"/>
+            </a:xfrm>
+            <a:prstGeom prst="line">
+              <a:avLst/>
+            </a:prstGeom>
+            <a:noFill/>
+            <a:ln w="12700">
+              <a:solidFill>
+                <a:srgbClr val="FF0000"/>
+              </a:solidFill>
+            </a:ln>
+          </p:spPr>
+          <p:style>
+            <a:lnRef idx="2">
+              <a:schemeClr val="accent1">
+                <a:shade val="50000"/>
+              </a:schemeClr>
+            </a:lnRef>
+            <a:fillRef idx="1">
+              <a:schemeClr val="accent1"/>
+            </a:fillRef>
+            <a:effectRef idx="0">
+              <a:schemeClr val="accent1"/>
+            </a:effectRef>
+            <a:fontRef idx="minor">
+              <a:schemeClr val="lt1"/>
+            </a:fontRef>
+          </p:style>
+        </p:cxnSp>
+        <p:cxnSp>
+          <p:nvCxnSpPr>
+            <p:cNvPr id="145" name="Connecteur droit 144"/>
+            <p:cNvCxnSpPr/>
+            <p:nvPr/>
+          </p:nvCxnSpPr>
+          <p:spPr>
+            <a:xfrm flipV="1">
+              <a:off x="6905714" y="3477072"/>
+              <a:ext cx="0" cy="288000"/>
+            </a:xfrm>
+            <a:prstGeom prst="line">
+              <a:avLst/>
+            </a:prstGeom>
+            <a:noFill/>
+            <a:ln w="12700">
+              <a:solidFill>
+                <a:srgbClr val="FF0000"/>
+              </a:solidFill>
+            </a:ln>
+          </p:spPr>
+          <p:style>
+            <a:lnRef idx="2">
+              <a:schemeClr val="accent1">
+                <a:shade val="50000"/>
+              </a:schemeClr>
+            </a:lnRef>
+            <a:fillRef idx="1">
+              <a:schemeClr val="accent1"/>
+            </a:fillRef>
+            <a:effectRef idx="0">
+              <a:schemeClr val="accent1"/>
+            </a:effectRef>
+            <a:fontRef idx="minor">
+              <a:schemeClr val="lt1"/>
+            </a:fontRef>
+          </p:style>
+        </p:cxnSp>
+        <p:cxnSp>
+          <p:nvCxnSpPr>
+            <p:cNvPr id="146" name="Connecteur droit 145"/>
+            <p:cNvCxnSpPr/>
+            <p:nvPr/>
+          </p:nvCxnSpPr>
+          <p:spPr>
+            <a:xfrm>
+              <a:off x="6847071" y="3765072"/>
+              <a:ext cx="117287" cy="0"/>
+            </a:xfrm>
+            <a:prstGeom prst="line">
+              <a:avLst/>
+            </a:prstGeom>
+            <a:noFill/>
+            <a:ln w="12700">
+              <a:solidFill>
+                <a:srgbClr val="FF0000"/>
+              </a:solidFill>
+            </a:ln>
+          </p:spPr>
+          <p:style>
+            <a:lnRef idx="2">
+              <a:schemeClr val="accent1">
+                <a:shade val="50000"/>
+              </a:schemeClr>
+            </a:lnRef>
+            <a:fillRef idx="1">
+              <a:schemeClr val="accent1"/>
+            </a:fillRef>
+            <a:effectRef idx="0">
+              <a:schemeClr val="accent1"/>
+            </a:effectRef>
+            <a:fontRef idx="minor">
+              <a:schemeClr val="lt1"/>
+            </a:fontRef>
+          </p:style>
+        </p:cxnSp>
+      </p:grpSp>
+      <p:cxnSp>
+        <p:nvCxnSpPr>
+          <p:cNvPr id="206" name="Connecteur droit 205"/>
+          <p:cNvCxnSpPr>
+            <a:stCxn id="128" idx="2"/>
+          </p:cNvCxnSpPr>
+          <p:nvPr/>
+        </p:nvCxnSpPr>
+        <p:spPr>
+          <a:xfrm>
+            <a:off x="7215626" y="3704669"/>
+            <a:ext cx="0" cy="516441"/>
+          </a:xfrm>
+          <a:prstGeom prst="line">
+            <a:avLst/>
+          </a:prstGeom>
+          <a:noFill/>
+          <a:ln w="12700">
+            <a:solidFill>
+              <a:schemeClr val="tx1"/>
+            </a:solidFill>
+          </a:ln>
+        </p:spPr>
+        <p:style>
+          <a:lnRef idx="2">
+            <a:schemeClr val="accent1">
+              <a:shade val="50000"/>
+            </a:schemeClr>
+          </a:lnRef>
+          <a:fillRef idx="1">
+            <a:schemeClr val="accent1"/>
+          </a:fillRef>
+          <a:effectRef idx="0">
+            <a:schemeClr val="accent1"/>
+          </a:effectRef>
+          <a:fontRef idx="minor">
+            <a:schemeClr val="lt1"/>
+          </a:fontRef>
+        </p:style>
+      </p:cxnSp>
+      <p:cxnSp>
+        <p:nvCxnSpPr>
+          <p:cNvPr id="274" name="Connecteur droit 273"/>
+          <p:cNvCxnSpPr>
+            <a:stCxn id="83" idx="2"/>
+          </p:cNvCxnSpPr>
+          <p:nvPr/>
+        </p:nvCxnSpPr>
+        <p:spPr>
+          <a:xfrm>
+            <a:off x="8278544" y="3704588"/>
+            <a:ext cx="0" cy="130938"/>
+          </a:xfrm>
+          <a:prstGeom prst="line">
+            <a:avLst/>
+          </a:prstGeom>
+          <a:noFill/>
+          <a:ln w="12700">
+            <a:solidFill>
+              <a:schemeClr val="tx1"/>
+            </a:solidFill>
+          </a:ln>
+        </p:spPr>
+        <p:style>
+          <a:lnRef idx="2">
+            <a:schemeClr val="accent1">
+              <a:shade val="50000"/>
+            </a:schemeClr>
+          </a:lnRef>
+          <a:fillRef idx="1">
+            <a:schemeClr val="accent1"/>
+          </a:fillRef>
+          <a:effectRef idx="0">
+            <a:schemeClr val="accent1"/>
+          </a:effectRef>
+          <a:fontRef idx="minor">
+            <a:schemeClr val="lt1"/>
+          </a:fontRef>
+        </p:style>
+      </p:cxnSp>
+      <p:cxnSp>
+        <p:nvCxnSpPr>
+          <p:cNvPr id="293" name="Connecteur droit 292"/>
+          <p:cNvCxnSpPr/>
+          <p:nvPr/>
+        </p:nvCxnSpPr>
+        <p:spPr>
+          <a:xfrm flipV="1">
+            <a:off x="7592821" y="3629852"/>
+            <a:ext cx="939729" cy="0"/>
+          </a:xfrm>
+          <a:prstGeom prst="line">
+            <a:avLst/>
+          </a:prstGeom>
+          <a:noFill/>
+          <a:ln w="12700">
+            <a:solidFill>
+              <a:srgbClr val="7030A0"/>
+            </a:solidFill>
+          </a:ln>
+        </p:spPr>
+        <p:style>
+          <a:lnRef idx="2">
+            <a:schemeClr val="accent1">
+              <a:shade val="50000"/>
+            </a:schemeClr>
+          </a:lnRef>
+          <a:fillRef idx="1">
+            <a:schemeClr val="accent1"/>
+          </a:fillRef>
+          <a:effectRef idx="0">
+            <a:schemeClr val="accent1"/>
+          </a:effectRef>
+          <a:fontRef idx="minor">
+            <a:schemeClr val="lt1"/>
+          </a:fontRef>
+        </p:style>
+      </p:cxnSp>
+      <p:cxnSp>
+        <p:nvCxnSpPr>
+          <p:cNvPr id="303" name="Connecteur droit 302"/>
+          <p:cNvCxnSpPr/>
+          <p:nvPr/>
+        </p:nvCxnSpPr>
+        <p:spPr>
+          <a:xfrm flipH="1">
+            <a:off x="7882612" y="3837900"/>
+            <a:ext cx="0" cy="383210"/>
+          </a:xfrm>
+          <a:prstGeom prst="line">
+            <a:avLst/>
+          </a:prstGeom>
+          <a:noFill/>
+          <a:ln w="12700">
+            <a:solidFill>
+              <a:schemeClr val="tx1"/>
+            </a:solidFill>
+          </a:ln>
+        </p:spPr>
+        <p:style>
+          <a:lnRef idx="2">
+            <a:schemeClr val="accent1">
+              <a:shade val="50000"/>
+            </a:schemeClr>
+          </a:lnRef>
+          <a:fillRef idx="1">
+            <a:schemeClr val="accent1"/>
+          </a:fillRef>
+          <a:effectRef idx="0">
+            <a:schemeClr val="accent1"/>
+          </a:effectRef>
+          <a:fontRef idx="minor">
+            <a:schemeClr val="lt1"/>
+          </a:fontRef>
+        </p:style>
+      </p:cxnSp>
+      <p:cxnSp>
+        <p:nvCxnSpPr>
+          <p:cNvPr id="314" name="Connecteur droit 313"/>
+          <p:cNvCxnSpPr/>
+          <p:nvPr/>
+        </p:nvCxnSpPr>
+        <p:spPr>
+          <a:xfrm>
+            <a:off x="7884470" y="3837900"/>
+            <a:ext cx="394074" cy="0"/>
+          </a:xfrm>
+          <a:prstGeom prst="line">
+            <a:avLst/>
+          </a:prstGeom>
+          <a:noFill/>
+          <a:ln w="12700">
+            <a:solidFill>
+              <a:schemeClr val="tx1"/>
+            </a:solidFill>
+          </a:ln>
+        </p:spPr>
+        <p:style>
+          <a:lnRef idx="2">
+            <a:schemeClr val="accent1">
+              <a:shade val="50000"/>
+            </a:schemeClr>
+          </a:lnRef>
+          <a:fillRef idx="1">
+            <a:schemeClr val="accent1"/>
+          </a:fillRef>
+          <a:effectRef idx="0">
+            <a:schemeClr val="accent1"/>
+          </a:effectRef>
+          <a:fontRef idx="minor">
+            <a:schemeClr val="lt1"/>
+          </a:fontRef>
+        </p:style>
+      </p:cxnSp>
+      <p:grpSp>
+        <p:nvGrpSpPr>
+          <p:cNvPr id="5" name="Groupe 4"/>
+          <p:cNvGrpSpPr/>
+          <p:nvPr/>
+        </p:nvGrpSpPr>
+        <p:grpSpPr>
+          <a:xfrm>
+            <a:off x="7210220" y="4113850"/>
+            <a:ext cx="671385" cy="107260"/>
+            <a:chOff x="7210220" y="4113850"/>
+            <a:chExt cx="671385" cy="107260"/>
+          </a:xfrm>
+        </p:grpSpPr>
+        <p:cxnSp>
+          <p:nvCxnSpPr>
+            <p:cNvPr id="64" name="Connecteur droit 63"/>
+            <p:cNvCxnSpPr/>
+            <p:nvPr/>
+          </p:nvCxnSpPr>
+          <p:spPr>
+            <a:xfrm flipV="1">
+              <a:off x="7596420" y="4113850"/>
+              <a:ext cx="0" cy="53630"/>
+            </a:xfrm>
+            <a:prstGeom prst="line">
+              <a:avLst/>
+            </a:prstGeom>
+            <a:noFill/>
+            <a:ln w="12700">
+              <a:solidFill>
+                <a:schemeClr val="tx1"/>
+              </a:solidFill>
+            </a:ln>
+          </p:spPr>
+          <p:style>
+            <a:lnRef idx="2">
+              <a:schemeClr val="accent1">
+                <a:shade val="50000"/>
+              </a:schemeClr>
+            </a:lnRef>
+            <a:fillRef idx="1">
+              <a:schemeClr val="accent1"/>
+            </a:fillRef>
+            <a:effectRef idx="0">
+              <a:schemeClr val="accent1"/>
+            </a:effectRef>
+            <a:fontRef idx="minor">
+              <a:schemeClr val="lt1"/>
+            </a:fontRef>
+          </p:style>
+        </p:cxnSp>
+        <p:cxnSp>
+          <p:nvCxnSpPr>
+            <p:cNvPr id="65" name="Connecteur droit 64"/>
+            <p:cNvCxnSpPr/>
+            <p:nvPr/>
+          </p:nvCxnSpPr>
+          <p:spPr>
+            <a:xfrm>
+              <a:off x="7537796" y="4113850"/>
+              <a:ext cx="117287" cy="0"/>
+            </a:xfrm>
+            <a:prstGeom prst="line">
+              <a:avLst/>
+            </a:prstGeom>
+            <a:noFill/>
+            <a:ln w="12700">
+              <a:solidFill>
+                <a:schemeClr val="tx1"/>
+              </a:solidFill>
+            </a:ln>
+          </p:spPr>
+          <p:style>
+            <a:lnRef idx="2">
+              <a:schemeClr val="accent1">
+                <a:shade val="50000"/>
+              </a:schemeClr>
+            </a:lnRef>
+            <a:fillRef idx="1">
+              <a:schemeClr val="accent1"/>
+            </a:fillRef>
+            <a:effectRef idx="0">
+              <a:schemeClr val="accent1"/>
+            </a:effectRef>
+            <a:fontRef idx="minor">
+              <a:schemeClr val="lt1"/>
+            </a:fontRef>
+          </p:style>
+        </p:cxnSp>
+        <p:cxnSp>
+          <p:nvCxnSpPr>
+            <p:cNvPr id="279" name="Connecteur droit 278"/>
+            <p:cNvCxnSpPr/>
+            <p:nvPr/>
+          </p:nvCxnSpPr>
+          <p:spPr>
+            <a:xfrm>
+              <a:off x="7210220" y="4221110"/>
+              <a:ext cx="671385" cy="0"/>
+            </a:xfrm>
+            <a:prstGeom prst="line">
+              <a:avLst/>
+            </a:prstGeom>
+            <a:noFill/>
+            <a:ln w="12700">
+              <a:solidFill>
+                <a:schemeClr val="tx1"/>
+              </a:solidFill>
+            </a:ln>
+          </p:spPr>
+          <p:style>
+            <a:lnRef idx="2">
+              <a:schemeClr val="accent1">
+                <a:shade val="50000"/>
+              </a:schemeClr>
+            </a:lnRef>
+            <a:fillRef idx="1">
+              <a:schemeClr val="accent1"/>
+            </a:fillRef>
+            <a:effectRef idx="0">
+              <a:schemeClr val="accent1"/>
+            </a:effectRef>
+            <a:fontRef idx="minor">
+              <a:schemeClr val="lt1"/>
+            </a:fontRef>
+          </p:style>
+        </p:cxnSp>
+        <p:cxnSp>
+          <p:nvCxnSpPr>
+            <p:cNvPr id="316" name="Connecteur droit 315"/>
+            <p:cNvCxnSpPr/>
+            <p:nvPr/>
+          </p:nvCxnSpPr>
+          <p:spPr>
+            <a:xfrm flipH="1">
+              <a:off x="7596422" y="4167480"/>
+              <a:ext cx="280459" cy="0"/>
+            </a:xfrm>
+            <a:prstGeom prst="line">
+              <a:avLst/>
+            </a:prstGeom>
+            <a:noFill/>
+            <a:ln w="12700">
+              <a:solidFill>
+                <a:schemeClr val="tx1"/>
+              </a:solidFill>
+            </a:ln>
+          </p:spPr>
+          <p:style>
+            <a:lnRef idx="2">
+              <a:schemeClr val="accent1">
+                <a:shade val="50000"/>
+              </a:schemeClr>
+            </a:lnRef>
+            <a:fillRef idx="1">
+              <a:schemeClr val="accent1"/>
+            </a:fillRef>
+            <a:effectRef idx="0">
+              <a:schemeClr val="accent1"/>
+            </a:effectRef>
+            <a:fontRef idx="minor">
+              <a:schemeClr val="lt1"/>
+            </a:fontRef>
+          </p:style>
+        </p:cxnSp>
+      </p:grpSp>
+      <p:cxnSp>
+        <p:nvCxnSpPr>
+          <p:cNvPr id="345" name="Connecteur droit 344"/>
+          <p:cNvCxnSpPr/>
+          <p:nvPr/>
+        </p:nvCxnSpPr>
+        <p:spPr>
+          <a:xfrm>
+            <a:off x="8278544" y="3087330"/>
+            <a:ext cx="0" cy="477358"/>
+          </a:xfrm>
+          <a:prstGeom prst="line">
+            <a:avLst/>
+          </a:prstGeom>
+          <a:noFill/>
+          <a:ln w="12700">
+            <a:solidFill>
+              <a:schemeClr val="tx1"/>
+            </a:solidFill>
+          </a:ln>
+        </p:spPr>
+        <p:style>
+          <a:lnRef idx="2">
+            <a:schemeClr val="accent1">
+              <a:shade val="50000"/>
+            </a:schemeClr>
+          </a:lnRef>
+          <a:fillRef idx="1">
+            <a:schemeClr val="accent1"/>
+          </a:fillRef>
+          <a:effectRef idx="0">
+            <a:schemeClr val="accent1"/>
+          </a:effectRef>
+          <a:fontRef idx="minor">
+            <a:schemeClr val="lt1"/>
+          </a:fontRef>
+        </p:style>
+      </p:cxnSp>
+      <p:sp>
+        <p:nvSpPr>
+          <p:cNvPr id="351" name="Ellipse 350"/>
+          <p:cNvSpPr/>
+          <p:nvPr/>
+        </p:nvSpPr>
+        <p:spPr>
+          <a:xfrm>
+            <a:off x="8525746" y="3494560"/>
+            <a:ext cx="251358" cy="251358"/>
+          </a:xfrm>
+          <a:prstGeom prst="ellipse">
+            <a:avLst/>
+          </a:prstGeom>
+          <a:noFill/>
+          <a:ln w="12700">
+            <a:solidFill>
+              <a:srgbClr val="7030A0"/>
+            </a:solidFill>
+          </a:ln>
+        </p:spPr>
+        <p:style>
+          <a:lnRef idx="2">
+            <a:schemeClr val="accent1">
+              <a:shade val="50000"/>
+            </a:schemeClr>
+          </a:lnRef>
+          <a:fillRef idx="1">
+            <a:schemeClr val="accent1"/>
+          </a:fillRef>
+          <a:effectRef idx="0">
+            <a:schemeClr val="accent1"/>
+          </a:effectRef>
+          <a:fontRef idx="minor">
+            <a:schemeClr val="lt1"/>
+          </a:fontRef>
+        </p:style>
+        <p:txBody>
+          <a:bodyPr rtlCol="0" anchor="ctr"/>
+          <a:lstStyle/>
+          <a:p>
+            <a:pPr algn="ctr"/>
+            <a:r>
+              <a:rPr lang="fr-FR" sz="1200" b="1" dirty="0" smtClean="0">
+                <a:solidFill>
+                  <a:srgbClr val="7030A0"/>
+                </a:solidFill>
+              </a:rPr>
+              <a:t>M</a:t>
+            </a:r>
+            <a:endParaRPr lang="fr-FR" b="1" dirty="0">
+              <a:solidFill>
+                <a:srgbClr val="7030A0"/>
+              </a:solidFill>
+            </a:endParaRPr>
+          </a:p>
+        </p:txBody>
+      </p:sp>
+      <p:sp>
+        <p:nvSpPr>
+          <p:cNvPr id="128" name="Rectangle 127"/>
+          <p:cNvSpPr/>
+          <p:nvPr/>
+        </p:nvSpPr>
+        <p:spPr>
+          <a:xfrm>
+            <a:off x="7071626" y="3560653"/>
+            <a:ext cx="288000" cy="144016"/>
+          </a:xfrm>
+          <a:prstGeom prst="rect">
+            <a:avLst/>
+          </a:prstGeom>
+          <a:noFill/>
+          <a:ln w="12700">
+            <a:solidFill>
+              <a:schemeClr val="tx1"/>
+            </a:solidFill>
+          </a:ln>
+        </p:spPr>
+        <p:style>
+          <a:lnRef idx="2">
+            <a:schemeClr val="accent1">
+              <a:shade val="50000"/>
+            </a:schemeClr>
+          </a:lnRef>
+          <a:fillRef idx="1">
+            <a:schemeClr val="accent1"/>
+          </a:fillRef>
+          <a:effectRef idx="0">
+            <a:schemeClr val="accent1"/>
+          </a:effectRef>
+          <a:fontRef idx="minor">
+            <a:schemeClr val="lt1"/>
+          </a:fontRef>
+        </p:style>
+        <p:txBody>
+          <a:bodyPr rtlCol="0" anchor="ctr"/>
+          <a:lstStyle/>
+          <a:p>
+            <a:pPr algn="ctr"/>
+            <a:endParaRPr lang="fr-FR"/>
+          </a:p>
+        </p:txBody>
+      </p:sp>
+      <p:grpSp>
+        <p:nvGrpSpPr>
+          <p:cNvPr id="132" name="Groupe 131"/>
+          <p:cNvGrpSpPr/>
+          <p:nvPr/>
+        </p:nvGrpSpPr>
+        <p:grpSpPr>
+          <a:xfrm rot="10800000" flipH="1">
+            <a:off x="7534857" y="3087330"/>
+            <a:ext cx="739193" cy="53630"/>
+            <a:chOff x="7537796" y="4113850"/>
+            <a:chExt cx="739193" cy="53630"/>
+          </a:xfrm>
+        </p:grpSpPr>
+        <p:cxnSp>
+          <p:nvCxnSpPr>
+            <p:cNvPr id="133" name="Connecteur droit 132"/>
+            <p:cNvCxnSpPr/>
+            <p:nvPr/>
+          </p:nvCxnSpPr>
+          <p:spPr>
+            <a:xfrm flipV="1">
+              <a:off x="7596420" y="4113850"/>
+              <a:ext cx="0" cy="53630"/>
+            </a:xfrm>
+            <a:prstGeom prst="line">
+              <a:avLst/>
+            </a:prstGeom>
+            <a:noFill/>
+            <a:ln w="12700">
+              <a:solidFill>
+                <a:schemeClr val="tx1"/>
+              </a:solidFill>
+            </a:ln>
+          </p:spPr>
+          <p:style>
+            <a:lnRef idx="2">
+              <a:schemeClr val="accent1">
+                <a:shade val="50000"/>
+              </a:schemeClr>
+            </a:lnRef>
+            <a:fillRef idx="1">
+              <a:schemeClr val="accent1"/>
+            </a:fillRef>
+            <a:effectRef idx="0">
+              <a:schemeClr val="accent1"/>
+            </a:effectRef>
+            <a:fontRef idx="minor">
+              <a:schemeClr val="lt1"/>
+            </a:fontRef>
+          </p:style>
+        </p:cxnSp>
+        <p:cxnSp>
+          <p:nvCxnSpPr>
+            <p:cNvPr id="135" name="Connecteur droit 134"/>
+            <p:cNvCxnSpPr/>
+            <p:nvPr/>
+          </p:nvCxnSpPr>
+          <p:spPr>
+            <a:xfrm>
+              <a:off x="7537796" y="4113850"/>
+              <a:ext cx="117287" cy="0"/>
+            </a:xfrm>
+            <a:prstGeom prst="line">
+              <a:avLst/>
+            </a:prstGeom>
+            <a:noFill/>
+            <a:ln w="12700">
+              <a:solidFill>
+                <a:schemeClr val="tx1"/>
+              </a:solidFill>
+            </a:ln>
+          </p:spPr>
+          <p:style>
+            <a:lnRef idx="2">
+              <a:schemeClr val="accent1">
+                <a:shade val="50000"/>
+              </a:schemeClr>
+            </a:lnRef>
+            <a:fillRef idx="1">
+              <a:schemeClr val="accent1"/>
+            </a:fillRef>
+            <a:effectRef idx="0">
+              <a:schemeClr val="accent1"/>
+            </a:effectRef>
+            <a:fontRef idx="minor">
+              <a:schemeClr val="lt1"/>
+            </a:fontRef>
+          </p:style>
+        </p:cxnSp>
+        <p:cxnSp>
+          <p:nvCxnSpPr>
+            <p:cNvPr id="138" name="Connecteur droit 137"/>
+            <p:cNvCxnSpPr/>
+            <p:nvPr/>
+          </p:nvCxnSpPr>
+          <p:spPr>
+            <a:xfrm rot="10800000">
+              <a:off x="7596423" y="4167480"/>
+              <a:ext cx="680566" cy="0"/>
+            </a:xfrm>
+            <a:prstGeom prst="line">
+              <a:avLst/>
+            </a:prstGeom>
+            <a:noFill/>
+            <a:ln w="12700">
+              <a:solidFill>
+                <a:schemeClr val="tx1"/>
+              </a:solidFill>
+            </a:ln>
+          </p:spPr>
+          <p:style>
+            <a:lnRef idx="2">
+              <a:schemeClr val="accent1">
+                <a:shade val="50000"/>
+              </a:schemeClr>
+            </a:lnRef>
+            <a:fillRef idx="1">
+              <a:schemeClr val="accent1"/>
+            </a:fillRef>
+            <a:effectRef idx="0">
+              <a:schemeClr val="accent1"/>
+            </a:effectRef>
+            <a:fontRef idx="minor">
+              <a:schemeClr val="lt1"/>
+            </a:fontRef>
+          </p:style>
+        </p:cxnSp>
+      </p:grpSp>
+      <p:cxnSp>
+        <p:nvCxnSpPr>
+          <p:cNvPr id="153" name="Connecteur droit 152"/>
+          <p:cNvCxnSpPr/>
+          <p:nvPr/>
+        </p:nvCxnSpPr>
+        <p:spPr>
+          <a:xfrm>
+            <a:off x="7045740" y="3548794"/>
+            <a:ext cx="0" cy="155875"/>
+          </a:xfrm>
+          <a:prstGeom prst="line">
+            <a:avLst/>
+          </a:prstGeom>
+          <a:noFill/>
+          <a:ln w="12700">
+            <a:solidFill>
+              <a:srgbClr val="FF0000"/>
+            </a:solidFill>
+          </a:ln>
+        </p:spPr>
+        <p:style>
+          <a:lnRef idx="2">
+            <a:schemeClr val="accent1">
+              <a:shade val="50000"/>
+            </a:schemeClr>
+          </a:lnRef>
+          <a:fillRef idx="1">
+            <a:schemeClr val="accent1"/>
+          </a:fillRef>
+          <a:effectRef idx="0">
+            <a:schemeClr val="accent1"/>
+          </a:effectRef>
+          <a:fontRef idx="minor">
+            <a:schemeClr val="lt1"/>
+          </a:fontRef>
+        </p:style>
+      </p:cxnSp>
+      <p:cxnSp>
+        <p:nvCxnSpPr>
+          <p:cNvPr id="155" name="Connecteur droit 154"/>
+          <p:cNvCxnSpPr/>
+          <p:nvPr/>
+        </p:nvCxnSpPr>
+        <p:spPr>
+          <a:xfrm>
+            <a:off x="7380390" y="3554723"/>
+            <a:ext cx="0" cy="155875"/>
+          </a:xfrm>
+          <a:prstGeom prst="line">
+            <a:avLst/>
+          </a:prstGeom>
+          <a:noFill/>
+          <a:ln w="12700">
+            <a:solidFill>
+              <a:srgbClr val="FF0000"/>
+            </a:solidFill>
+          </a:ln>
+        </p:spPr>
+        <p:style>
+          <a:lnRef idx="2">
+            <a:schemeClr val="accent1">
+              <a:shade val="50000"/>
+            </a:schemeClr>
+          </a:lnRef>
+          <a:fillRef idx="1">
+            <a:schemeClr val="accent1"/>
+          </a:fillRef>
+          <a:effectRef idx="0">
+            <a:schemeClr val="accent1"/>
+          </a:effectRef>
+          <a:fontRef idx="minor">
+            <a:schemeClr val="lt1"/>
+          </a:fontRef>
+        </p:style>
+      </p:cxnSp>
+      <p:sp>
+        <p:nvSpPr>
+          <p:cNvPr id="158" name="Ellipse 157"/>
+          <p:cNvSpPr/>
+          <p:nvPr/>
+        </p:nvSpPr>
+        <p:spPr>
+          <a:xfrm>
+            <a:off x="7766344" y="3486775"/>
+            <a:ext cx="118126" cy="118126"/>
+          </a:xfrm>
+          <a:prstGeom prst="ellipse">
+            <a:avLst/>
+          </a:prstGeom>
+          <a:noFill/>
+          <a:ln w="12700">
+            <a:solidFill>
+              <a:srgbClr val="7030A0"/>
+            </a:solidFill>
+          </a:ln>
+        </p:spPr>
+        <p:style>
+          <a:lnRef idx="2">
+            <a:schemeClr val="accent1">
+              <a:shade val="50000"/>
+            </a:schemeClr>
+          </a:lnRef>
+          <a:fillRef idx="1">
+            <a:schemeClr val="accent1"/>
+          </a:fillRef>
+          <a:effectRef idx="0">
+            <a:schemeClr val="accent1"/>
+          </a:effectRef>
+          <a:fontRef idx="minor">
+            <a:schemeClr val="lt1"/>
+          </a:fontRef>
+        </p:style>
+        <p:txBody>
+          <a:bodyPr rtlCol="0" anchor="ctr"/>
+          <a:lstStyle/>
+          <a:p>
+            <a:pPr algn="ctr"/>
+            <a:r>
+              <a:rPr lang="fr-FR" sz="700" b="1" dirty="0" smtClean="0">
+                <a:solidFill>
+                  <a:srgbClr val="7030A0"/>
+                </a:solidFill>
+              </a:rPr>
+              <a:t>1</a:t>
+            </a:r>
+            <a:endParaRPr lang="fr-FR" sz="1000" b="1" dirty="0">
+              <a:solidFill>
+                <a:srgbClr val="7030A0"/>
+              </a:solidFill>
+            </a:endParaRPr>
+          </a:p>
+        </p:txBody>
+      </p:sp>
+      <p:sp>
+        <p:nvSpPr>
+          <p:cNvPr id="160" name="Ellipse 159"/>
+          <p:cNvSpPr/>
+          <p:nvPr/>
+        </p:nvSpPr>
+        <p:spPr>
+          <a:xfrm>
+            <a:off x="8136039" y="3114145"/>
+            <a:ext cx="118126" cy="118126"/>
+          </a:xfrm>
+          <a:prstGeom prst="ellipse">
+            <a:avLst/>
+          </a:prstGeom>
+          <a:noFill/>
+          <a:ln w="12700">
+            <a:solidFill>
+              <a:schemeClr val="tx1"/>
+            </a:solidFill>
+          </a:ln>
+        </p:spPr>
+        <p:style>
+          <a:lnRef idx="2">
+            <a:schemeClr val="accent1">
+              <a:shade val="50000"/>
+            </a:schemeClr>
+          </a:lnRef>
+          <a:fillRef idx="1">
+            <a:schemeClr val="accent1"/>
+          </a:fillRef>
+          <a:effectRef idx="0">
+            <a:schemeClr val="accent1"/>
+          </a:effectRef>
+          <a:fontRef idx="minor">
+            <a:schemeClr val="lt1"/>
+          </a:fontRef>
+        </p:style>
+        <p:txBody>
+          <a:bodyPr rtlCol="0" anchor="ctr"/>
+          <a:lstStyle/>
+          <a:p>
+            <a:pPr algn="ctr"/>
+            <a:r>
+              <a:rPr lang="fr-FR" sz="700" b="1" dirty="0" smtClean="0">
+                <a:solidFill>
+                  <a:schemeClr val="tx1"/>
+                </a:solidFill>
+              </a:rPr>
+              <a:t>0</a:t>
+            </a:r>
+            <a:endParaRPr lang="fr-FR" sz="1000" b="1" dirty="0">
+              <a:solidFill>
+                <a:schemeClr val="tx1"/>
+              </a:solidFill>
+            </a:endParaRPr>
+          </a:p>
+        </p:txBody>
+      </p:sp>
+      <p:sp>
+        <p:nvSpPr>
+          <p:cNvPr id="161" name="Ellipse 160"/>
+          <p:cNvSpPr/>
+          <p:nvPr/>
+        </p:nvSpPr>
+        <p:spPr>
+          <a:xfrm>
+            <a:off x="7623639" y="3173208"/>
+            <a:ext cx="118126" cy="118126"/>
+          </a:xfrm>
+          <a:prstGeom prst="ellipse">
+            <a:avLst/>
+          </a:prstGeom>
+          <a:noFill/>
+          <a:ln w="12700">
+            <a:solidFill>
+              <a:srgbClr val="0070C0"/>
+            </a:solidFill>
+          </a:ln>
+        </p:spPr>
+        <p:style>
+          <a:lnRef idx="2">
+            <a:schemeClr val="accent1">
+              <a:shade val="50000"/>
+            </a:schemeClr>
+          </a:lnRef>
+          <a:fillRef idx="1">
+            <a:schemeClr val="accent1"/>
+          </a:fillRef>
+          <a:effectRef idx="0">
+            <a:schemeClr val="accent1"/>
+          </a:effectRef>
+          <a:fontRef idx="minor">
+            <a:schemeClr val="lt1"/>
+          </a:fontRef>
+        </p:style>
+        <p:txBody>
+          <a:bodyPr rtlCol="0" anchor="ctr"/>
+          <a:lstStyle/>
+          <a:p>
+            <a:pPr algn="ctr"/>
+            <a:r>
+              <a:rPr lang="fr-FR" sz="700" b="1" dirty="0" smtClean="0">
+                <a:solidFill>
+                  <a:srgbClr val="0070C0"/>
+                </a:solidFill>
+              </a:rPr>
+              <a:t>2</a:t>
+            </a:r>
+            <a:endParaRPr lang="fr-FR" sz="1000" b="1" dirty="0">
+              <a:solidFill>
+                <a:srgbClr val="0070C0"/>
+              </a:solidFill>
+            </a:endParaRPr>
+          </a:p>
+        </p:txBody>
+      </p:sp>
+      <p:sp>
+        <p:nvSpPr>
+          <p:cNvPr id="162" name="Ellipse 161"/>
+          <p:cNvSpPr/>
+          <p:nvPr/>
+        </p:nvSpPr>
+        <p:spPr>
+          <a:xfrm>
+            <a:off x="6847071" y="3844763"/>
+            <a:ext cx="118126" cy="118126"/>
+          </a:xfrm>
+          <a:prstGeom prst="ellipse">
+            <a:avLst/>
+          </a:prstGeom>
+          <a:noFill/>
+          <a:ln w="12700">
+            <a:solidFill>
+              <a:srgbClr val="FF0000"/>
+            </a:solidFill>
+          </a:ln>
+        </p:spPr>
+        <p:style>
+          <a:lnRef idx="2">
+            <a:schemeClr val="accent1">
+              <a:shade val="50000"/>
+            </a:schemeClr>
+          </a:lnRef>
+          <a:fillRef idx="1">
+            <a:schemeClr val="accent1"/>
+          </a:fillRef>
+          <a:effectRef idx="0">
+            <a:schemeClr val="accent1"/>
+          </a:effectRef>
+          <a:fontRef idx="minor">
+            <a:schemeClr val="lt1"/>
+          </a:fontRef>
+        </p:style>
+        <p:txBody>
+          <a:bodyPr rtlCol="0" anchor="ctr"/>
+          <a:lstStyle/>
+          <a:p>
+            <a:pPr algn="ctr"/>
+            <a:r>
+              <a:rPr lang="fr-FR" sz="700" b="1" dirty="0" smtClean="0">
+                <a:solidFill>
+                  <a:srgbClr val="FF0000"/>
+                </a:solidFill>
+              </a:rPr>
+              <a:t>3</a:t>
+            </a:r>
+            <a:endParaRPr lang="fr-FR" sz="1000" b="1" dirty="0">
+              <a:solidFill>
+                <a:srgbClr val="FF0000"/>
+              </a:solidFill>
+            </a:endParaRPr>
+          </a:p>
+        </p:txBody>
+      </p:sp>
+    </p:spTree>
+    <p:extLst>
+      <p:ext uri="{BB962C8B-B14F-4D97-AF65-F5344CB8AC3E}">
+        <p14:creationId xmlns:p14="http://schemas.microsoft.com/office/powerpoint/2010/main" val="2830200902"/>
       </p:ext>
     </p:extLst>
   </p:cSld>

--- a/Interrogation_SII/ServoMoteur_CommandeVanne/Divers/Figures.pptx
+++ b/Interrogation_SII/ServoMoteur_CommandeVanne/Divers/Figures.pptx
@@ -9666,8 +9666,8 @@
         </p:nvSpPr>
         <p:spPr>
           <a:xfrm>
-            <a:off x="7766344" y="3486775"/>
-            <a:ext cx="118126" cy="118126"/>
+            <a:off x="7768631" y="3477072"/>
+            <a:ext cx="129952" cy="129952"/>
           </a:xfrm>
           <a:prstGeom prst="ellipse">
             <a:avLst/>
@@ -9696,19 +9696,19 @@
           </a:fontRef>
         </p:style>
         <p:txBody>
-          <a:bodyPr rtlCol="0" anchor="ctr"/>
+          <a:bodyPr lIns="0" tIns="0" rIns="0" bIns="0" rtlCol="0" anchor="ctr"/>
           <a:lstStyle/>
           <a:p>
             <a:pPr algn="ctr"/>
             <a:r>
-              <a:rPr lang="fr-FR" sz="700" b="1" dirty="0" smtClean="0">
+              <a:rPr lang="fr-FR" sz="500" b="1" dirty="0" smtClean="0">
                 <a:solidFill>
                   <a:srgbClr val="7030A0"/>
                 </a:solidFill>
               </a:rPr>
-              <a:t>1</a:t>
+              <a:t>28</a:t>
             </a:r>
-            <a:endParaRPr lang="fr-FR" sz="1000" b="1" dirty="0">
+            <a:endParaRPr lang="fr-FR" sz="800" b="1" dirty="0">
               <a:solidFill>
                 <a:srgbClr val="7030A0"/>
               </a:solidFill>
@@ -9817,16 +9817,74 @@
           <a:p>
             <a:pPr algn="ctr"/>
             <a:r>
-              <a:rPr lang="fr-FR" sz="700" b="1" dirty="0" smtClean="0">
+              <a:rPr lang="fr-FR" sz="800" b="1" dirty="0" smtClean="0">
                 <a:solidFill>
                   <a:srgbClr val="0070C0"/>
+                </a:solidFill>
+              </a:rPr>
+              <a:t>6</a:t>
+            </a:r>
+            <a:endParaRPr lang="fr-FR" sz="900" b="1" dirty="0">
+              <a:solidFill>
+                <a:srgbClr val="0070C0"/>
+              </a:solidFill>
+            </a:endParaRPr>
+          </a:p>
+        </p:txBody>
+      </p:sp>
+      <p:sp>
+        <p:nvSpPr>
+          <p:cNvPr id="162" name="Ellipse 161"/>
+          <p:cNvSpPr/>
+          <p:nvPr/>
+        </p:nvSpPr>
+        <p:spPr>
+          <a:xfrm>
+            <a:off x="6847071" y="3844763"/>
+            <a:ext cx="118126" cy="118126"/>
+          </a:xfrm>
+          <a:prstGeom prst="ellipse">
+            <a:avLst/>
+          </a:prstGeom>
+          <a:noFill/>
+          <a:ln w="12700">
+            <a:solidFill>
+              <a:srgbClr val="FF0000"/>
+            </a:solidFill>
+          </a:ln>
+        </p:spPr>
+        <p:style>
+          <a:lnRef idx="2">
+            <a:schemeClr val="accent1">
+              <a:shade val="50000"/>
+            </a:schemeClr>
+          </a:lnRef>
+          <a:fillRef idx="1">
+            <a:schemeClr val="accent1"/>
+          </a:fillRef>
+          <a:effectRef idx="0">
+            <a:schemeClr val="accent1"/>
+          </a:effectRef>
+          <a:fontRef idx="minor">
+            <a:schemeClr val="lt1"/>
+          </a:fontRef>
+        </p:style>
+        <p:txBody>
+          <a:bodyPr rtlCol="0" anchor="ctr"/>
+          <a:lstStyle/>
+          <a:p>
+            <a:pPr algn="ctr"/>
+            <a:r>
+              <a:rPr lang="fr-FR" sz="700" b="1" dirty="0">
+                <a:solidFill>
+                  <a:srgbClr val="FF0000"/>
                 </a:solidFill>
               </a:rPr>
               <a:t>2</a:t>
             </a:r>
             <a:endParaRPr lang="fr-FR" sz="1000" b="1" dirty="0">
               <a:solidFill>
-                <a:srgbClr val="0070C0"/>
+                <a:srgbClr val="FF0000"/>
               </a:solidFill>
             </a:endParaRPr>
           </a:p>
@@ -9834,13 +9892,13 @@
       </p:sp>
       <p:sp>
         <p:nvSpPr>
-          <p:cNvPr id="162" name="Ellipse 161"/>
+          <p:cNvPr id="45" name="Ellipse 44"/>
           <p:cNvSpPr/>
           <p:nvPr/>
         </p:nvSpPr>
         <p:spPr>
           <a:xfrm>
-            <a:off x="6847071" y="3844763"/>
+            <a:off x="7397527" y="4054787"/>
             <a:ext cx="118126" cy="118126"/>
           </a:xfrm>
           <a:prstGeom prst="ellipse">
@@ -9849,7 +9907,7 @@
           <a:noFill/>
           <a:ln w="12700">
             <a:solidFill>
-              <a:srgbClr val="FF0000"/>
+              <a:srgbClr val="00B050"/>
             </a:solidFill>
           </a:ln>
         </p:spPr>
@@ -9877,14 +9935,14 @@
             <a:r>
               <a:rPr lang="fr-FR" sz="700" b="1" dirty="0" smtClean="0">
                 <a:solidFill>
-                  <a:srgbClr val="FF0000"/>
+                  <a:srgbClr val="00B050"/>
                 </a:solidFill>
               </a:rPr>
-              <a:t>3</a:t>
+              <a:t>7</a:t>
             </a:r>
             <a:endParaRPr lang="fr-FR" sz="1000" b="1" dirty="0">
               <a:solidFill>
-                <a:srgbClr val="FF0000"/>
+                <a:srgbClr val="00B050"/>
               </a:solidFill>
             </a:endParaRPr>
           </a:p>

--- a/Interrogation_SII/ServoMoteur_CommandeVanne/Divers/Figures.pptx
+++ b/Interrogation_SII/ServoMoteur_CommandeVanne/Divers/Figures.pptx
@@ -3128,14 +3128,14 @@
       </p:grpSpPr>
       <p:sp>
         <p:nvSpPr>
-          <p:cNvPr id="335" name="Forme libre 334"/>
+          <p:cNvPr id="138" name="Forme libre 137"/>
           <p:cNvSpPr/>
           <p:nvPr/>
         </p:nvSpPr>
         <p:spPr>
           <a:xfrm>
-            <a:off x="5854695" y="5219700"/>
-            <a:ext cx="781416" cy="65305"/>
+            <a:off x="6397873" y="3068946"/>
+            <a:ext cx="238238" cy="65305"/>
           </a:xfrm>
           <a:custGeom>
             <a:avLst/>
@@ -3207,7 +3207,119 @@
               <a:lumMod val="95000"/>
             </a:schemeClr>
           </a:solidFill>
-          <a:ln w="12700">
+          <a:ln w="9525">
+            <a:solidFill>
+              <a:schemeClr val="tx1"/>
+            </a:solidFill>
+          </a:ln>
+        </p:spPr>
+        <p:style>
+          <a:lnRef idx="2">
+            <a:schemeClr val="accent1">
+              <a:shade val="50000"/>
+            </a:schemeClr>
+          </a:lnRef>
+          <a:fillRef idx="1">
+            <a:schemeClr val="accent1"/>
+          </a:fillRef>
+          <a:effectRef idx="0">
+            <a:schemeClr val="accent1"/>
+          </a:effectRef>
+          <a:fontRef idx="minor">
+            <a:schemeClr val="lt1"/>
+          </a:fontRef>
+        </p:style>
+        <p:txBody>
+          <a:bodyPr rtlCol="0" anchor="ctr"/>
+          <a:lstStyle/>
+          <a:p>
+            <a:pPr algn="ctr"/>
+            <a:endParaRPr lang="fr-FR"/>
+          </a:p>
+        </p:txBody>
+      </p:sp>
+      <p:sp>
+        <p:nvSpPr>
+          <p:cNvPr id="335" name="Forme libre 334"/>
+          <p:cNvSpPr/>
+          <p:nvPr/>
+        </p:nvSpPr>
+        <p:spPr>
+          <a:xfrm>
+            <a:off x="5854695" y="5219700"/>
+            <a:ext cx="781416" cy="65305"/>
+          </a:xfrm>
+          <a:custGeom>
+            <a:avLst/>
+            <a:gdLst>
+              <a:gd name="connsiteX0" fmla="*/ 0 w 781050"/>
+              <a:gd name="connsiteY0" fmla="*/ 0 h 60325"/>
+              <a:gd name="connsiteX1" fmla="*/ 336550 w 781050"/>
+              <a:gd name="connsiteY1" fmla="*/ 60325 h 60325"/>
+              <a:gd name="connsiteX2" fmla="*/ 781050 w 781050"/>
+              <a:gd name="connsiteY2" fmla="*/ 0 h 60325"/>
+              <a:gd name="connsiteX0" fmla="*/ 0 w 781327"/>
+              <a:gd name="connsiteY0" fmla="*/ 0 h 70236"/>
+              <a:gd name="connsiteX1" fmla="*/ 336550 w 781327"/>
+              <a:gd name="connsiteY1" fmla="*/ 60325 h 70236"/>
+              <a:gd name="connsiteX2" fmla="*/ 781050 w 781327"/>
+              <a:gd name="connsiteY2" fmla="*/ 0 h 70236"/>
+              <a:gd name="connsiteX0" fmla="*/ 9 w 781336"/>
+              <a:gd name="connsiteY0" fmla="*/ 0 h 70236"/>
+              <a:gd name="connsiteX1" fmla="*/ 336559 w 781336"/>
+              <a:gd name="connsiteY1" fmla="*/ 60325 h 70236"/>
+              <a:gd name="connsiteX2" fmla="*/ 781059 w 781336"/>
+              <a:gd name="connsiteY2" fmla="*/ 0 h 70236"/>
+              <a:gd name="connsiteX0" fmla="*/ 8 w 781392"/>
+              <a:gd name="connsiteY0" fmla="*/ 0 h 77974"/>
+              <a:gd name="connsiteX1" fmla="*/ 393708 w 781392"/>
+              <a:gd name="connsiteY1" fmla="*/ 73025 h 77974"/>
+              <a:gd name="connsiteX2" fmla="*/ 781058 w 781392"/>
+              <a:gd name="connsiteY2" fmla="*/ 0 h 77974"/>
+              <a:gd name="connsiteX0" fmla="*/ 7 w 781416"/>
+              <a:gd name="connsiteY0" fmla="*/ 0 h 65305"/>
+              <a:gd name="connsiteX1" fmla="*/ 412757 w 781416"/>
+              <a:gd name="connsiteY1" fmla="*/ 50800 h 65305"/>
+              <a:gd name="connsiteX2" fmla="*/ 781057 w 781416"/>
+              <a:gd name="connsiteY2" fmla="*/ 0 h 65305"/>
+            </a:gdLst>
+            <a:ahLst/>
+            <a:cxnLst>
+              <a:cxn ang="0">
+                <a:pos x="connsiteX0" y="connsiteY0"/>
+              </a:cxn>
+              <a:cxn ang="0">
+                <a:pos x="connsiteX1" y="connsiteY1"/>
+              </a:cxn>
+              <a:cxn ang="0">
+                <a:pos x="connsiteX2" y="connsiteY2"/>
+              </a:cxn>
+            </a:cxnLst>
+            <a:rect l="l" t="t" r="r" b="b"/>
+            <a:pathLst>
+              <a:path w="781416" h="65305">
+                <a:moveTo>
+                  <a:pt x="7" y="0"/>
+                </a:moveTo>
+                <a:cubicBezTo>
+                  <a:pt x="-1581" y="90487"/>
+                  <a:pt x="282582" y="50800"/>
+                  <a:pt x="412757" y="50800"/>
+                </a:cubicBezTo>
+                <a:cubicBezTo>
+                  <a:pt x="542932" y="50800"/>
+                  <a:pt x="792169" y="106362"/>
+                  <a:pt x="781057" y="0"/>
+                </a:cubicBezTo>
+              </a:path>
+            </a:pathLst>
+          </a:custGeom>
+          <a:solidFill>
+            <a:schemeClr val="bg1">
+              <a:lumMod val="95000"/>
+            </a:schemeClr>
+          </a:solidFill>
+          <a:ln w="9525">
             <a:solidFill>
               <a:schemeClr val="tx1"/>
             </a:solidFill>
@@ -8181,6 +8293,171 @@
           </a:p>
         </p:txBody>
       </p:sp>
+      <p:sp>
+        <p:nvSpPr>
+          <p:cNvPr id="127" name="Ellipse 126"/>
+          <p:cNvSpPr/>
+          <p:nvPr/>
+        </p:nvSpPr>
+        <p:spPr>
+          <a:xfrm>
+            <a:off x="6449110" y="2837780"/>
+            <a:ext cx="108000" cy="108000"/>
+          </a:xfrm>
+          <a:prstGeom prst="ellipse">
+            <a:avLst/>
+          </a:prstGeom>
+          <a:noFill/>
+          <a:ln w="12700">
+            <a:solidFill>
+              <a:schemeClr val="tx1"/>
+            </a:solidFill>
+          </a:ln>
+        </p:spPr>
+        <p:style>
+          <a:lnRef idx="2">
+            <a:schemeClr val="accent1">
+              <a:shade val="50000"/>
+            </a:schemeClr>
+          </a:lnRef>
+          <a:fillRef idx="1">
+            <a:schemeClr val="accent1"/>
+          </a:fillRef>
+          <a:effectRef idx="0">
+            <a:schemeClr val="accent1"/>
+          </a:effectRef>
+          <a:fontRef idx="minor">
+            <a:schemeClr val="lt1"/>
+          </a:fontRef>
+        </p:style>
+        <p:txBody>
+          <a:bodyPr rtlCol="0" anchor="ctr"/>
+          <a:lstStyle/>
+          <a:p>
+            <a:pPr algn="ctr"/>
+            <a:endParaRPr lang="fr-FR"/>
+          </a:p>
+        </p:txBody>
+      </p:sp>
+      <p:cxnSp>
+        <p:nvCxnSpPr>
+          <p:cNvPr id="128" name="Connecteur droit 127"/>
+          <p:cNvCxnSpPr>
+            <a:stCxn id="212" idx="7"/>
+            <a:endCxn id="127" idx="7"/>
+          </p:cNvCxnSpPr>
+          <p:nvPr/>
+        </p:nvCxnSpPr>
+        <p:spPr>
+          <a:xfrm flipH="1">
+            <a:off x="6541294" y="2427201"/>
+            <a:ext cx="426396" cy="426395"/>
+          </a:xfrm>
+          <a:prstGeom prst="line">
+            <a:avLst/>
+          </a:prstGeom>
+          <a:noFill/>
+          <a:ln w="12700">
+            <a:solidFill>
+              <a:srgbClr val="FFC000"/>
+            </a:solidFill>
+          </a:ln>
+        </p:spPr>
+        <p:style>
+          <a:lnRef idx="2">
+            <a:schemeClr val="accent1">
+              <a:shade val="50000"/>
+            </a:schemeClr>
+          </a:lnRef>
+          <a:fillRef idx="1">
+            <a:schemeClr val="accent1"/>
+          </a:fillRef>
+          <a:effectRef idx="0">
+            <a:schemeClr val="accent1"/>
+          </a:effectRef>
+          <a:fontRef idx="minor">
+            <a:schemeClr val="lt1"/>
+          </a:fontRef>
+        </p:style>
+      </p:cxnSp>
+      <p:cxnSp>
+        <p:nvCxnSpPr>
+          <p:cNvPr id="132" name="Connecteur droit 131"/>
+          <p:cNvCxnSpPr>
+            <a:stCxn id="127" idx="4"/>
+          </p:cNvCxnSpPr>
+          <p:nvPr/>
+        </p:nvCxnSpPr>
+        <p:spPr>
+          <a:xfrm>
+            <a:off x="6503110" y="2945780"/>
+            <a:ext cx="0" cy="123170"/>
+          </a:xfrm>
+          <a:prstGeom prst="line">
+            <a:avLst/>
+          </a:prstGeom>
+          <a:noFill/>
+          <a:ln w="12700">
+            <a:solidFill>
+              <a:schemeClr val="tx1"/>
+            </a:solidFill>
+          </a:ln>
+        </p:spPr>
+        <p:style>
+          <a:lnRef idx="2">
+            <a:schemeClr val="accent1">
+              <a:shade val="50000"/>
+            </a:schemeClr>
+          </a:lnRef>
+          <a:fillRef idx="1">
+            <a:schemeClr val="accent1"/>
+          </a:fillRef>
+          <a:effectRef idx="0">
+            <a:schemeClr val="accent1"/>
+          </a:effectRef>
+          <a:fontRef idx="minor">
+            <a:schemeClr val="lt1"/>
+          </a:fontRef>
+        </p:style>
+      </p:cxnSp>
+      <p:cxnSp>
+        <p:nvCxnSpPr>
+          <p:cNvPr id="135" name="Connecteur droit 134"/>
+          <p:cNvCxnSpPr/>
+          <p:nvPr/>
+        </p:nvCxnSpPr>
+        <p:spPr>
+          <a:xfrm flipV="1">
+            <a:off x="6397873" y="3068946"/>
+            <a:ext cx="238238" cy="4"/>
+          </a:xfrm>
+          <a:prstGeom prst="line">
+            <a:avLst/>
+          </a:prstGeom>
+          <a:noFill/>
+          <a:ln w="12700">
+            <a:solidFill>
+              <a:schemeClr val="tx1"/>
+            </a:solidFill>
+          </a:ln>
+        </p:spPr>
+        <p:style>
+          <a:lnRef idx="2">
+            <a:schemeClr val="accent1">
+              <a:shade val="50000"/>
+            </a:schemeClr>
+          </a:lnRef>
+          <a:fillRef idx="1">
+            <a:schemeClr val="accent1"/>
+          </a:fillRef>
+          <a:effectRef idx="0">
+            <a:schemeClr val="accent1"/>
+          </a:effectRef>
+          <a:fontRef idx="minor">
+            <a:schemeClr val="lt1"/>
+          </a:fontRef>
+        </p:style>
+      </p:cxnSp>
     </p:spTree>
     <p:extLst>
       <p:ext uri="{BB962C8B-B14F-4D97-AF65-F5344CB8AC3E}">
